--- a/Paper Review/Paper Review 1 - John Wesley Mathis.pptx
+++ b/Paper Review/Paper Review 1 - John Wesley Mathis.pptx
@@ -352,7 +352,7 @@
             <a:pPr indent="0" algn="r">
               <a:buNone/>
             </a:pPr>
-            <a:fld id="{C531F3FB-99BF-441F-965F-E306CA6EC79F}" type="slidenum">
+            <a:fld id="{88EA7FA7-1646-4654-BDF4-8E11DD2BD35A}" type="slidenum">
               <a:rPr b="0" lang="en-US" sz="1400" spc="-1" strike="noStrike">
                 <a:solidFill>
                   <a:srgbClr val="000000"/>
@@ -406,7 +406,7 @@
         <p:spPr>
           <a:xfrm>
             <a:off x="533520" y="764280"/>
-            <a:ext cx="6704280" cy="3771000"/>
+            <a:ext cx="6703920" cy="3770640"/>
           </a:xfrm>
           <a:prstGeom prst="rect">
             <a:avLst/>
@@ -429,7 +429,7 @@
         <p:spPr>
           <a:xfrm>
             <a:off x="777240" y="4777560"/>
-            <a:ext cx="6217200" cy="4525560"/>
+            <a:ext cx="6216840" cy="4525200"/>
           </a:xfrm>
           <a:prstGeom prst="rect">
             <a:avLst/>
@@ -558,7 +558,7 @@
         <p:spPr>
           <a:xfrm>
             <a:off x="533520" y="764280"/>
-            <a:ext cx="6704280" cy="3771000"/>
+            <a:ext cx="6703920" cy="3770640"/>
           </a:xfrm>
           <a:prstGeom prst="rect">
             <a:avLst/>
@@ -581,7 +581,7 @@
         <p:spPr>
           <a:xfrm>
             <a:off x="777240" y="4777560"/>
-            <a:ext cx="6217200" cy="4525560"/>
+            <a:ext cx="6216840" cy="4525200"/>
           </a:xfrm>
           <a:prstGeom prst="rect">
             <a:avLst/>
@@ -753,7 +753,7 @@
         <p:spPr>
           <a:xfrm>
             <a:off x="533520" y="764280"/>
-            <a:ext cx="6704280" cy="3771000"/>
+            <a:ext cx="6703920" cy="3770640"/>
           </a:xfrm>
           <a:prstGeom prst="rect">
             <a:avLst/>
@@ -776,7 +776,7 @@
         <p:spPr>
           <a:xfrm>
             <a:off x="777240" y="4777560"/>
-            <a:ext cx="6217200" cy="4525560"/>
+            <a:ext cx="6216840" cy="4525200"/>
           </a:xfrm>
           <a:prstGeom prst="rect">
             <a:avLst/>
@@ -870,7 +870,7 @@
         <p:spPr>
           <a:xfrm>
             <a:off x="533520" y="764280"/>
-            <a:ext cx="6704280" cy="3771000"/>
+            <a:ext cx="6703920" cy="3770640"/>
           </a:xfrm>
           <a:prstGeom prst="rect">
             <a:avLst/>
@@ -893,7 +893,7 @@
         <p:spPr>
           <a:xfrm>
             <a:off x="777240" y="4777560"/>
-            <a:ext cx="6217200" cy="4525560"/>
+            <a:ext cx="6216840" cy="4525200"/>
           </a:xfrm>
           <a:prstGeom prst="rect">
             <a:avLst/>
@@ -996,7 +996,7 @@
         <p:spPr>
           <a:xfrm>
             <a:off x="533520" y="764280"/>
-            <a:ext cx="6704280" cy="3771000"/>
+            <a:ext cx="6703920" cy="3770640"/>
           </a:xfrm>
           <a:prstGeom prst="rect">
             <a:avLst/>
@@ -1019,7 +1019,7 @@
         <p:spPr>
           <a:xfrm>
             <a:off x="777240" y="4777560"/>
-            <a:ext cx="6217200" cy="4525560"/>
+            <a:ext cx="6216840" cy="4525200"/>
           </a:xfrm>
           <a:prstGeom prst="rect">
             <a:avLst/>
@@ -1122,7 +1122,7 @@
         <p:spPr>
           <a:xfrm>
             <a:off x="533520" y="764280"/>
-            <a:ext cx="6704280" cy="3771000"/>
+            <a:ext cx="6703920" cy="3770640"/>
           </a:xfrm>
           <a:prstGeom prst="rect">
             <a:avLst/>
@@ -1145,7 +1145,7 @@
         <p:spPr>
           <a:xfrm>
             <a:off x="777240" y="4777560"/>
-            <a:ext cx="6217200" cy="4525560"/>
+            <a:ext cx="6216840" cy="4525200"/>
           </a:xfrm>
           <a:prstGeom prst="rect">
             <a:avLst/>
@@ -1248,7 +1248,7 @@
         <p:spPr>
           <a:xfrm>
             <a:off x="504000" y="226080"/>
-            <a:ext cx="9071280" cy="946080"/>
+            <a:ext cx="9070920" cy="945720"/>
           </a:xfrm>
           <a:prstGeom prst="rect">
             <a:avLst/>
@@ -1288,7 +1288,7 @@
         <p:spPr>
           <a:xfrm>
             <a:off x="504000" y="1326600"/>
-            <a:ext cx="9071280" cy="3287880"/>
+            <a:ext cx="9070920" cy="3287520"/>
           </a:xfrm>
           <a:prstGeom prst="rect">
             <a:avLst/>
@@ -1352,7 +1352,7 @@
         <p:txBody>
           <a:bodyPr/>
           <a:p>
-            <a:fld id="{70C5D3C4-29CF-4577-B693-4852751EF531}" type="slidenum">
+            <a:fld id="{2D470F28-533C-449D-B5E4-1964B5A5F0FE}" type="slidenum">
               <a:t>&lt;#&gt;</a:t>
             </a:fld>
           </a:p>
@@ -1414,7 +1414,7 @@
         <p:spPr>
           <a:xfrm>
             <a:off x="504000" y="226080"/>
-            <a:ext cx="9071280" cy="946080"/>
+            <a:ext cx="9070920" cy="945720"/>
           </a:xfrm>
           <a:prstGeom prst="rect">
             <a:avLst/>
@@ -1454,7 +1454,7 @@
         <p:spPr>
           <a:xfrm>
             <a:off x="504000" y="1326600"/>
-            <a:ext cx="9071280" cy="3287880"/>
+            <a:ext cx="9070920" cy="3287520"/>
           </a:xfrm>
           <a:prstGeom prst="rect">
             <a:avLst/>
@@ -1515,7 +1515,7 @@
         <p:txBody>
           <a:bodyPr/>
           <a:p>
-            <a:fld id="{47A4DFCB-03A7-4668-ADAB-1534CE12D9C2}" type="slidenum">
+            <a:fld id="{B4A98217-8365-4EF0-B4BF-E5366D864B7C}" type="slidenum">
               <a:t>&lt;#&gt;</a:t>
             </a:fld>
           </a:p>
@@ -1577,7 +1577,7 @@
         <p:spPr>
           <a:xfrm>
             <a:off x="504000" y="226080"/>
-            <a:ext cx="9071280" cy="946080"/>
+            <a:ext cx="9070920" cy="945720"/>
           </a:xfrm>
           <a:prstGeom prst="rect">
             <a:avLst/>
@@ -1626,7 +1626,7 @@
         <p:spPr>
           <a:xfrm>
             <a:off x="504000" y="1326600"/>
-            <a:ext cx="9071280" cy="3287880"/>
+            <a:ext cx="9070920" cy="3287520"/>
           </a:xfrm>
           <a:prstGeom prst="rect">
             <a:avLst/>
@@ -1851,7 +1851,7 @@
         <p:spPr>
           <a:xfrm>
             <a:off x="3447360" y="5165280"/>
-            <a:ext cx="3194640" cy="390240"/>
+            <a:ext cx="3194280" cy="389880"/>
           </a:xfrm>
           <a:prstGeom prst="rect">
             <a:avLst/>
@@ -1923,7 +1923,7 @@
         <p:spPr>
           <a:xfrm>
             <a:off x="7227360" y="5165280"/>
-            <a:ext cx="2347920" cy="390240"/>
+            <a:ext cx="2347560" cy="389880"/>
           </a:xfrm>
           <a:prstGeom prst="rect">
             <a:avLst/>
@@ -1964,7 +1964,7 @@
                 <a:tab algn="l" pos="0"/>
               </a:tabLst>
             </a:pPr>
-            <a:fld id="{DDAFD2AA-2E30-4826-AE7B-647F1D6D20F9}" type="slidenum">
+            <a:fld id="{CD62F05D-C9BF-4245-84B4-E4ECFD549341}" type="slidenum">
               <a:rPr b="0" lang="en-US" sz="1400" spc="-1" strike="noStrike">
                 <a:solidFill>
                   <a:srgbClr val="000000"/>
@@ -1995,7 +1995,7 @@
         <p:spPr>
           <a:xfrm>
             <a:off x="504000" y="5165280"/>
-            <a:ext cx="2347920" cy="390240"/>
+            <a:ext cx="2347560" cy="389880"/>
           </a:xfrm>
           <a:prstGeom prst="rect">
             <a:avLst/>
@@ -2081,7 +2081,7 @@
         <p:spPr>
           <a:xfrm>
             <a:off x="504000" y="226080"/>
-            <a:ext cx="9071280" cy="946080"/>
+            <a:ext cx="9070920" cy="945720"/>
           </a:xfrm>
           <a:prstGeom prst="rect">
             <a:avLst/>
@@ -2130,7 +2130,7 @@
         <p:spPr>
           <a:xfrm>
             <a:off x="3447360" y="5165280"/>
-            <a:ext cx="3194640" cy="390240"/>
+            <a:ext cx="3194280" cy="389880"/>
           </a:xfrm>
           <a:prstGeom prst="rect">
             <a:avLst/>
@@ -2202,7 +2202,7 @@
         <p:spPr>
           <a:xfrm>
             <a:off x="7227360" y="5165280"/>
-            <a:ext cx="2347920" cy="390240"/>
+            <a:ext cx="2347560" cy="389880"/>
           </a:xfrm>
           <a:prstGeom prst="rect">
             <a:avLst/>
@@ -2243,7 +2243,7 @@
                 <a:tab algn="l" pos="0"/>
               </a:tabLst>
             </a:pPr>
-            <a:fld id="{2D782535-58D7-46E6-8070-811E2672E4AD}" type="slidenum">
+            <a:fld id="{C0CD720F-3619-4F9F-B417-D22C154F18CB}" type="slidenum">
               <a:rPr b="0" lang="en-US" sz="1400" spc="-1" strike="noStrike">
                 <a:solidFill>
                   <a:srgbClr val="000000"/>
@@ -2274,7 +2274,7 @@
         <p:spPr>
           <a:xfrm>
             <a:off x="504000" y="5165280"/>
-            <a:ext cx="2347920" cy="390240"/>
+            <a:ext cx="2347560" cy="389880"/>
           </a:xfrm>
           <a:prstGeom prst="rect">
             <a:avLst/>
@@ -2585,7 +2585,7 @@
         <p:spPr>
           <a:xfrm>
             <a:off x="504000" y="226080"/>
-            <a:ext cx="9071280" cy="5031360"/>
+            <a:ext cx="9070920" cy="5031000"/>
           </a:xfrm>
           <a:prstGeom prst="rect">
             <a:avLst/>
@@ -2630,13 +2630,13 @@
       <p:sp>
         <p:nvSpPr>
           <p:cNvPr id="21" name=""/>
-          <p:cNvSpPr txBox="1"/>
+          <p:cNvSpPr/>
           <p:nvPr/>
         </p:nvSpPr>
         <p:spPr>
           <a:xfrm>
             <a:off x="3886200" y="4682880"/>
-            <a:ext cx="2286000" cy="346320"/>
+            <a:ext cx="2285640" cy="345960"/>
           </a:xfrm>
           <a:prstGeom prst="rect">
             <a:avLst/>
@@ -2646,11 +2646,22 @@
             <a:noFill/>
           </a:ln>
         </p:spPr>
+        <p:style>
+          <a:lnRef idx="0"/>
+          <a:fillRef idx="0"/>
+          <a:effectRef idx="0"/>
+          <a:fontRef idx="minor"/>
+        </p:style>
         <p:txBody>
           <a:bodyPr lIns="90000" rIns="90000" tIns="45000" bIns="45000" anchor="t">
             <a:noAutofit/>
           </a:bodyPr>
           <a:p>
+            <a:pPr algn="ctr">
+              <a:lnSpc>
+                <a:spcPct val="100000"/>
+              </a:lnSpc>
+            </a:pPr>
             <a:r>
               <a:rPr b="0" lang="en-US" sz="1800" spc="-1" strike="noStrike">
                 <a:solidFill>
@@ -2659,6 +2670,28 @@
                 <a:latin typeface="Arial"/>
               </a:rPr>
               <a:t>John Wesley Mathis</a:t>
+            </a:r>
+            <a:endParaRPr b="0" lang="en-US" sz="1800" spc="-1" strike="noStrike">
+              <a:solidFill>
+                <a:srgbClr val="000000"/>
+              </a:solidFill>
+              <a:latin typeface="Arial"/>
+            </a:endParaRPr>
+          </a:p>
+          <a:p>
+            <a:pPr algn="ctr">
+              <a:lnSpc>
+                <a:spcPct val="100000"/>
+              </a:lnSpc>
+            </a:pPr>
+            <a:r>
+              <a:rPr b="0" lang="en-US" sz="1800" spc="-1" strike="noStrike">
+                <a:solidFill>
+                  <a:srgbClr val="000000"/>
+                </a:solidFill>
+                <a:latin typeface="Arial"/>
+              </a:rPr>
+              <a:t>ECE/SSE 591</a:t>
             </a:r>
             <a:endParaRPr b="0" lang="en-US" sz="1800" spc="-1" strike="noStrike">
               <a:solidFill>
@@ -2712,7 +2745,7 @@
         <p:spPr>
           <a:xfrm>
             <a:off x="0" y="-238320"/>
-            <a:ext cx="10743840" cy="1874880"/>
+            <a:ext cx="10743480" cy="1874520"/>
           </a:xfrm>
           <a:prstGeom prst="rect">
             <a:avLst/>
@@ -2770,7 +2803,7 @@
         <p:spPr>
           <a:xfrm>
             <a:off x="685800" y="1640160"/>
-            <a:ext cx="6171840" cy="3845880"/>
+            <a:ext cx="6171480" cy="3845520"/>
           </a:xfrm>
           <a:prstGeom prst="rect">
             <a:avLst/>
@@ -2793,7 +2826,7 @@
         <p:spPr>
           <a:xfrm>
             <a:off x="914400" y="1640160"/>
-            <a:ext cx="6008400" cy="3891960"/>
+            <a:ext cx="6008040" cy="3891600"/>
           </a:xfrm>
           <a:prstGeom prst="rect">
             <a:avLst/>
@@ -2816,7 +2849,7 @@
         <p:spPr>
           <a:xfrm>
             <a:off x="771480" y="1454400"/>
-            <a:ext cx="5857560" cy="4077720"/>
+            <a:ext cx="5857200" cy="4077360"/>
           </a:xfrm>
           <a:prstGeom prst="rect">
             <a:avLst/>
@@ -2989,7 +3022,7 @@
         <p:spPr>
           <a:xfrm>
             <a:off x="504000" y="226080"/>
-            <a:ext cx="9071280" cy="946080"/>
+            <a:ext cx="9070920" cy="945720"/>
           </a:xfrm>
           <a:prstGeom prst="rect">
             <a:avLst/>
@@ -3044,7 +3077,7 @@
         <p:spPr>
           <a:xfrm>
             <a:off x="504000" y="1326600"/>
-            <a:ext cx="9071280" cy="3287880"/>
+            <a:ext cx="9070920" cy="3287520"/>
           </a:xfrm>
           <a:prstGeom prst="rect">
             <a:avLst/>
@@ -3196,7 +3229,7 @@
         <p:spPr>
           <a:xfrm>
             <a:off x="504000" y="226080"/>
-            <a:ext cx="9071280" cy="946080"/>
+            <a:ext cx="9070920" cy="945720"/>
           </a:xfrm>
           <a:prstGeom prst="rect">
             <a:avLst/>
@@ -3251,7 +3284,7 @@
         <p:spPr>
           <a:xfrm>
             <a:off x="504000" y="1326600"/>
-            <a:ext cx="9071280" cy="3287880"/>
+            <a:ext cx="9070920" cy="3287520"/>
           </a:xfrm>
           <a:prstGeom prst="rect">
             <a:avLst/>
@@ -3576,7 +3609,7 @@
         <p:spPr>
           <a:xfrm>
             <a:off x="504000" y="226080"/>
-            <a:ext cx="9071280" cy="946080"/>
+            <a:ext cx="9070920" cy="945720"/>
           </a:xfrm>
           <a:prstGeom prst="rect">
             <a:avLst/>
@@ -3631,7 +3664,7 @@
         <p:spPr>
           <a:xfrm>
             <a:off x="504000" y="1326600"/>
-            <a:ext cx="9071280" cy="3287880"/>
+            <a:ext cx="9070920" cy="3287520"/>
           </a:xfrm>
           <a:prstGeom prst="rect">
             <a:avLst/>
@@ -3704,7 +3737,7 @@
         <p:spPr>
           <a:xfrm>
             <a:off x="504000" y="226080"/>
-            <a:ext cx="9071280" cy="946080"/>
+            <a:ext cx="9070920" cy="945720"/>
           </a:xfrm>
           <a:prstGeom prst="rect">
             <a:avLst/>
@@ -3759,7 +3792,7 @@
         <p:spPr>
           <a:xfrm>
             <a:off x="504000" y="1326600"/>
-            <a:ext cx="9071280" cy="3287880"/>
+            <a:ext cx="9070920" cy="3287520"/>
           </a:xfrm>
           <a:prstGeom prst="rect">
             <a:avLst/>
@@ -3942,7 +3975,7 @@
         <p:spPr>
           <a:xfrm>
             <a:off x="504000" y="226080"/>
-            <a:ext cx="9071280" cy="946080"/>
+            <a:ext cx="9070920" cy="945720"/>
           </a:xfrm>
           <a:prstGeom prst="rect">
             <a:avLst/>
@@ -3997,7 +4030,7 @@
         <p:spPr>
           <a:xfrm>
             <a:off x="504000" y="1326600"/>
-            <a:ext cx="9071280" cy="3287880"/>
+            <a:ext cx="9070920" cy="3287520"/>
           </a:xfrm>
           <a:prstGeom prst="rect">
             <a:avLst/>
@@ -4180,7 +4213,7 @@
         <p:spPr>
           <a:xfrm>
             <a:off x="504000" y="226080"/>
-            <a:ext cx="9071280" cy="946080"/>
+            <a:ext cx="9070920" cy="945720"/>
           </a:xfrm>
           <a:prstGeom prst="rect">
             <a:avLst/>
@@ -4220,7 +4253,7 @@
         <p:spPr>
           <a:xfrm>
             <a:off x="1527480" y="914400"/>
-            <a:ext cx="6701760" cy="4800240"/>
+            <a:ext cx="6701400" cy="4799880"/>
           </a:xfrm>
           <a:prstGeom prst="rect">
             <a:avLst/>
@@ -4273,7 +4306,7 @@
         <p:spPr>
           <a:xfrm>
             <a:off x="504000" y="74160"/>
-            <a:ext cx="9071280" cy="1249920"/>
+            <a:ext cx="9070920" cy="1249560"/>
           </a:xfrm>
           <a:prstGeom prst="rect">
             <a:avLst/>
@@ -4328,7 +4361,7 @@
         <p:spPr>
           <a:xfrm>
             <a:off x="457200" y="1371600"/>
-            <a:ext cx="5486040" cy="4114440"/>
+            <a:ext cx="5485680" cy="4114080"/>
           </a:xfrm>
           <a:prstGeom prst="rect">
             <a:avLst/>
@@ -4697,7 +4730,7 @@
         <p:spPr>
           <a:xfrm>
             <a:off x="504000" y="226080"/>
-            <a:ext cx="9071280" cy="946080"/>
+            <a:ext cx="9070920" cy="945720"/>
           </a:xfrm>
           <a:prstGeom prst="rect">
             <a:avLst/>
@@ -4752,7 +4785,7 @@
         <p:spPr>
           <a:xfrm>
             <a:off x="504000" y="1326600"/>
-            <a:ext cx="4982040" cy="4159440"/>
+            <a:ext cx="4981680" cy="4159080"/>
           </a:xfrm>
           <a:prstGeom prst="rect">
             <a:avLst/>
@@ -4998,7 +5031,7 @@
         <p:spPr>
           <a:xfrm>
             <a:off x="8195760" y="228600"/>
-            <a:ext cx="1319760" cy="1599840"/>
+            <a:ext cx="1319400" cy="1599480"/>
           </a:xfrm>
           <a:prstGeom prst="rect">
             <a:avLst/>
@@ -5051,7 +5084,7 @@
         <p:spPr>
           <a:xfrm>
             <a:off x="504000" y="226080"/>
-            <a:ext cx="9071280" cy="946080"/>
+            <a:ext cx="9070920" cy="945720"/>
           </a:xfrm>
           <a:prstGeom prst="rect">
             <a:avLst/>
@@ -5106,7 +5139,7 @@
         <p:spPr>
           <a:xfrm>
             <a:off x="529560" y="1326600"/>
-            <a:ext cx="4042080" cy="3930840"/>
+            <a:ext cx="4041720" cy="3930480"/>
           </a:xfrm>
           <a:prstGeom prst="rect">
             <a:avLst/>
@@ -5363,7 +5396,7 @@
         <p:spPr>
           <a:xfrm>
             <a:off x="7772400" y="990720"/>
-            <a:ext cx="2057040" cy="1371240"/>
+            <a:ext cx="2056680" cy="1370880"/>
           </a:xfrm>
           <a:prstGeom prst="rect">
             <a:avLst/>
@@ -5392,7 +5425,7 @@
         <p:spPr>
           <a:xfrm>
             <a:off x="4572000" y="2057400"/>
-            <a:ext cx="2285640" cy="926280"/>
+            <a:ext cx="2285280" cy="925920"/>
           </a:xfrm>
           <a:prstGeom prst="rect">
             <a:avLst/>
@@ -5415,7 +5448,7 @@
         <p:spPr>
           <a:xfrm>
             <a:off x="7086600" y="2778120"/>
-            <a:ext cx="2742840" cy="1233360"/>
+            <a:ext cx="2742480" cy="1233000"/>
           </a:xfrm>
           <a:prstGeom prst="rect">
             <a:avLst/>
@@ -5438,7 +5471,7 @@
         <p:spPr>
           <a:xfrm>
             <a:off x="4960800" y="4114800"/>
-            <a:ext cx="2354040" cy="470160"/>
+            <a:ext cx="2353680" cy="469800"/>
           </a:xfrm>
           <a:prstGeom prst="rect">
             <a:avLst/>
@@ -5467,7 +5500,7 @@
         <p:spPr>
           <a:xfrm>
             <a:off x="8229600" y="4293720"/>
-            <a:ext cx="1142640" cy="1375920"/>
+            <a:ext cx="1142280" cy="1375560"/>
           </a:xfrm>
           <a:prstGeom prst="rect">
             <a:avLst/>
@@ -5520,7 +5553,7 @@
         <p:spPr>
           <a:xfrm>
             <a:off x="504000" y="226080"/>
-            <a:ext cx="9071280" cy="946080"/>
+            <a:ext cx="9070920" cy="945720"/>
           </a:xfrm>
           <a:prstGeom prst="rect">
             <a:avLst/>
@@ -5575,7 +5608,7 @@
         <p:spPr>
           <a:xfrm>
             <a:off x="504000" y="1326600"/>
-            <a:ext cx="9071280" cy="3287880"/>
+            <a:ext cx="9070920" cy="3287520"/>
           </a:xfrm>
           <a:prstGeom prst="rect">
             <a:avLst/>
@@ -5696,7 +5729,7 @@
         <p:spPr>
           <a:xfrm>
             <a:off x="504000" y="74160"/>
-            <a:ext cx="9071280" cy="1249920"/>
+            <a:ext cx="9070920" cy="1249560"/>
           </a:xfrm>
           <a:prstGeom prst="rect">
             <a:avLst/>
@@ -5754,7 +5787,7 @@
         <p:spPr>
           <a:xfrm>
             <a:off x="504000" y="1326600"/>
-            <a:ext cx="9071280" cy="3287880"/>
+            <a:ext cx="9070920" cy="3287520"/>
           </a:xfrm>
           <a:prstGeom prst="rect">
             <a:avLst/>
@@ -5797,7 +5830,7 @@
         <p:spPr>
           <a:xfrm>
             <a:off x="177480" y="1326600"/>
-            <a:ext cx="4395240" cy="2787840"/>
+            <a:ext cx="4394880" cy="2787480"/>
           </a:xfrm>
           <a:prstGeom prst="rect">
             <a:avLst/>
@@ -5820,7 +5853,7 @@
         <p:spPr>
           <a:xfrm>
             <a:off x="4773240" y="1600200"/>
-            <a:ext cx="5284800" cy="2285640"/>
+            <a:ext cx="5284440" cy="2285280"/>
           </a:xfrm>
           <a:prstGeom prst="rect">
             <a:avLst/>
@@ -5843,7 +5876,7 @@
         <p:spPr>
           <a:xfrm>
             <a:off x="647280" y="1234440"/>
-            <a:ext cx="8724960" cy="4435200"/>
+            <a:ext cx="8724600" cy="4434840"/>
           </a:xfrm>
           <a:prstGeom prst="rect">
             <a:avLst/>

--- a/Paper Review/Paper Review 1 - John Wesley Mathis.pptx
+++ b/Paper Review/Paper Review 1 - John Wesley Mathis.pptx
@@ -22,6 +22,8 @@
     <p:sldId id="266" r:id="rId15"/>
     <p:sldId id="267" r:id="rId16"/>
     <p:sldId id="268" r:id="rId17"/>
+    <p:sldId id="269" r:id="rId18"/>
+    <p:sldId id="270" r:id="rId19"/>
   </p:sldIdLst>
   <p:sldSz cx="10080625" cy="5670550"/>
   <p:notesSz cx="7772400" cy="10058400"/>
@@ -81,7 +83,52 @@
                 </a:solidFill>
                 <a:latin typeface="Arial"/>
               </a:rPr>
-              <a:t>Click to move the slide</a:t>
+              <a:t>Click </a:t>
+            </a:r>
+            <a:r>
+              <a:rPr b="0" lang="en-US" sz="4400" spc="-1" strike="noStrike">
+                <a:solidFill>
+                  <a:srgbClr val="000000"/>
+                </a:solidFill>
+                <a:latin typeface="Arial"/>
+              </a:rPr>
+              <a:t>to </a:t>
+            </a:r>
+            <a:r>
+              <a:rPr b="0" lang="en-US" sz="4400" spc="-1" strike="noStrike">
+                <a:solidFill>
+                  <a:srgbClr val="000000"/>
+                </a:solidFill>
+                <a:latin typeface="Arial"/>
+              </a:rPr>
+              <a:t>mov</a:t>
+            </a:r>
+            <a:r>
+              <a:rPr b="0" lang="en-US" sz="4400" spc="-1" strike="noStrike">
+                <a:solidFill>
+                  <a:srgbClr val="000000"/>
+                </a:solidFill>
+                <a:latin typeface="Arial"/>
+              </a:rPr>
+              <a:t>e </a:t>
+            </a:r>
+            <a:r>
+              <a:rPr b="0" lang="en-US" sz="4400" spc="-1" strike="noStrike">
+                <a:solidFill>
+                  <a:srgbClr val="000000"/>
+                </a:solidFill>
+                <a:latin typeface="Arial"/>
+              </a:rPr>
+              <a:t>the </a:t>
+            </a:r>
+            <a:r>
+              <a:rPr b="0" lang="en-US" sz="4400" spc="-1" strike="noStrike">
+                <a:solidFill>
+                  <a:srgbClr val="000000"/>
+                </a:solidFill>
+                <a:latin typeface="Arial"/>
+              </a:rPr>
+              <a:t>slide</a:t>
             </a:r>
             <a:endParaRPr b="0" lang="en-US" sz="4400" spc="-1" strike="noStrike">
               <a:solidFill>
@@ -130,7 +177,34 @@
                 </a:solidFill>
                 <a:latin typeface="Arial"/>
               </a:rPr>
-              <a:t>Click to edit the notes format</a:t>
+              <a:t>Click to </a:t>
+            </a:r>
+            <a:r>
+              <a:rPr b="0" lang="en-US" sz="2000" spc="-1" strike="noStrike">
+                <a:solidFill>
+                  <a:srgbClr val="000000"/>
+                </a:solidFill>
+                <a:latin typeface="Arial"/>
+              </a:rPr>
+              <a:t>edit the </a:t>
+            </a:r>
+            <a:r>
+              <a:rPr b="0" lang="en-US" sz="2000" spc="-1" strike="noStrike">
+                <a:solidFill>
+                  <a:srgbClr val="000000"/>
+                </a:solidFill>
+                <a:latin typeface="Arial"/>
+              </a:rPr>
+              <a:t>notes </a:t>
+            </a:r>
+            <a:r>
+              <a:rPr b="0" lang="en-US" sz="2000" spc="-1" strike="noStrike">
+                <a:solidFill>
+                  <a:srgbClr val="000000"/>
+                </a:solidFill>
+                <a:latin typeface="Arial"/>
+              </a:rPr>
+              <a:t>format</a:t>
             </a:r>
             <a:endParaRPr b="0" lang="en-US" sz="2000" spc="-1" strike="noStrike">
               <a:solidFill>
@@ -352,7 +426,7 @@
             <a:pPr indent="0" algn="r">
               <a:buNone/>
             </a:pPr>
-            <a:fld id="{88EA7FA7-1646-4654-BDF4-8E11DD2BD35A}" type="slidenum">
+            <a:fld id="{94380DD8-D020-442C-BCF2-446A02E0479C}" type="slidenum">
               <a:rPr b="0" lang="en-US" sz="1400" spc="-1" strike="noStrike">
                 <a:solidFill>
                   <a:srgbClr val="000000"/>
@@ -377,6 +451,953 @@
 </file>
 
 <file path=ppt/notesSlides/notesSlide10.xml><?xml version="1.0" encoding="utf-8"?>
+<p:notes xmlns:a="http://schemas.openxmlformats.org/drawingml/2006/main" xmlns:p="http://schemas.openxmlformats.org/presentationml/2006/main" xmlns:r="http://schemas.openxmlformats.org/officeDocument/2006/relationships" xmlns:p14="http://schemas.microsoft.com/office/powerpoint/2010/main" xmlns:p15="http://schemas.microsoft.com/office/powerpoint/2012/main" xmlns:mc="http://schemas.openxmlformats.org/markup-compatibility/2006">
+  <p:cSld>
+    <p:spTree>
+      <p:nvGrpSpPr>
+        <p:cNvPr id="1" name=""/>
+        <p:cNvGrpSpPr/>
+        <p:nvPr/>
+      </p:nvGrpSpPr>
+      <p:grpSpPr>
+        <a:xfrm>
+          <a:off x="0" y="0"/>
+          <a:ext cx="0" cy="0"/>
+          <a:chOff x="0" y="0"/>
+          <a:chExt cx="0" cy="0"/>
+        </a:xfrm>
+      </p:grpSpPr>
+      <p:sp>
+        <p:nvSpPr>
+          <p:cNvPr id="77" name="PlaceHolder 1"/>
+          <p:cNvSpPr>
+            <a:spLocks noGrp="1"/>
+          </p:cNvSpPr>
+          <p:nvPr>
+            <p:ph type="sldImg"/>
+          </p:nvPr>
+        </p:nvSpPr>
+        <p:spPr>
+          <a:xfrm>
+            <a:off x="533520" y="764280"/>
+            <a:ext cx="6703560" cy="3770280"/>
+          </a:xfrm>
+          <a:prstGeom prst="rect">
+            <a:avLst/>
+          </a:prstGeom>
+          <a:ln w="0">
+            <a:noFill/>
+          </a:ln>
+        </p:spPr>
+      </p:sp>
+      <p:sp>
+        <p:nvSpPr>
+          <p:cNvPr id="78" name="PlaceHolder 2"/>
+          <p:cNvSpPr>
+            <a:spLocks noGrp="1"/>
+          </p:cNvSpPr>
+          <p:nvPr>
+            <p:ph type="body"/>
+          </p:nvPr>
+        </p:nvSpPr>
+        <p:spPr>
+          <a:xfrm>
+            <a:off x="777240" y="4777560"/>
+            <a:ext cx="6216480" cy="4524840"/>
+          </a:xfrm>
+          <a:prstGeom prst="rect">
+            <a:avLst/>
+          </a:prstGeom>
+          <a:noFill/>
+          <a:ln w="0">
+            <a:noFill/>
+          </a:ln>
+        </p:spPr>
+        <p:txBody>
+          <a:bodyPr lIns="0" rIns="0" tIns="0" bIns="0" anchor="t">
+            <a:noAutofit/>
+          </a:bodyPr>
+          <a:p>
+            <a:pPr marL="216000" indent="-216000">
+              <a:lnSpc>
+                <a:spcPct val="100000"/>
+              </a:lnSpc>
+              <a:buNone/>
+              <a:tabLst>
+                <a:tab algn="l" pos="0"/>
+              </a:tabLst>
+            </a:pPr>
+            <a:r>
+              <a:rPr b="0" lang="en-US" sz="2000" spc="-1" strike="noStrike">
+                <a:solidFill>
+                  <a:srgbClr val="000000"/>
+                </a:solidFill>
+                <a:latin typeface="Arial"/>
+              </a:rPr>
+              <a:t>User is able to change graphic color manually, sort spacer arrays by length and even highlight identical CRISPRs by red borders.</a:t>
+            </a:r>
+            <a:endParaRPr b="0" lang="en-US" sz="2000" spc="-1" strike="noStrike">
+              <a:solidFill>
+                <a:srgbClr val="000000"/>
+              </a:solidFill>
+              <a:latin typeface="Arial"/>
+            </a:endParaRPr>
+          </a:p>
+          <a:p>
+            <a:pPr marL="216000" indent="-216000">
+              <a:lnSpc>
+                <a:spcPct val="100000"/>
+              </a:lnSpc>
+              <a:buNone/>
+              <a:tabLst>
+                <a:tab algn="l" pos="0"/>
+              </a:tabLst>
+            </a:pPr>
+            <a:r>
+              <a:rPr b="0" lang="en-US" sz="2000" spc="-1" strike="noStrike">
+                <a:solidFill>
+                  <a:srgbClr val="000000"/>
+                </a:solidFill>
+                <a:latin typeface="Arial"/>
+              </a:rPr>
+              <a:t>Visualized CRISPRs of 12 C.  Coli strains which where predicted by CRISPRCasFinder</a:t>
+            </a:r>
+            <a:endParaRPr b="0" lang="en-US" sz="2000" spc="-1" strike="noStrike">
+              <a:solidFill>
+                <a:srgbClr val="000000"/>
+              </a:solidFill>
+              <a:latin typeface="Arial"/>
+            </a:endParaRPr>
+          </a:p>
+        </p:txBody>
+      </p:sp>
+    </p:spTree>
+  </p:cSld>
+</p:notes>
+</file>
+
+<file path=ppt/notesSlides/notesSlide11.xml><?xml version="1.0" encoding="utf-8"?>
+<p:notes xmlns:a="http://schemas.openxmlformats.org/drawingml/2006/main" xmlns:p="http://schemas.openxmlformats.org/presentationml/2006/main" xmlns:r="http://schemas.openxmlformats.org/officeDocument/2006/relationships" xmlns:p14="http://schemas.microsoft.com/office/powerpoint/2010/main" xmlns:p15="http://schemas.microsoft.com/office/powerpoint/2012/main" xmlns:mc="http://schemas.openxmlformats.org/markup-compatibility/2006">
+  <p:cSld>
+    <p:spTree>
+      <p:nvGrpSpPr>
+        <p:cNvPr id="1" name=""/>
+        <p:cNvGrpSpPr/>
+        <p:nvPr/>
+      </p:nvGrpSpPr>
+      <p:grpSpPr>
+        <a:xfrm>
+          <a:off x="0" y="0"/>
+          <a:ext cx="0" cy="0"/>
+          <a:chOff x="0" y="0"/>
+          <a:chExt cx="0" cy="0"/>
+        </a:xfrm>
+      </p:grpSpPr>
+      <p:sp>
+        <p:nvSpPr>
+          <p:cNvPr id="79" name="PlaceHolder 1"/>
+          <p:cNvSpPr>
+            <a:spLocks noGrp="1"/>
+          </p:cNvSpPr>
+          <p:nvPr>
+            <p:ph type="sldImg"/>
+          </p:nvPr>
+        </p:nvSpPr>
+        <p:spPr>
+          <a:xfrm>
+            <a:off x="533520" y="764280"/>
+            <a:ext cx="6703560" cy="3770280"/>
+          </a:xfrm>
+          <a:prstGeom prst="rect">
+            <a:avLst/>
+          </a:prstGeom>
+          <a:ln w="0">
+            <a:noFill/>
+          </a:ln>
+        </p:spPr>
+      </p:sp>
+      <p:sp>
+        <p:nvSpPr>
+          <p:cNvPr id="80" name="PlaceHolder 2"/>
+          <p:cNvSpPr>
+            <a:spLocks noGrp="1"/>
+          </p:cNvSpPr>
+          <p:nvPr>
+            <p:ph type="body"/>
+          </p:nvPr>
+        </p:nvSpPr>
+        <p:spPr>
+          <a:xfrm>
+            <a:off x="777240" y="4777560"/>
+            <a:ext cx="6216480" cy="4524840"/>
+          </a:xfrm>
+          <a:prstGeom prst="rect">
+            <a:avLst/>
+          </a:prstGeom>
+          <a:noFill/>
+          <a:ln w="0">
+            <a:noFill/>
+          </a:ln>
+        </p:spPr>
+        <p:txBody>
+          <a:bodyPr lIns="0" rIns="0" tIns="0" bIns="0" anchor="t">
+            <a:noAutofit/>
+          </a:bodyPr>
+          <a:p>
+            <a:pPr marL="216000" indent="-216000">
+              <a:lnSpc>
+                <a:spcPct val="100000"/>
+              </a:lnSpc>
+              <a:buNone/>
+              <a:tabLst>
+                <a:tab algn="l" pos="0"/>
+              </a:tabLst>
+            </a:pPr>
+            <a:r>
+              <a:rPr b="0" lang="en-US" sz="2000" spc="-1" strike="noStrike">
+                <a:solidFill>
+                  <a:srgbClr val="000000"/>
+                </a:solidFill>
+                <a:latin typeface="Arial"/>
+              </a:rPr>
+              <a:t>With CrisprVi, users can generate histograms for direct repeats seen here in the picture which is figure 4 in the article(click for next image)</a:t>
+            </a:r>
+            <a:endParaRPr b="0" lang="en-US" sz="2000" spc="-1" strike="noStrike">
+              <a:solidFill>
+                <a:srgbClr val="000000"/>
+              </a:solidFill>
+              <a:latin typeface="Arial"/>
+            </a:endParaRPr>
+          </a:p>
+          <a:p>
+            <a:pPr marL="216000" indent="-216000">
+              <a:lnSpc>
+                <a:spcPct val="100000"/>
+              </a:lnSpc>
+              <a:buNone/>
+              <a:tabLst>
+                <a:tab algn="l" pos="0"/>
+              </a:tabLst>
+            </a:pPr>
+            <a:r>
+              <a:rPr b="0" lang="en-US" sz="2000" spc="-1" strike="noStrike">
+                <a:solidFill>
+                  <a:srgbClr val="000000"/>
+                </a:solidFill>
+                <a:latin typeface="Arial"/>
+              </a:rPr>
+              <a:t> </a:t>
+            </a:r>
+            <a:r>
+              <a:rPr b="0" lang="en-US" sz="2000" spc="-1" strike="noStrike">
+                <a:solidFill>
+                  <a:srgbClr val="000000"/>
+                </a:solidFill>
+                <a:latin typeface="Arial"/>
+              </a:rPr>
+              <a:t>Similarly, the Spacer count across strains can be calculated and visualized in histograms as well</a:t>
+            </a:r>
+            <a:endParaRPr b="0" lang="en-US" sz="2000" spc="-1" strike="noStrike">
+              <a:solidFill>
+                <a:srgbClr val="000000"/>
+              </a:solidFill>
+              <a:latin typeface="Arial"/>
+            </a:endParaRPr>
+          </a:p>
+          <a:p>
+            <a:pPr marL="216000" indent="-216000">
+              <a:lnSpc>
+                <a:spcPct val="100000"/>
+              </a:lnSpc>
+              <a:buNone/>
+              <a:tabLst>
+                <a:tab algn="l" pos="0"/>
+              </a:tabLst>
+            </a:pPr>
+            <a:r>
+              <a:rPr b="0" lang="en-US" sz="2000" spc="-1" strike="noStrike">
+                <a:solidFill>
+                  <a:srgbClr val="000000"/>
+                </a:solidFill>
+                <a:latin typeface="Arial"/>
+              </a:rPr>
+              <a:t>Users can inspect details of the plots using commands in the menu.</a:t>
+            </a:r>
+            <a:endParaRPr b="0" lang="en-US" sz="2000" spc="-1" strike="noStrike">
+              <a:solidFill>
+                <a:srgbClr val="000000"/>
+              </a:solidFill>
+              <a:latin typeface="Arial"/>
+            </a:endParaRPr>
+          </a:p>
+        </p:txBody>
+      </p:sp>
+    </p:spTree>
+  </p:cSld>
+</p:notes>
+</file>
+
+<file path=ppt/notesSlides/notesSlide12.xml><?xml version="1.0" encoding="utf-8"?>
+<p:notes xmlns:a="http://schemas.openxmlformats.org/drawingml/2006/main" xmlns:p="http://schemas.openxmlformats.org/presentationml/2006/main" xmlns:r="http://schemas.openxmlformats.org/officeDocument/2006/relationships" xmlns:p14="http://schemas.microsoft.com/office/powerpoint/2010/main" xmlns:p15="http://schemas.microsoft.com/office/powerpoint/2012/main" xmlns:mc="http://schemas.openxmlformats.org/markup-compatibility/2006">
+  <p:cSld>
+    <p:spTree>
+      <p:nvGrpSpPr>
+        <p:cNvPr id="1" name=""/>
+        <p:cNvGrpSpPr/>
+        <p:nvPr/>
+      </p:nvGrpSpPr>
+      <p:grpSpPr>
+        <a:xfrm>
+          <a:off x="0" y="0"/>
+          <a:ext cx="0" cy="0"/>
+          <a:chOff x="0" y="0"/>
+          <a:chExt cx="0" cy="0"/>
+        </a:xfrm>
+      </p:grpSpPr>
+      <p:sp>
+        <p:nvSpPr>
+          <p:cNvPr id="81" name="PlaceHolder 1"/>
+          <p:cNvSpPr>
+            <a:spLocks noGrp="1"/>
+          </p:cNvSpPr>
+          <p:nvPr>
+            <p:ph type="sldImg"/>
+          </p:nvPr>
+        </p:nvSpPr>
+        <p:spPr>
+          <a:xfrm>
+            <a:off x="533520" y="764280"/>
+            <a:ext cx="6704640" cy="3771360"/>
+          </a:xfrm>
+          <a:prstGeom prst="rect">
+            <a:avLst/>
+          </a:prstGeom>
+          <a:ln w="0">
+            <a:noFill/>
+          </a:ln>
+        </p:spPr>
+      </p:sp>
+      <p:sp>
+        <p:nvSpPr>
+          <p:cNvPr id="82" name="PlaceHolder 2"/>
+          <p:cNvSpPr>
+            <a:spLocks noGrp="1"/>
+          </p:cNvSpPr>
+          <p:nvPr>
+            <p:ph type="body"/>
+          </p:nvPr>
+        </p:nvSpPr>
+        <p:spPr>
+          <a:xfrm>
+            <a:off x="777240" y="4777560"/>
+            <a:ext cx="6217560" cy="4525920"/>
+          </a:xfrm>
+          <a:prstGeom prst="rect">
+            <a:avLst/>
+          </a:prstGeom>
+          <a:noFill/>
+          <a:ln w="0">
+            <a:noFill/>
+          </a:ln>
+        </p:spPr>
+        <p:txBody>
+          <a:bodyPr lIns="0" rIns="0" tIns="0" bIns="0" anchor="t">
+            <a:noAutofit/>
+          </a:bodyPr>
+          <a:p>
+            <a:pPr marL="216000" indent="-216000">
+              <a:buNone/>
+            </a:pPr>
+            <a:r>
+              <a:rPr b="0" lang="en-US" sz="2000" spc="-1" strike="noStrike">
+                <a:solidFill>
+                  <a:srgbClr val="000000"/>
+                </a:solidFill>
+                <a:latin typeface="Arial"/>
+              </a:rPr>
+              <a:t>Compared to other tools such as CrisprViz which is labeled C in the image, CrisprVi which is labeled A and B in the image is more flexible and provides more detailed visualization.</a:t>
+            </a:r>
+            <a:endParaRPr b="0" lang="en-US" sz="2000" spc="-1" strike="noStrike">
+              <a:solidFill>
+                <a:srgbClr val="000000"/>
+              </a:solidFill>
+              <a:latin typeface="Arial"/>
+            </a:endParaRPr>
+          </a:p>
+        </p:txBody>
+      </p:sp>
+    </p:spTree>
+  </p:cSld>
+</p:notes>
+</file>
+
+<file path=ppt/notesSlides/notesSlide13.xml><?xml version="1.0" encoding="utf-8"?>
+<p:notes xmlns:a="http://schemas.openxmlformats.org/drawingml/2006/main" xmlns:p="http://schemas.openxmlformats.org/presentationml/2006/main" xmlns:r="http://schemas.openxmlformats.org/officeDocument/2006/relationships" xmlns:p14="http://schemas.microsoft.com/office/powerpoint/2010/main" xmlns:p15="http://schemas.microsoft.com/office/powerpoint/2012/main" xmlns:mc="http://schemas.openxmlformats.org/markup-compatibility/2006">
+  <p:cSld>
+    <p:spTree>
+      <p:nvGrpSpPr>
+        <p:cNvPr id="1" name=""/>
+        <p:cNvGrpSpPr/>
+        <p:nvPr/>
+      </p:nvGrpSpPr>
+      <p:grpSpPr>
+        <a:xfrm>
+          <a:off x="0" y="0"/>
+          <a:ext cx="0" cy="0"/>
+          <a:chOff x="0" y="0"/>
+          <a:chExt cx="0" cy="0"/>
+        </a:xfrm>
+      </p:grpSpPr>
+      <p:sp>
+        <p:nvSpPr>
+          <p:cNvPr id="83" name="PlaceHolder 1"/>
+          <p:cNvSpPr>
+            <a:spLocks noGrp="1"/>
+          </p:cNvSpPr>
+          <p:nvPr>
+            <p:ph type="sldImg"/>
+          </p:nvPr>
+        </p:nvSpPr>
+        <p:spPr>
+          <a:xfrm>
+            <a:off x="533520" y="764280"/>
+            <a:ext cx="6704640" cy="3771360"/>
+          </a:xfrm>
+          <a:prstGeom prst="rect">
+            <a:avLst/>
+          </a:prstGeom>
+          <a:ln w="0">
+            <a:noFill/>
+          </a:ln>
+        </p:spPr>
+      </p:sp>
+      <p:sp>
+        <p:nvSpPr>
+          <p:cNvPr id="84" name="PlaceHolder 2"/>
+          <p:cNvSpPr>
+            <a:spLocks noGrp="1"/>
+          </p:cNvSpPr>
+          <p:nvPr>
+            <p:ph type="body"/>
+          </p:nvPr>
+        </p:nvSpPr>
+        <p:spPr>
+          <a:xfrm>
+            <a:off x="777240" y="4777560"/>
+            <a:ext cx="6217560" cy="4525920"/>
+          </a:xfrm>
+          <a:prstGeom prst="rect">
+            <a:avLst/>
+          </a:prstGeom>
+          <a:noFill/>
+          <a:ln w="0">
+            <a:noFill/>
+          </a:ln>
+        </p:spPr>
+        <p:txBody>
+          <a:bodyPr lIns="0" rIns="0" tIns="0" bIns="0" anchor="t">
+            <a:noAutofit/>
+          </a:bodyPr>
+          <a:p>
+            <a:pPr marL="216000" indent="-216000">
+              <a:buNone/>
+            </a:pPr>
+            <a:r>
+              <a:rPr b="0" lang="en-US" sz="2000" spc="-1" strike="noStrike">
+                <a:solidFill>
+                  <a:srgbClr val="000000"/>
+                </a:solidFill>
+                <a:latin typeface="Arial"/>
+              </a:rPr>
+              <a:t>I feel that CrisprVi is a very innovative tool addressing a significant gap in visualization and analysis of Crispr sequences. CrisprVi is more flexible and interactive and offers a more user friendly interface making it easier to navigate and customize. For students and researchers, CrisprVi offers a practical way to learn about Crispr sequences through manipulation and visulization for analyzing and interpreting CRISPR data.</a:t>
+            </a:r>
+            <a:endParaRPr b="0" lang="en-US" sz="2000" spc="-1" strike="noStrike">
+              <a:solidFill>
+                <a:srgbClr val="000000"/>
+              </a:solidFill>
+              <a:latin typeface="Arial"/>
+            </a:endParaRPr>
+          </a:p>
+        </p:txBody>
+      </p:sp>
+    </p:spTree>
+  </p:cSld>
+</p:notes>
+</file>
+
+<file path=ppt/notesSlides/notesSlide2.xml><?xml version="1.0" encoding="utf-8"?>
+<p:notes xmlns:a="http://schemas.openxmlformats.org/drawingml/2006/main" xmlns:p="http://schemas.openxmlformats.org/presentationml/2006/main" xmlns:r="http://schemas.openxmlformats.org/officeDocument/2006/relationships" xmlns:p14="http://schemas.microsoft.com/office/powerpoint/2010/main" xmlns:p15="http://schemas.microsoft.com/office/powerpoint/2012/main" xmlns:mc="http://schemas.openxmlformats.org/markup-compatibility/2006">
+  <p:cSld>
+    <p:spTree>
+      <p:nvGrpSpPr>
+        <p:cNvPr id="1" name=""/>
+        <p:cNvGrpSpPr/>
+        <p:nvPr/>
+      </p:nvGrpSpPr>
+      <p:grpSpPr>
+        <a:xfrm>
+          <a:off x="0" y="0"/>
+          <a:ext cx="0" cy="0"/>
+          <a:chOff x="0" y="0"/>
+          <a:chExt cx="0" cy="0"/>
+        </a:xfrm>
+      </p:grpSpPr>
+      <p:sp>
+        <p:nvSpPr>
+          <p:cNvPr id="61" name="PlaceHolder 1"/>
+          <p:cNvSpPr>
+            <a:spLocks noGrp="1"/>
+          </p:cNvSpPr>
+          <p:nvPr>
+            <p:ph type="sldImg"/>
+          </p:nvPr>
+        </p:nvSpPr>
+        <p:spPr>
+          <a:xfrm>
+            <a:off x="533880" y="764280"/>
+            <a:ext cx="6704280" cy="3771360"/>
+          </a:xfrm>
+          <a:prstGeom prst="rect">
+            <a:avLst/>
+          </a:prstGeom>
+          <a:ln w="0">
+            <a:noFill/>
+          </a:ln>
+        </p:spPr>
+      </p:sp>
+      <p:sp>
+        <p:nvSpPr>
+          <p:cNvPr id="62" name="PlaceHolder 2"/>
+          <p:cNvSpPr>
+            <a:spLocks noGrp="1"/>
+          </p:cNvSpPr>
+          <p:nvPr>
+            <p:ph type="body"/>
+          </p:nvPr>
+        </p:nvSpPr>
+        <p:spPr>
+          <a:xfrm>
+            <a:off x="777240" y="4777560"/>
+            <a:ext cx="6217560" cy="4525920"/>
+          </a:xfrm>
+          <a:prstGeom prst="rect">
+            <a:avLst/>
+          </a:prstGeom>
+          <a:noFill/>
+          <a:ln w="0">
+            <a:noFill/>
+          </a:ln>
+        </p:spPr>
+        <p:txBody>
+          <a:bodyPr lIns="0" rIns="0" tIns="0" bIns="0" anchor="t">
+            <a:noAutofit/>
+          </a:bodyPr>
+          <a:p>
+            <a:pPr marL="216000" indent="-216000">
+              <a:buNone/>
+            </a:pPr>
+            <a:r>
+              <a:rPr b="0" lang="en-US" sz="2000" spc="-1" strike="noStrike">
+                <a:solidFill>
+                  <a:srgbClr val="000000"/>
+                </a:solidFill>
+                <a:latin typeface="Arial"/>
+              </a:rPr>
+              <a:t>CRIPSR stands for clusetered regularly interspaced short palindromic repeats and it found</a:t>
+            </a:r>
+            <a:endParaRPr b="0" lang="en-US" sz="2000" spc="-1" strike="noStrike">
+              <a:solidFill>
+                <a:srgbClr val="000000"/>
+              </a:solidFill>
+              <a:latin typeface="Arial"/>
+            </a:endParaRPr>
+          </a:p>
+          <a:p>
+            <a:pPr marL="216000" indent="-216000">
+              <a:buNone/>
+            </a:pPr>
+            <a:r>
+              <a:rPr b="0" lang="en-US" sz="2000" spc="-1" strike="noStrike">
+                <a:solidFill>
+                  <a:srgbClr val="000000"/>
+                </a:solidFill>
+                <a:latin typeface="Arial"/>
+              </a:rPr>
+              <a:t>In the bacterial genome, as regions that contain short repetitive DNA sequences interspaced with unique sequences called spacers</a:t>
+            </a:r>
+            <a:endParaRPr b="0" lang="en-US" sz="2000" spc="-1" strike="noStrike">
+              <a:solidFill>
+                <a:srgbClr val="000000"/>
+              </a:solidFill>
+              <a:latin typeface="Arial"/>
+            </a:endParaRPr>
+          </a:p>
+          <a:p>
+            <a:pPr marL="216000" indent="-216000">
+              <a:buNone/>
+            </a:pPr>
+            <a:r>
+              <a:rPr b="0" lang="en-US" sz="2000" spc="-1" strike="noStrike">
+                <a:solidFill>
+                  <a:srgbClr val="000000"/>
+                </a:solidFill>
+                <a:latin typeface="Arial"/>
+              </a:rPr>
+              <a:t>CRISPR is apart of the bacterial immune system originally discovered as a defence mechanism against viral infections. CRISPR stores the genetic information about past viral encounters as sort of instructions on how to deal with future encounters.</a:t>
+            </a:r>
+            <a:endParaRPr b="0" lang="en-US" sz="2000" spc="-1" strike="noStrike">
+              <a:solidFill>
+                <a:srgbClr val="000000"/>
+              </a:solidFill>
+              <a:latin typeface="Arial"/>
+            </a:endParaRPr>
+          </a:p>
+        </p:txBody>
+      </p:sp>
+    </p:spTree>
+  </p:cSld>
+</p:notes>
+</file>
+
+<file path=ppt/notesSlides/notesSlide3.xml><?xml version="1.0" encoding="utf-8"?>
+<p:notes xmlns:a="http://schemas.openxmlformats.org/drawingml/2006/main" xmlns:p="http://schemas.openxmlformats.org/presentationml/2006/main" xmlns:r="http://schemas.openxmlformats.org/officeDocument/2006/relationships" xmlns:p14="http://schemas.microsoft.com/office/powerpoint/2010/main" xmlns:p15="http://schemas.microsoft.com/office/powerpoint/2012/main" xmlns:mc="http://schemas.openxmlformats.org/markup-compatibility/2006">
+  <p:cSld>
+    <p:spTree>
+      <p:nvGrpSpPr>
+        <p:cNvPr id="1" name=""/>
+        <p:cNvGrpSpPr/>
+        <p:nvPr/>
+      </p:nvGrpSpPr>
+      <p:grpSpPr>
+        <a:xfrm>
+          <a:off x="0" y="0"/>
+          <a:ext cx="0" cy="0"/>
+          <a:chOff x="0" y="0"/>
+          <a:chExt cx="0" cy="0"/>
+        </a:xfrm>
+      </p:grpSpPr>
+      <p:sp>
+        <p:nvSpPr>
+          <p:cNvPr id="63" name="PlaceHolder 1"/>
+          <p:cNvSpPr>
+            <a:spLocks noGrp="1"/>
+          </p:cNvSpPr>
+          <p:nvPr>
+            <p:ph type="sldImg"/>
+          </p:nvPr>
+        </p:nvSpPr>
+        <p:spPr>
+          <a:xfrm>
+            <a:off x="533520" y="764280"/>
+            <a:ext cx="6704640" cy="3771360"/>
+          </a:xfrm>
+          <a:prstGeom prst="rect">
+            <a:avLst/>
+          </a:prstGeom>
+          <a:ln w="0">
+            <a:noFill/>
+          </a:ln>
+        </p:spPr>
+      </p:sp>
+      <p:sp>
+        <p:nvSpPr>
+          <p:cNvPr id="64" name="PlaceHolder 2"/>
+          <p:cNvSpPr>
+            <a:spLocks noGrp="1"/>
+          </p:cNvSpPr>
+          <p:nvPr>
+            <p:ph type="body"/>
+          </p:nvPr>
+        </p:nvSpPr>
+        <p:spPr>
+          <a:xfrm>
+            <a:off x="777240" y="4777560"/>
+            <a:ext cx="6217560" cy="4525920"/>
+          </a:xfrm>
+          <a:prstGeom prst="rect">
+            <a:avLst/>
+          </a:prstGeom>
+          <a:noFill/>
+          <a:ln w="0">
+            <a:noFill/>
+          </a:ln>
+        </p:spPr>
+        <p:txBody>
+          <a:bodyPr lIns="0" rIns="0" tIns="0" bIns="0" anchor="t">
+            <a:noAutofit/>
+          </a:bodyPr>
+          <a:p>
+            <a:pPr marL="216000" indent="-216000">
+              <a:buNone/>
+            </a:pPr>
+            <a:r>
+              <a:rPr b="0" lang="en-US" sz="2000" spc="-1" strike="noStrike">
+                <a:solidFill>
+                  <a:srgbClr val="000000"/>
+                </a:solidFill>
+                <a:latin typeface="Arial"/>
+              </a:rPr>
+              <a:t>So that was CRISPR. SO what is CRISPR-Cas9? </a:t>
+            </a:r>
+            <a:endParaRPr b="0" lang="en-US" sz="2000" spc="-1" strike="noStrike">
+              <a:solidFill>
+                <a:srgbClr val="000000"/>
+              </a:solidFill>
+              <a:latin typeface="Arial"/>
+            </a:endParaRPr>
+          </a:p>
+          <a:p>
+            <a:pPr marL="216000" indent="-216000">
+              <a:buNone/>
+            </a:pPr>
+            <a:r>
+              <a:rPr b="0" lang="en-US" sz="2000" spc="-1" strike="noStrike">
+                <a:solidFill>
+                  <a:srgbClr val="000000"/>
+                </a:solidFill>
+                <a:latin typeface="Arial"/>
+              </a:rPr>
+              <a:t>But before that lets look at the CRISPR Cas system. We know what CRISPR stands for. Cas stands for CRISPR associated. </a:t>
+            </a:r>
+            <a:endParaRPr b="0" lang="en-US" sz="2000" spc="-1" strike="noStrike">
+              <a:solidFill>
+                <a:srgbClr val="000000"/>
+              </a:solidFill>
+              <a:latin typeface="Arial"/>
+            </a:endParaRPr>
+          </a:p>
+          <a:p>
+            <a:pPr marL="216000" indent="-216000">
+              <a:buNone/>
+            </a:pPr>
+            <a:r>
+              <a:rPr b="0" lang="en-US" sz="2000" spc="-1" strike="noStrike">
+                <a:solidFill>
+                  <a:srgbClr val="000000"/>
+                </a:solidFill>
+                <a:latin typeface="Arial"/>
+              </a:rPr>
+              <a:t>Which are the proteins more specifically the enzymes involved in the CRISPR immune response.</a:t>
+            </a:r>
+            <a:endParaRPr b="0" lang="en-US" sz="2000" spc="-1" strike="noStrike">
+              <a:solidFill>
+                <a:srgbClr val="000000"/>
+              </a:solidFill>
+              <a:latin typeface="Arial"/>
+            </a:endParaRPr>
+          </a:p>
+        </p:txBody>
+      </p:sp>
+    </p:spTree>
+  </p:cSld>
+</p:notes>
+</file>
+
+<file path=ppt/notesSlides/notesSlide4.xml><?xml version="1.0" encoding="utf-8"?>
+<p:notes xmlns:a="http://schemas.openxmlformats.org/drawingml/2006/main" xmlns:p="http://schemas.openxmlformats.org/presentationml/2006/main" xmlns:r="http://schemas.openxmlformats.org/officeDocument/2006/relationships" xmlns:p14="http://schemas.microsoft.com/office/powerpoint/2010/main" xmlns:p15="http://schemas.microsoft.com/office/powerpoint/2012/main" xmlns:mc="http://schemas.openxmlformats.org/markup-compatibility/2006">
+  <p:cSld>
+    <p:spTree>
+      <p:nvGrpSpPr>
+        <p:cNvPr id="1" name=""/>
+        <p:cNvGrpSpPr/>
+        <p:nvPr/>
+      </p:nvGrpSpPr>
+      <p:grpSpPr>
+        <a:xfrm>
+          <a:off x="0" y="0"/>
+          <a:ext cx="0" cy="0"/>
+          <a:chOff x="0" y="0"/>
+          <a:chExt cx="0" cy="0"/>
+        </a:xfrm>
+      </p:grpSpPr>
+      <p:sp>
+        <p:nvSpPr>
+          <p:cNvPr id="65" name="PlaceHolder 1"/>
+          <p:cNvSpPr>
+            <a:spLocks noGrp="1"/>
+          </p:cNvSpPr>
+          <p:nvPr>
+            <p:ph type="sldImg"/>
+          </p:nvPr>
+        </p:nvSpPr>
+        <p:spPr>
+          <a:xfrm>
+            <a:off x="533520" y="764280"/>
+            <a:ext cx="6703560" cy="3770280"/>
+          </a:xfrm>
+          <a:prstGeom prst="rect">
+            <a:avLst/>
+          </a:prstGeom>
+          <a:ln w="0">
+            <a:noFill/>
+          </a:ln>
+        </p:spPr>
+      </p:sp>
+      <p:sp>
+        <p:nvSpPr>
+          <p:cNvPr id="66" name="PlaceHolder 2"/>
+          <p:cNvSpPr>
+            <a:spLocks noGrp="1"/>
+          </p:cNvSpPr>
+          <p:nvPr>
+            <p:ph type="body"/>
+          </p:nvPr>
+        </p:nvSpPr>
+        <p:spPr>
+          <a:xfrm>
+            <a:off x="777240" y="4777560"/>
+            <a:ext cx="6216480" cy="4524840"/>
+          </a:xfrm>
+          <a:prstGeom prst="rect">
+            <a:avLst/>
+          </a:prstGeom>
+          <a:noFill/>
+          <a:ln w="0">
+            <a:noFill/>
+          </a:ln>
+        </p:spPr>
+        <p:txBody>
+          <a:bodyPr lIns="0" rIns="0" tIns="0" bIns="0" anchor="t">
+            <a:noAutofit/>
+          </a:bodyPr>
+          <a:p>
+            <a:pPr marL="216000" indent="-216000">
+              <a:lnSpc>
+                <a:spcPct val="100000"/>
+              </a:lnSpc>
+              <a:buNone/>
+              <a:tabLst>
+                <a:tab algn="l" pos="0"/>
+              </a:tabLst>
+            </a:pPr>
+            <a:r>
+              <a:rPr b="0" lang="en-US" sz="2000" spc="-1" strike="noStrike">
+                <a:solidFill>
+                  <a:srgbClr val="000000"/>
+                </a:solidFill>
+                <a:latin typeface="Arial"/>
+              </a:rPr>
+              <a:t>This is the Cas9 protein. </a:t>
+            </a:r>
+            <a:endParaRPr b="0" lang="en-US" sz="2000" spc="-1" strike="noStrike">
+              <a:solidFill>
+                <a:srgbClr val="000000"/>
+              </a:solidFill>
+              <a:latin typeface="Arial"/>
+            </a:endParaRPr>
+          </a:p>
+          <a:p>
+            <a:pPr marL="216000" indent="-216000">
+              <a:lnSpc>
+                <a:spcPct val="100000"/>
+              </a:lnSpc>
+              <a:buNone/>
+              <a:tabLst>
+                <a:tab algn="l" pos="0"/>
+              </a:tabLst>
+            </a:pPr>
+            <a:r>
+              <a:rPr b="0" lang="en-US" sz="2000" spc="-1" strike="noStrike">
+                <a:solidFill>
+                  <a:srgbClr val="000000"/>
+                </a:solidFill>
+                <a:latin typeface="Arial"/>
+              </a:rPr>
+              <a:t>Cas9 is a type of CRISPR-associated protein</a:t>
+            </a:r>
+            <a:endParaRPr b="0" lang="en-US" sz="2000" spc="-1" strike="noStrike">
+              <a:solidFill>
+                <a:srgbClr val="000000"/>
+              </a:solidFill>
+              <a:latin typeface="Arial"/>
+            </a:endParaRPr>
+          </a:p>
+          <a:p>
+            <a:pPr marL="216000" indent="-216000">
+              <a:lnSpc>
+                <a:spcPct val="100000"/>
+              </a:lnSpc>
+              <a:buNone/>
+              <a:tabLst>
+                <a:tab algn="l" pos="0"/>
+              </a:tabLst>
+            </a:pPr>
+            <a:r>
+              <a:rPr b="0" lang="en-US" sz="2000" spc="-1" strike="noStrike">
+                <a:solidFill>
+                  <a:srgbClr val="000000"/>
+                </a:solidFill>
+                <a:latin typeface="Arial"/>
+              </a:rPr>
+              <a:t>Cas9 can be programmed with a small RNA molecule to guide it to the specific DNA sequence, where it cuts the DNA</a:t>
+            </a:r>
+            <a:endParaRPr b="0" lang="en-US" sz="2000" spc="-1" strike="noStrike">
+              <a:solidFill>
+                <a:srgbClr val="000000"/>
+              </a:solidFill>
+              <a:latin typeface="Arial"/>
+            </a:endParaRPr>
+          </a:p>
+          <a:p>
+            <a:pPr marL="216000" indent="-216000">
+              <a:lnSpc>
+                <a:spcPct val="100000"/>
+              </a:lnSpc>
+              <a:buNone/>
+              <a:tabLst>
+                <a:tab algn="l" pos="0"/>
+              </a:tabLst>
+            </a:pPr>
+            <a:r>
+              <a:rPr b="0" lang="en-US" sz="2000" spc="-1" strike="noStrike">
+                <a:solidFill>
+                  <a:srgbClr val="000000"/>
+                </a:solidFill>
+                <a:latin typeface="Arial"/>
+              </a:rPr>
+              <a:t>So Cas9 essentially acts as molecular scissors.</a:t>
+            </a:r>
+            <a:endParaRPr b="0" lang="en-US" sz="2000" spc="-1" strike="noStrike">
+              <a:solidFill>
+                <a:srgbClr val="000000"/>
+              </a:solidFill>
+              <a:latin typeface="Arial"/>
+            </a:endParaRPr>
+          </a:p>
+          <a:p>
+            <a:pPr marL="216000" indent="-216000">
+              <a:lnSpc>
+                <a:spcPct val="100000"/>
+              </a:lnSpc>
+              <a:buNone/>
+              <a:tabLst>
+                <a:tab algn="l" pos="0"/>
+              </a:tabLst>
+            </a:pPr>
+            <a:r>
+              <a:rPr b="0" lang="en-US" sz="2000" spc="-1" strike="noStrike">
+                <a:solidFill>
+                  <a:srgbClr val="000000"/>
+                </a:solidFill>
+                <a:latin typeface="Arial"/>
+              </a:rPr>
+              <a:t>Because of this it has been Adapted as a genome editing tool</a:t>
+            </a:r>
+            <a:endParaRPr b="0" lang="en-US" sz="2000" spc="-1" strike="noStrike">
+              <a:solidFill>
+                <a:srgbClr val="000000"/>
+              </a:solidFill>
+              <a:latin typeface="Arial"/>
+            </a:endParaRPr>
+          </a:p>
+        </p:txBody>
+      </p:sp>
+    </p:spTree>
+  </p:cSld>
+</p:notes>
+</file>
+
+<file path=ppt/notesSlides/notesSlide5.xml><?xml version="1.0" encoding="utf-8"?>
 <p:notes xmlns:a="http://schemas.openxmlformats.org/drawingml/2006/main" xmlns:p="http://schemas.openxmlformats.org/presentationml/2006/main" xmlns:r="http://schemas.openxmlformats.org/officeDocument/2006/relationships" xmlns:p14="http://schemas.microsoft.com/office/powerpoint/2010/main" xmlns:p15="http://schemas.microsoft.com/office/powerpoint/2012/main" xmlns:mc="http://schemas.openxmlformats.org/markup-compatibility/2006">
   <p:cSld>
     <p:spTree>
@@ -406,7 +1427,7 @@
         <p:spPr>
           <a:xfrm>
             <a:off x="533520" y="764280"/>
-            <a:ext cx="6703920" cy="3770640"/>
+            <a:ext cx="6703560" cy="3770280"/>
           </a:xfrm>
           <a:prstGeom prst="rect">
             <a:avLst/>
@@ -429,7 +1450,7 @@
         <p:spPr>
           <a:xfrm>
             <a:off x="777240" y="4777560"/>
-            <a:ext cx="6216840" cy="4525200"/>
+            <a:ext cx="6216480" cy="4524840"/>
           </a:xfrm>
           <a:prstGeom prst="rect">
             <a:avLst/>
@@ -460,7 +1481,7 @@
                 </a:solidFill>
                 <a:latin typeface="Arial"/>
               </a:rPr>
-              <a:t>DRs occurred can be counted and displayed in histograms</a:t>
+              <a:t>There is a need for tools to help visualize sequences of direct repeats and spacers. And there are Tools, such as CrisprStudio and CRISPRFinder that help to provide clear and intuitive visualizations of CRISPR sequences.</a:t>
             </a:r>
             <a:endParaRPr b="0" lang="en-US" sz="2000" spc="-1" strike="noStrike">
               <a:solidFill>
@@ -486,7 +1507,7 @@
                 </a:solidFill>
                 <a:latin typeface="Arial"/>
               </a:rPr>
-              <a:t>Spacer counts across strains can be calculated and visualized in histograms</a:t>
+              <a:t>However the researchers note that these tools lack interactivity and tend to be not user friendly and complex. And limited in visualization. For example, CRISPRStudio only present spacers graphically.</a:t>
             </a:r>
             <a:endParaRPr b="0" lang="en-US" sz="2000" spc="-1" strike="noStrike">
               <a:solidFill>
@@ -512,8 +1533,25 @@
                 </a:solidFill>
                 <a:latin typeface="Arial"/>
               </a:rPr>
-              <a:t>Users can inspect details of the plots using commands in the menu.</a:t>
-            </a:r>
+              <a:t>The researchers recognize a need for an all-in-one tool to visualize, manipulate, and analyze CRISPR arrays effectively.</a:t>
+            </a:r>
+            <a:endParaRPr b="0" lang="en-US" sz="2000" spc="-1" strike="noStrike">
+              <a:solidFill>
+                <a:srgbClr val="000000"/>
+              </a:solidFill>
+              <a:latin typeface="Arial"/>
+            </a:endParaRPr>
+          </a:p>
+          <a:p>
+            <a:pPr marL="216000" indent="-216000">
+              <a:lnSpc>
+                <a:spcPct val="100000"/>
+              </a:lnSpc>
+              <a:buNone/>
+              <a:tabLst>
+                <a:tab algn="l" pos="0"/>
+              </a:tabLst>
+            </a:pPr>
             <a:endParaRPr b="0" lang="en-US" sz="2000" spc="-1" strike="noStrike">
               <a:solidFill>
                 <a:srgbClr val="000000"/>
@@ -528,7 +1566,7 @@
 </p:notes>
 </file>
 
-<file path=ppt/notesSlides/notesSlide4.xml><?xml version="1.0" encoding="utf-8"?>
+<file path=ppt/notesSlides/notesSlide6.xml><?xml version="1.0" encoding="utf-8"?>
 <p:notes xmlns:a="http://schemas.openxmlformats.org/drawingml/2006/main" xmlns:p="http://schemas.openxmlformats.org/presentationml/2006/main" xmlns:r="http://schemas.openxmlformats.org/officeDocument/2006/relationships" xmlns:p14="http://schemas.microsoft.com/office/powerpoint/2010/main" xmlns:p15="http://schemas.microsoft.com/office/powerpoint/2012/main" xmlns:mc="http://schemas.openxmlformats.org/markup-compatibility/2006">
   <p:cSld>
     <p:spTree>
@@ -547,7 +1585,7 @@
       </p:grpSpPr>
       <p:sp>
         <p:nvSpPr>
-          <p:cNvPr id="57" name="PlaceHolder 1"/>
+          <p:cNvPr id="69" name="PlaceHolder 1"/>
           <p:cNvSpPr>
             <a:spLocks noGrp="1"/>
           </p:cNvSpPr>
@@ -558,7 +1596,7 @@
         <p:spPr>
           <a:xfrm>
             <a:off x="533520" y="764280"/>
-            <a:ext cx="6703920" cy="3770640"/>
+            <a:ext cx="6704640" cy="3771360"/>
           </a:xfrm>
           <a:prstGeom prst="rect">
             <a:avLst/>
@@ -570,7 +1608,7 @@
       </p:sp>
       <p:sp>
         <p:nvSpPr>
-          <p:cNvPr id="58" name="PlaceHolder 2"/>
+          <p:cNvPr id="70" name="PlaceHolder 2"/>
           <p:cNvSpPr>
             <a:spLocks noGrp="1"/>
           </p:cNvSpPr>
@@ -581,7 +1619,7 @@
         <p:spPr>
           <a:xfrm>
             <a:off x="777240" y="4777560"/>
-            <a:ext cx="6216840" cy="4525200"/>
+            <a:ext cx="6217560" cy="4525920"/>
           </a:xfrm>
           <a:prstGeom prst="rect">
             <a:avLst/>
@@ -597,13 +1635,7 @@
           </a:bodyPr>
           <a:p>
             <a:pPr marL="216000" indent="-216000">
-              <a:lnSpc>
-                <a:spcPct val="100000"/>
-              </a:lnSpc>
               <a:buNone/>
-              <a:tabLst>
-                <a:tab algn="l" pos="0"/>
-              </a:tabLst>
             </a:pPr>
             <a:r>
               <a:rPr b="0" lang="en-US" sz="2000" spc="-1" strike="noStrike">
@@ -612,220 +1644,8 @@
                 </a:solidFill>
                 <a:latin typeface="Arial"/>
               </a:rPr>
-              <a:t>Cas9: type of CRISPR-associated protein</a:t>
-            </a:r>
-            <a:endParaRPr b="0" lang="en-US" sz="2000" spc="-1" strike="noStrike">
-              <a:solidFill>
-                <a:srgbClr val="000000"/>
-              </a:solidFill>
-              <a:latin typeface="Arial"/>
-            </a:endParaRPr>
-          </a:p>
-          <a:p>
-            <a:pPr marL="216000" indent="-216000">
-              <a:lnSpc>
-                <a:spcPct val="100000"/>
-              </a:lnSpc>
-              <a:buNone/>
-              <a:tabLst>
-                <a:tab algn="l" pos="0"/>
-              </a:tabLst>
-            </a:pPr>
-            <a:r>
-              <a:rPr b="0" lang="en-US" sz="2000" spc="-1" strike="noStrike">
-                <a:solidFill>
-                  <a:srgbClr val="000000"/>
-                </a:solidFill>
-                <a:latin typeface="Arial"/>
-              </a:rPr>
-              <a:t>Acts as a molecular scissor, capable of cutting DNA at a specific location</a:t>
-            </a:r>
-            <a:endParaRPr b="0" lang="en-US" sz="2000" spc="-1" strike="noStrike">
-              <a:solidFill>
-                <a:srgbClr val="000000"/>
-              </a:solidFill>
-              <a:latin typeface="Arial"/>
-            </a:endParaRPr>
-          </a:p>
-          <a:p>
-            <a:pPr marL="216000" indent="-216000">
-              <a:lnSpc>
-                <a:spcPct val="100000"/>
-              </a:lnSpc>
-              <a:buNone/>
-              <a:tabLst>
-                <a:tab algn="l" pos="0"/>
-              </a:tabLst>
-            </a:pPr>
-            <a:r>
-              <a:rPr b="0" lang="en-US" sz="2000" spc="-1" strike="noStrike">
-                <a:solidFill>
-                  <a:srgbClr val="000000"/>
-                </a:solidFill>
-                <a:latin typeface="Arial"/>
-              </a:rPr>
-              <a:t>Adapted as a genome editing tool</a:t>
-            </a:r>
-            <a:endParaRPr b="0" lang="en-US" sz="2000" spc="-1" strike="noStrike">
-              <a:solidFill>
-                <a:srgbClr val="000000"/>
-              </a:solidFill>
-              <a:latin typeface="Arial"/>
-            </a:endParaRPr>
-          </a:p>
-          <a:p>
-            <a:pPr marL="216000" indent="-216000">
-              <a:lnSpc>
-                <a:spcPct val="100000"/>
-              </a:lnSpc>
-              <a:buNone/>
-              <a:tabLst>
-                <a:tab algn="l" pos="0"/>
-              </a:tabLst>
-            </a:pPr>
-            <a:r>
-              <a:rPr b="0" lang="en-US" sz="2000" spc="-1" strike="noStrike">
-                <a:solidFill>
-                  <a:srgbClr val="000000"/>
-                </a:solidFill>
-                <a:latin typeface="Arial"/>
-              </a:rPr>
-              <a:t>Can be programmed with a small RNA molecule to guide it to the specific DNA sequence, where it cuts the DNA</a:t>
-            </a:r>
-            <a:endParaRPr b="0" lang="en-US" sz="2000" spc="-1" strike="noStrike">
-              <a:solidFill>
-                <a:srgbClr val="000000"/>
-              </a:solidFill>
-              <a:latin typeface="Arial"/>
-            </a:endParaRPr>
-          </a:p>
-          <a:p>
-            <a:pPr marL="216000" indent="-216000">
-              <a:lnSpc>
-                <a:spcPct val="100000"/>
-              </a:lnSpc>
-              <a:buNone/>
-              <a:tabLst>
-                <a:tab algn="l" pos="0"/>
-              </a:tabLst>
-            </a:pPr>
-            <a:endParaRPr b="0" lang="en-US" sz="2000" spc="-1" strike="noStrike">
-              <a:solidFill>
-                <a:srgbClr val="000000"/>
-              </a:solidFill>
-              <a:latin typeface="Arial"/>
-            </a:endParaRPr>
-          </a:p>
-        </p:txBody>
-      </p:sp>
-    </p:spTree>
-  </p:cSld>
-</p:notes>
-</file>
-
-<file path=ppt/notesSlides/notesSlide5.xml><?xml version="1.0" encoding="utf-8"?>
-<p:notes xmlns:a="http://schemas.openxmlformats.org/drawingml/2006/main" xmlns:p="http://schemas.openxmlformats.org/presentationml/2006/main" xmlns:r="http://schemas.openxmlformats.org/officeDocument/2006/relationships" xmlns:p14="http://schemas.microsoft.com/office/powerpoint/2010/main" xmlns:p15="http://schemas.microsoft.com/office/powerpoint/2012/main" xmlns:mc="http://schemas.openxmlformats.org/markup-compatibility/2006">
-  <p:cSld>
-    <p:spTree>
-      <p:nvGrpSpPr>
-        <p:cNvPr id="1" name=""/>
-        <p:cNvGrpSpPr/>
-        <p:nvPr/>
-      </p:nvGrpSpPr>
-      <p:grpSpPr>
-        <a:xfrm>
-          <a:off x="0" y="0"/>
-          <a:ext cx="0" cy="0"/>
-          <a:chOff x="0" y="0"/>
-          <a:chExt cx="0" cy="0"/>
-        </a:xfrm>
-      </p:grpSpPr>
-      <p:sp>
-        <p:nvSpPr>
-          <p:cNvPr id="59" name="PlaceHolder 1"/>
-          <p:cNvSpPr>
-            <a:spLocks noGrp="1"/>
-          </p:cNvSpPr>
-          <p:nvPr>
-            <p:ph type="sldImg"/>
-          </p:nvPr>
-        </p:nvSpPr>
-        <p:spPr>
-          <a:xfrm>
-            <a:off x="533520" y="764280"/>
-            <a:ext cx="6703920" cy="3770640"/>
-          </a:xfrm>
-          <a:prstGeom prst="rect">
-            <a:avLst/>
-          </a:prstGeom>
-          <a:ln w="0">
-            <a:noFill/>
-          </a:ln>
-        </p:spPr>
-      </p:sp>
-      <p:sp>
-        <p:nvSpPr>
-          <p:cNvPr id="60" name="PlaceHolder 2"/>
-          <p:cNvSpPr>
-            <a:spLocks noGrp="1"/>
-          </p:cNvSpPr>
-          <p:nvPr>
-            <p:ph type="body"/>
-          </p:nvPr>
-        </p:nvSpPr>
-        <p:spPr>
-          <a:xfrm>
-            <a:off x="777240" y="4777560"/>
-            <a:ext cx="6216840" cy="4525200"/>
-          </a:xfrm>
-          <a:prstGeom prst="rect">
-            <a:avLst/>
-          </a:prstGeom>
-          <a:noFill/>
-          <a:ln w="0">
-            <a:noFill/>
-          </a:ln>
-        </p:spPr>
-        <p:txBody>
-          <a:bodyPr lIns="0" rIns="0" tIns="0" bIns="0" anchor="t">
-            <a:noAutofit/>
-          </a:bodyPr>
-          <a:p>
-            <a:pPr marL="216000" indent="-216000">
-              <a:lnSpc>
-                <a:spcPct val="100000"/>
-              </a:lnSpc>
-              <a:buNone/>
-              <a:tabLst>
-                <a:tab algn="l" pos="0"/>
-              </a:tabLst>
-            </a:pPr>
-            <a:r>
-              <a:rPr b="0" lang="en-US" sz="2000" spc="-1" strike="noStrike">
-                <a:solidFill>
-                  <a:srgbClr val="000000"/>
-                </a:solidFill>
-                <a:latin typeface="Arial"/>
-              </a:rPr>
-              <a:t>Tools, such as CrisprStudio, help to provide clear and intuitive visualizations of CRISPR sequences, making it easier for researchers to interpret complex genetic data. </a:t>
-            </a:r>
-            <a:endParaRPr b="0" lang="en-US" sz="2000" spc="-1" strike="noStrike">
-              <a:solidFill>
-                <a:srgbClr val="000000"/>
-              </a:solidFill>
-              <a:latin typeface="Arial"/>
-            </a:endParaRPr>
-          </a:p>
-          <a:p>
-            <a:pPr marL="216000" indent="-216000">
-              <a:lnSpc>
-                <a:spcPct val="100000"/>
-              </a:lnSpc>
-              <a:buNone/>
-              <a:tabLst>
-                <a:tab algn="l" pos="0"/>
-              </a:tabLst>
-            </a:pPr>
+              <a:t>They chose to use python to develop their tool because of its extensive bioinformatics libraries, eas of use and seamless integration with current tools.</a:t>
+            </a:r>
             <a:endParaRPr b="0" lang="en-US" sz="2000" spc="-1" strike="noStrike">
               <a:solidFill>
                 <a:srgbClr val="000000"/>
@@ -859,7 +1679,7 @@
       </p:grpSpPr>
       <p:sp>
         <p:nvSpPr>
-          <p:cNvPr id="61" name="PlaceHolder 1"/>
+          <p:cNvPr id="71" name="PlaceHolder 1"/>
           <p:cNvSpPr>
             <a:spLocks noGrp="1"/>
           </p:cNvSpPr>
@@ -870,7 +1690,7 @@
         <p:spPr>
           <a:xfrm>
             <a:off x="533520" y="764280"/>
-            <a:ext cx="6703920" cy="3770640"/>
+            <a:ext cx="6703560" cy="3770280"/>
           </a:xfrm>
           <a:prstGeom prst="rect">
             <a:avLst/>
@@ -882,7 +1702,7 @@
       </p:sp>
       <p:sp>
         <p:nvSpPr>
-          <p:cNvPr id="62" name="PlaceHolder 2"/>
+          <p:cNvPr id="72" name="PlaceHolder 2"/>
           <p:cNvSpPr>
             <a:spLocks noGrp="1"/>
           </p:cNvSpPr>
@@ -893,7 +1713,7 @@
         <p:spPr>
           <a:xfrm>
             <a:off x="777240" y="4777560"/>
-            <a:ext cx="6216840" cy="4525200"/>
+            <a:ext cx="6216480" cy="4524840"/>
           </a:xfrm>
           <a:prstGeom prst="rect">
             <a:avLst/>
@@ -924,7 +1744,7 @@
                 </a:solidFill>
                 <a:latin typeface="Arial"/>
               </a:rPr>
-              <a:t>Implemented pandas and numpy for data processing and computation</a:t>
+              <a:t>In their development, they implemented pandas and numpy for data processing and computation</a:t>
             </a:r>
             <a:endParaRPr b="0" lang="en-US" sz="2000" spc="-1" strike="noStrike">
               <a:solidFill>
@@ -950,7 +1770,7 @@
                 </a:solidFill>
                 <a:latin typeface="Arial"/>
               </a:rPr>
-              <a:t>While the matplotlib and seaborn packages are used to visualize results.</a:t>
+              <a:t>While the matplotlib and seaborn packages are used to visualize results along with Biopython for sequence analysis and manipulation.</a:t>
             </a:r>
             <a:endParaRPr b="0" lang="en-US" sz="2000" spc="-1" strike="noStrike">
               <a:solidFill>
@@ -985,7 +1805,7 @@
       </p:grpSpPr>
       <p:sp>
         <p:nvSpPr>
-          <p:cNvPr id="63" name="PlaceHolder 1"/>
+          <p:cNvPr id="73" name="PlaceHolder 1"/>
           <p:cNvSpPr>
             <a:spLocks noGrp="1"/>
           </p:cNvSpPr>
@@ -996,7 +1816,7 @@
         <p:spPr>
           <a:xfrm>
             <a:off x="533520" y="764280"/>
-            <a:ext cx="6703920" cy="3770640"/>
+            <a:ext cx="6703560" cy="3770280"/>
           </a:xfrm>
           <a:prstGeom prst="rect">
             <a:avLst/>
@@ -1008,7 +1828,7 @@
       </p:sp>
       <p:sp>
         <p:nvSpPr>
-          <p:cNvPr id="64" name="PlaceHolder 2"/>
+          <p:cNvPr id="74" name="PlaceHolder 2"/>
           <p:cNvSpPr>
             <a:spLocks noGrp="1"/>
           </p:cNvSpPr>
@@ -1019,7 +1839,7 @@
         <p:spPr>
           <a:xfrm>
             <a:off x="777240" y="4777560"/>
-            <a:ext cx="6216840" cy="4525200"/>
+            <a:ext cx="6216480" cy="4524840"/>
           </a:xfrm>
           <a:prstGeom prst="rect">
             <a:avLst/>
@@ -1050,7 +1870,7 @@
                 </a:solidFill>
                 <a:latin typeface="Arial"/>
               </a:rPr>
-              <a:t>The researchers were able to successfully develop a python package with a GUI</a:t>
+              <a:t>The researchers were able to successfully develop a python package with a graphical user interface with various functionalities to manipulate and interpret CRISPR data.</a:t>
             </a:r>
             <a:endParaRPr b="0" lang="en-US" sz="2000" spc="-1" strike="noStrike">
               <a:solidFill>
@@ -1111,7 +1931,7 @@
       </p:grpSpPr>
       <p:sp>
         <p:nvSpPr>
-          <p:cNvPr id="65" name="PlaceHolder 1"/>
+          <p:cNvPr id="75" name="PlaceHolder 1"/>
           <p:cNvSpPr>
             <a:spLocks noGrp="1"/>
           </p:cNvSpPr>
@@ -1122,7 +1942,7 @@
         <p:spPr>
           <a:xfrm>
             <a:off x="533520" y="764280"/>
-            <a:ext cx="6703920" cy="3770640"/>
+            <a:ext cx="6704640" cy="3771360"/>
           </a:xfrm>
           <a:prstGeom prst="rect">
             <a:avLst/>
@@ -1134,7 +1954,7 @@
       </p:sp>
       <p:sp>
         <p:nvSpPr>
-          <p:cNvPr id="66" name="PlaceHolder 2"/>
+          <p:cNvPr id="76" name="PlaceHolder 2"/>
           <p:cNvSpPr>
             <a:spLocks noGrp="1"/>
           </p:cNvSpPr>
@@ -1145,7 +1965,7 @@
         <p:spPr>
           <a:xfrm>
             <a:off x="777240" y="4777560"/>
-            <a:ext cx="6216840" cy="4525200"/>
+            <a:ext cx="6217560" cy="4525920"/>
           </a:xfrm>
           <a:prstGeom prst="rect">
             <a:avLst/>
@@ -1176,33 +1996,7 @@
                 </a:solidFill>
                 <a:latin typeface="Arial"/>
               </a:rPr>
-              <a:t>User is able to change graphic color manually, sort spacer arrays by length and even highlight identical CRISPRs by red borders.</a:t>
-            </a:r>
-            <a:endParaRPr b="0" lang="en-US" sz="2000" spc="-1" strike="noStrike">
-              <a:solidFill>
-                <a:srgbClr val="000000"/>
-              </a:solidFill>
-              <a:latin typeface="Arial"/>
-            </a:endParaRPr>
-          </a:p>
-          <a:p>
-            <a:pPr marL="216000" indent="-216000">
-              <a:lnSpc>
-                <a:spcPct val="100000"/>
-              </a:lnSpc>
-              <a:buNone/>
-              <a:tabLst>
-                <a:tab algn="l" pos="0"/>
-              </a:tabLst>
-            </a:pPr>
-            <a:r>
-              <a:rPr b="0" lang="en-US" sz="2000" spc="-1" strike="noStrike">
-                <a:solidFill>
-                  <a:srgbClr val="000000"/>
-                </a:solidFill>
-                <a:latin typeface="Arial"/>
-              </a:rPr>
-              <a:t>Visualized CRISPRs of 12 C.  Coli strains which where predicted by CRISPRCasFinder</a:t>
+              <a:t>The researchers were able to successfully develop a python package with a graphical user interface with various functionalities to manipulate and interpret CRISPR data.</a:t>
             </a:r>
             <a:endParaRPr b="0" lang="en-US" sz="2000" spc="-1" strike="noStrike">
               <a:solidFill>
@@ -1248,7 +2042,7 @@
         <p:spPr>
           <a:xfrm>
             <a:off x="504000" y="226080"/>
-            <a:ext cx="9070920" cy="945720"/>
+            <a:ext cx="9070560" cy="945360"/>
           </a:xfrm>
           <a:prstGeom prst="rect">
             <a:avLst/>
@@ -1288,7 +2082,7 @@
         <p:spPr>
           <a:xfrm>
             <a:off x="504000" y="1326600"/>
-            <a:ext cx="9070920" cy="3287520"/>
+            <a:ext cx="9070560" cy="3287160"/>
           </a:xfrm>
           <a:prstGeom prst="rect">
             <a:avLst/>
@@ -1352,7 +2146,7 @@
         <p:txBody>
           <a:bodyPr/>
           <a:p>
-            <a:fld id="{2D470F28-533C-449D-B5E4-1964B5A5F0FE}" type="slidenum">
+            <a:fld id="{15C91216-3640-4A75-9826-C8CC83ACA07F}" type="slidenum">
               <a:t>&lt;#&gt;</a:t>
             </a:fld>
           </a:p>
@@ -1414,7 +2208,7 @@
         <p:spPr>
           <a:xfrm>
             <a:off x="504000" y="226080"/>
-            <a:ext cx="9070920" cy="945720"/>
+            <a:ext cx="9070560" cy="945360"/>
           </a:xfrm>
           <a:prstGeom prst="rect">
             <a:avLst/>
@@ -1454,7 +2248,7 @@
         <p:spPr>
           <a:xfrm>
             <a:off x="504000" y="1326600"/>
-            <a:ext cx="9070920" cy="3287520"/>
+            <a:ext cx="9070560" cy="3287160"/>
           </a:xfrm>
           <a:prstGeom prst="rect">
             <a:avLst/>
@@ -1515,7 +2309,7 @@
         <p:txBody>
           <a:bodyPr/>
           <a:p>
-            <a:fld id="{B4A98217-8365-4EF0-B4BF-E5366D864B7C}" type="slidenum">
+            <a:fld id="{049D0697-C397-466F-A277-318306DE9175}" type="slidenum">
               <a:t>&lt;#&gt;</a:t>
             </a:fld>
           </a:p>
@@ -1577,7 +2371,7 @@
         <p:spPr>
           <a:xfrm>
             <a:off x="504000" y="226080"/>
-            <a:ext cx="9070920" cy="945720"/>
+            <a:ext cx="9070560" cy="945360"/>
           </a:xfrm>
           <a:prstGeom prst="rect">
             <a:avLst/>
@@ -1626,7 +2420,7 @@
         <p:spPr>
           <a:xfrm>
             <a:off x="504000" y="1326600"/>
-            <a:ext cx="9070920" cy="3287520"/>
+            <a:ext cx="9070560" cy="3287160"/>
           </a:xfrm>
           <a:prstGeom prst="rect">
             <a:avLst/>
@@ -1851,7 +2645,7 @@
         <p:spPr>
           <a:xfrm>
             <a:off x="3447360" y="5165280"/>
-            <a:ext cx="3194280" cy="389880"/>
+            <a:ext cx="3193920" cy="389520"/>
           </a:xfrm>
           <a:prstGeom prst="rect">
             <a:avLst/>
@@ -1923,7 +2717,7 @@
         <p:spPr>
           <a:xfrm>
             <a:off x="7227360" y="5165280"/>
-            <a:ext cx="2347560" cy="389880"/>
+            <a:ext cx="2347200" cy="389520"/>
           </a:xfrm>
           <a:prstGeom prst="rect">
             <a:avLst/>
@@ -1964,7 +2758,7 @@
                 <a:tab algn="l" pos="0"/>
               </a:tabLst>
             </a:pPr>
-            <a:fld id="{CD62F05D-C9BF-4245-84B4-E4ECFD549341}" type="slidenum">
+            <a:fld id="{EAFF33D7-C4F2-4F3D-9D82-52BBAF946C4D}" type="slidenum">
               <a:rPr b="0" lang="en-US" sz="1400" spc="-1" strike="noStrike">
                 <a:solidFill>
                   <a:srgbClr val="000000"/>
@@ -1995,7 +2789,7 @@
         <p:spPr>
           <a:xfrm>
             <a:off x="504000" y="5165280"/>
-            <a:ext cx="2347560" cy="389880"/>
+            <a:ext cx="2347200" cy="389520"/>
           </a:xfrm>
           <a:prstGeom prst="rect">
             <a:avLst/>
@@ -2081,7 +2875,7 @@
         <p:spPr>
           <a:xfrm>
             <a:off x="504000" y="226080"/>
-            <a:ext cx="9070920" cy="945720"/>
+            <a:ext cx="9070560" cy="945360"/>
           </a:xfrm>
           <a:prstGeom prst="rect">
             <a:avLst/>
@@ -2106,7 +2900,25 @@
                 </a:solidFill>
                 <a:latin typeface="Arial"/>
               </a:rPr>
-              <a:t>Click to edit the title text format</a:t>
+              <a:t>Click to </a:t>
+            </a:r>
+            <a:r>
+              <a:rPr b="0" lang="en-US" sz="1800" spc="-1" strike="noStrike">
+                <a:solidFill>
+                  <a:srgbClr val="000000"/>
+                </a:solidFill>
+                <a:latin typeface="Arial"/>
+              </a:rPr>
+              <a:t>edit the title </a:t>
+            </a:r>
+            <a:r>
+              <a:rPr b="0" lang="en-US" sz="1800" spc="-1" strike="noStrike">
+                <a:solidFill>
+                  <a:srgbClr val="000000"/>
+                </a:solidFill>
+                <a:latin typeface="Arial"/>
+              </a:rPr>
+              <a:t>text format</a:t>
             </a:r>
             <a:endParaRPr b="0" lang="en-US" sz="1800" spc="-1" strike="noStrike">
               <a:solidFill>
@@ -2130,7 +2942,7 @@
         <p:spPr>
           <a:xfrm>
             <a:off x="3447360" y="5165280"/>
-            <a:ext cx="3194280" cy="389880"/>
+            <a:ext cx="3193920" cy="389520"/>
           </a:xfrm>
           <a:prstGeom prst="rect">
             <a:avLst/>
@@ -2202,7 +3014,7 @@
         <p:spPr>
           <a:xfrm>
             <a:off x="7227360" y="5165280"/>
-            <a:ext cx="2347560" cy="389880"/>
+            <a:ext cx="2347200" cy="389520"/>
           </a:xfrm>
           <a:prstGeom prst="rect">
             <a:avLst/>
@@ -2243,7 +3055,7 @@
                 <a:tab algn="l" pos="0"/>
               </a:tabLst>
             </a:pPr>
-            <a:fld id="{C0CD720F-3619-4F9F-B417-D22C154F18CB}" type="slidenum">
+            <a:fld id="{21D0B074-C169-44A4-A5F6-CBC095791BC5}" type="slidenum">
               <a:rPr b="0" lang="en-US" sz="1400" spc="-1" strike="noStrike">
                 <a:solidFill>
                   <a:srgbClr val="000000"/>
@@ -2274,7 +3086,7 @@
         <p:spPr>
           <a:xfrm>
             <a:off x="504000" y="5165280"/>
-            <a:ext cx="2347560" cy="389880"/>
+            <a:ext cx="2347200" cy="389520"/>
           </a:xfrm>
           <a:prstGeom prst="rect">
             <a:avLst/>
@@ -2585,7 +3397,7 @@
         <p:spPr>
           <a:xfrm>
             <a:off x="504000" y="226080"/>
-            <a:ext cx="9070920" cy="5031000"/>
+            <a:ext cx="9070560" cy="5030640"/>
           </a:xfrm>
           <a:prstGeom prst="rect">
             <a:avLst/>
@@ -2636,7 +3448,7 @@
         <p:spPr>
           <a:xfrm>
             <a:off x="3886200" y="4682880"/>
-            <a:ext cx="2285640" cy="345960"/>
+            <a:ext cx="2285280" cy="345600"/>
           </a:xfrm>
           <a:prstGeom prst="rect">
             <a:avLst/>
@@ -2668,6 +3480,7 @@
                   <a:srgbClr val="000000"/>
                 </a:solidFill>
                 <a:latin typeface="Arial"/>
+                <a:ea typeface="DejaVu Sans"/>
               </a:rPr>
               <a:t>John Wesley Mathis</a:t>
             </a:r>
@@ -2690,6 +3503,7 @@
                   <a:srgbClr val="000000"/>
                 </a:solidFill>
                 <a:latin typeface="Arial"/>
+                <a:ea typeface="DejaVu Sans"/>
               </a:rPr>
               <a:t>ECE/SSE 591</a:t>
             </a:r>
@@ -2734,7 +3548,7 @@
       </p:grpSpPr>
       <p:sp>
         <p:nvSpPr>
-          <p:cNvPr id="47" name="PlaceHolder 1"/>
+          <p:cNvPr id="44" name="PlaceHolder 1"/>
           <p:cNvSpPr>
             <a:spLocks noGrp="1"/>
           </p:cNvSpPr>
@@ -2744,8 +3558,8 @@
         </p:nvSpPr>
         <p:spPr>
           <a:xfrm>
-            <a:off x="0" y="-238320"/>
-            <a:ext cx="10743480" cy="1874520"/>
+            <a:off x="504000" y="74160"/>
+            <a:ext cx="9070560" cy="1249200"/>
           </a:xfrm>
           <a:prstGeom prst="rect">
             <a:avLst/>
@@ -2779,9 +3593,142 @@
                 </a:solidFill>
                 <a:latin typeface="Arial"/>
               </a:rPr>
-              <a:t>Perform statistical analysis of the DRs/spacers on selected strains </a:t>
+              <a:t>User </a:t>
+            </a:r>
+            <a:r>
+              <a:rPr b="0" lang="en-US" sz="4400" spc="-1" strike="noStrike">
+                <a:solidFill>
+                  <a:srgbClr val="000000"/>
+                </a:solidFill>
+                <a:latin typeface="Arial"/>
+              </a:rPr>
+              <a:t>can </a:t>
+            </a:r>
+            <a:r>
+              <a:rPr b="0" lang="en-US" sz="4400" spc="-1" strike="noStrike">
+                <a:solidFill>
+                  <a:srgbClr val="000000"/>
+                </a:solidFill>
+                <a:latin typeface="Arial"/>
+              </a:rPr>
+              <a:t>cust</a:t>
+            </a:r>
+            <a:r>
+              <a:rPr b="0" lang="en-US" sz="4400" spc="-1" strike="noStrike">
+                <a:solidFill>
+                  <a:srgbClr val="000000"/>
+                </a:solidFill>
+                <a:latin typeface="Arial"/>
+              </a:rPr>
+              <a:t>omiz</a:t>
+            </a:r>
+            <a:r>
+              <a:rPr b="0" lang="en-US" sz="4400" spc="-1" strike="noStrike">
+                <a:solidFill>
+                  <a:srgbClr val="000000"/>
+                </a:solidFill>
+                <a:latin typeface="Arial"/>
+              </a:rPr>
+              <a:t>e </a:t>
+            </a:r>
+            <a:r>
+              <a:rPr b="0" lang="en-US" sz="4400" spc="-1" strike="noStrike">
+                <a:solidFill>
+                  <a:srgbClr val="000000"/>
+                </a:solidFill>
+                <a:latin typeface="Arial"/>
+              </a:rPr>
+              <a:t>grap</a:t>
+            </a:r>
+            <a:r>
+              <a:rPr b="0" lang="en-US" sz="4400" spc="-1" strike="noStrike">
+                <a:solidFill>
+                  <a:srgbClr val="000000"/>
+                </a:solidFill>
+                <a:latin typeface="Arial"/>
+              </a:rPr>
+              <a:t>hics </a:t>
+            </a:r>
+            <a:r>
+              <a:rPr b="0" lang="en-US" sz="4400" spc="-1" strike="noStrike">
+                <a:solidFill>
+                  <a:srgbClr val="000000"/>
+                </a:solidFill>
+                <a:latin typeface="Arial"/>
+              </a:rPr>
+              <a:t>for </a:t>
+            </a:r>
+            <a:r>
+              <a:rPr b="0" lang="en-US" sz="4400" spc="-1" strike="noStrike">
+                <a:solidFill>
+                  <a:srgbClr val="000000"/>
+                </a:solidFill>
+                <a:latin typeface="Arial"/>
+              </a:rPr>
+              <a:t>DRs</a:t>
+            </a:r>
+            <a:r>
+              <a:rPr b="0" lang="en-US" sz="4400" spc="-1" strike="noStrike">
+                <a:solidFill>
+                  <a:srgbClr val="000000"/>
+                </a:solidFill>
+                <a:latin typeface="Arial"/>
+              </a:rPr>
+              <a:t>/spa</a:t>
+            </a:r>
+            <a:r>
+              <a:rPr b="0" lang="en-US" sz="4400" spc="-1" strike="noStrike">
+                <a:solidFill>
+                  <a:srgbClr val="000000"/>
+                </a:solidFill>
+                <a:latin typeface="Arial"/>
+              </a:rPr>
+              <a:t>cers</a:t>
             </a:r>
             <a:endParaRPr b="0" lang="en-US" sz="4400" spc="-1" strike="noStrike">
+              <a:solidFill>
+                <a:srgbClr val="000000"/>
+              </a:solidFill>
+              <a:latin typeface="Arial"/>
+            </a:endParaRPr>
+          </a:p>
+        </p:txBody>
+      </p:sp>
+      <p:sp>
+        <p:nvSpPr>
+          <p:cNvPr id="45" name="PlaceHolder 2"/>
+          <p:cNvSpPr>
+            <a:spLocks noGrp="1"/>
+          </p:cNvSpPr>
+          <p:nvPr>
+            <p:ph/>
+          </p:nvPr>
+        </p:nvSpPr>
+        <p:spPr>
+          <a:xfrm>
+            <a:off x="504000" y="1326600"/>
+            <a:ext cx="9070560" cy="3287160"/>
+          </a:xfrm>
+          <a:prstGeom prst="rect">
+            <a:avLst/>
+          </a:prstGeom>
+          <a:noFill/>
+          <a:ln w="0">
+            <a:noFill/>
+          </a:ln>
+        </p:spPr>
+        <p:txBody>
+          <a:bodyPr lIns="0" rIns="0" tIns="0" bIns="0" anchor="t">
+            <a:normAutofit/>
+          </a:bodyPr>
+          <a:p>
+            <a:pPr indent="0">
+              <a:spcBef>
+                <a:spcPts val="1417"/>
+              </a:spcBef>
+              <a:buNone/>
+            </a:pPr>
+            <a:endParaRPr b="0" lang="en-US" sz="1800" spc="-1" strike="noStrike">
               <a:solidFill>
                 <a:srgbClr val="000000"/>
               </a:solidFill>
@@ -2792,7 +3739,7 @@
       </p:sp>
       <p:pic>
         <p:nvPicPr>
-          <p:cNvPr id="48" name="" descr=""/>
+          <p:cNvPr id="46" name="" descr=""/>
           <p:cNvPicPr/>
           <p:nvPr/>
         </p:nvPicPr>
@@ -2802,8 +3749,8 @@
         </p:blipFill>
         <p:spPr>
           <a:xfrm>
-            <a:off x="685800" y="1640160"/>
-            <a:ext cx="6171480" cy="3845520"/>
+            <a:off x="177480" y="1326600"/>
+            <a:ext cx="4394520" cy="2787120"/>
           </a:xfrm>
           <a:prstGeom prst="rect">
             <a:avLst/>
@@ -2815,7 +3762,7 @@
       </p:pic>
       <p:pic>
         <p:nvPicPr>
-          <p:cNvPr id="49" name="" descr=""/>
+          <p:cNvPr id="47" name="" descr=""/>
           <p:cNvPicPr/>
           <p:nvPr/>
         </p:nvPicPr>
@@ -2825,8 +3772,8 @@
         </p:blipFill>
         <p:spPr>
           <a:xfrm>
-            <a:off x="914400" y="1640160"/>
-            <a:ext cx="6008040" cy="3891600"/>
+            <a:off x="4773240" y="1600200"/>
+            <a:ext cx="5284080" cy="2284920"/>
           </a:xfrm>
           <a:prstGeom prst="rect">
             <a:avLst/>
@@ -2838,7 +3785,7 @@
       </p:pic>
       <p:pic>
         <p:nvPicPr>
-          <p:cNvPr id="50" name="" descr=""/>
+          <p:cNvPr id="48" name="" descr=""/>
           <p:cNvPicPr/>
           <p:nvPr/>
         </p:nvPicPr>
@@ -2848,8 +3795,8 @@
         </p:blipFill>
         <p:spPr>
           <a:xfrm>
-            <a:off x="771480" y="1454400"/>
-            <a:ext cx="5857200" cy="4077360"/>
+            <a:off x="648360" y="1371600"/>
+            <a:ext cx="8724240" cy="4205880"/>
           </a:xfrm>
           <a:prstGeom prst="rect">
             <a:avLst/>
@@ -2872,83 +3819,38 @@
   <p:timing>
     <p:tnLst>
       <p:par>
-        <p:cTn id="7" dur="indefinite" restart="never" nodeType="tmRoot">
+        <p:cTn id="1" dur="indefinite" restart="never" nodeType="tmRoot">
           <p:childTnLst>
             <p:seq>
-              <p:cTn id="8" dur="indefinite" nodeType="mainSeq">
+              <p:cTn id="2" dur="indefinite" nodeType="mainSeq">
                 <p:childTnLst>
                   <p:par>
-                    <p:cTn id="9" fill="hold">
+                    <p:cTn id="3" fill="hold">
                       <p:stCondLst>
                         <p:cond delay="indefinite"/>
                       </p:stCondLst>
                       <p:childTnLst>
                         <p:par>
-                          <p:cTn id="10" fill="hold">
+                          <p:cTn id="4" fill="hold">
                             <p:stCondLst>
                               <p:cond delay="0"/>
                             </p:stCondLst>
                             <p:childTnLst>
                               <p:par>
-                                <p:cTn id="11" nodeType="clickEffect" fill="hold" presetClass="entr" presetID="1">
+                                <p:cTn id="5" nodeType="clickEffect" fill="hold" presetClass="entr" presetID="1">
                                   <p:stCondLst>
                                     <p:cond delay="0"/>
                                   </p:stCondLst>
                                   <p:childTnLst>
                                     <p:set>
                                       <p:cBhvr>
-                                        <p:cTn id="12" dur="1" fill="hold">
+                                        <p:cTn id="6" dur="1" fill="hold">
                                           <p:stCondLst>
                                             <p:cond delay="0"/>
                                           </p:stCondLst>
                                         </p:cTn>
                                         <p:tgtEl>
-                                          <p:spTgt spid="49"/>
-                                        </p:tgtEl>
-                                        <p:attrNameLst>
-                                          <p:attrName>style.visibility</p:attrName>
-                                        </p:attrNameLst>
-                                      </p:cBhvr>
-                                      <p:to>
-                                        <p:strVal val="visible"/>
-                                      </p:to>
-                                    </p:set>
-                                  </p:childTnLst>
-                                </p:cTn>
-                              </p:par>
-                            </p:childTnLst>
-                          </p:cTn>
-                        </p:par>
-                      </p:childTnLst>
-                    </p:cTn>
-                  </p:par>
-                  <p:par>
-                    <p:cTn id="13" fill="hold">
-                      <p:stCondLst>
-                        <p:cond delay="indefinite"/>
-                      </p:stCondLst>
-                      <p:childTnLst>
-                        <p:par>
-                          <p:cTn id="14" fill="hold">
-                            <p:stCondLst>
-                              <p:cond delay="0"/>
-                            </p:stCondLst>
-                            <p:childTnLst>
-                              <p:par>
-                                <p:cTn id="15" nodeType="clickEffect" fill="hold" presetClass="entr" presetID="1">
-                                  <p:stCondLst>
-                                    <p:cond delay="0"/>
-                                  </p:stCondLst>
-                                  <p:childTnLst>
-                                    <p:set>
-                                      <p:cBhvr>
-                                        <p:cTn id="16" dur="1" fill="hold">
-                                          <p:stCondLst>
-                                            <p:cond delay="0"/>
-                                          </p:stCondLst>
-                                        </p:cTn>
-                                        <p:tgtEl>
-                                          <p:spTgt spid="50"/>
+                                          <p:spTgt spid="48"/>
                                         </p:tgtEl>
                                         <p:attrNameLst>
                                           <p:attrName>style.visibility</p:attrName>
@@ -3011,7 +3913,7 @@
       </p:grpSpPr>
       <p:sp>
         <p:nvSpPr>
-          <p:cNvPr id="51" name="PlaceHolder 1"/>
+          <p:cNvPr id="49" name="PlaceHolder 1"/>
           <p:cNvSpPr>
             <a:spLocks noGrp="1"/>
           </p:cNvSpPr>
@@ -3021,8 +3923,8 @@
         </p:nvSpPr>
         <p:spPr>
           <a:xfrm>
-            <a:off x="504000" y="226080"/>
-            <a:ext cx="9070920" cy="945720"/>
+            <a:off x="0" y="-238320"/>
+            <a:ext cx="10743120" cy="1874160"/>
           </a:xfrm>
           <a:prstGeom prst="rect">
             <a:avLst/>
@@ -3041,6 +3943,9 @@
               <a:lnSpc>
                 <a:spcPct val="100000"/>
               </a:lnSpc>
+              <a:spcBef>
+                <a:spcPts val="1417"/>
+              </a:spcBef>
               <a:buNone/>
               <a:tabLst>
                 <a:tab algn="l" pos="0"/>
@@ -3053,7 +3958,151 @@
                 </a:solidFill>
                 <a:latin typeface="Arial"/>
               </a:rPr>
-              <a:t>My Thoughts</a:t>
+              <a:t>Perf</a:t>
+            </a:r>
+            <a:r>
+              <a:rPr b="0" lang="en-US" sz="4400" spc="-1" strike="noStrike">
+                <a:solidFill>
+                  <a:srgbClr val="000000"/>
+                </a:solidFill>
+                <a:latin typeface="Arial"/>
+              </a:rPr>
+              <a:t>orm </a:t>
+            </a:r>
+            <a:r>
+              <a:rPr b="0" lang="en-US" sz="4400" spc="-1" strike="noStrike">
+                <a:solidFill>
+                  <a:srgbClr val="000000"/>
+                </a:solidFill>
+                <a:latin typeface="Arial"/>
+              </a:rPr>
+              <a:t>stati</a:t>
+            </a:r>
+            <a:r>
+              <a:rPr b="0" lang="en-US" sz="4400" spc="-1" strike="noStrike">
+                <a:solidFill>
+                  <a:srgbClr val="000000"/>
+                </a:solidFill>
+                <a:latin typeface="Arial"/>
+              </a:rPr>
+              <a:t>stica</a:t>
+            </a:r>
+            <a:r>
+              <a:rPr b="0" lang="en-US" sz="4400" spc="-1" strike="noStrike">
+                <a:solidFill>
+                  <a:srgbClr val="000000"/>
+                </a:solidFill>
+                <a:latin typeface="Arial"/>
+              </a:rPr>
+              <a:t>l </a:t>
+            </a:r>
+            <a:r>
+              <a:rPr b="0" lang="en-US" sz="4400" spc="-1" strike="noStrike">
+                <a:solidFill>
+                  <a:srgbClr val="000000"/>
+                </a:solidFill>
+                <a:latin typeface="Arial"/>
+              </a:rPr>
+              <a:t>anal</a:t>
+            </a:r>
+            <a:r>
+              <a:rPr b="0" lang="en-US" sz="4400" spc="-1" strike="noStrike">
+                <a:solidFill>
+                  <a:srgbClr val="000000"/>
+                </a:solidFill>
+                <a:latin typeface="Arial"/>
+              </a:rPr>
+              <a:t>ysis </a:t>
+            </a:r>
+            <a:r>
+              <a:rPr b="0" lang="en-US" sz="4400" spc="-1" strike="noStrike">
+                <a:solidFill>
+                  <a:srgbClr val="000000"/>
+                </a:solidFill>
+                <a:latin typeface="Arial"/>
+              </a:rPr>
+              <a:t>of </a:t>
+            </a:r>
+            <a:r>
+              <a:rPr b="0" lang="en-US" sz="4400" spc="-1" strike="noStrike">
+                <a:solidFill>
+                  <a:srgbClr val="000000"/>
+                </a:solidFill>
+                <a:latin typeface="Arial"/>
+              </a:rPr>
+              <a:t>the </a:t>
+            </a:r>
+            <a:r>
+              <a:rPr b="0" lang="en-US" sz="4400" spc="-1" strike="noStrike">
+                <a:solidFill>
+                  <a:srgbClr val="000000"/>
+                </a:solidFill>
+                <a:latin typeface="Arial"/>
+              </a:rPr>
+              <a:t>DRs</a:t>
+            </a:r>
+            <a:r>
+              <a:rPr b="0" lang="en-US" sz="4400" spc="-1" strike="noStrike">
+                <a:solidFill>
+                  <a:srgbClr val="000000"/>
+                </a:solidFill>
+                <a:latin typeface="Arial"/>
+              </a:rPr>
+              <a:t>/spa</a:t>
+            </a:r>
+            <a:r>
+              <a:rPr b="0" lang="en-US" sz="4400" spc="-1" strike="noStrike">
+                <a:solidFill>
+                  <a:srgbClr val="000000"/>
+                </a:solidFill>
+                <a:latin typeface="Arial"/>
+              </a:rPr>
+              <a:t>cers </a:t>
+            </a:r>
+            <a:r>
+              <a:rPr b="0" lang="en-US" sz="4400" spc="-1" strike="noStrike">
+                <a:solidFill>
+                  <a:srgbClr val="000000"/>
+                </a:solidFill>
+                <a:latin typeface="Arial"/>
+              </a:rPr>
+              <a:t>on </a:t>
+            </a:r>
+            <a:r>
+              <a:rPr b="0" lang="en-US" sz="4400" spc="-1" strike="noStrike">
+                <a:solidFill>
+                  <a:srgbClr val="000000"/>
+                </a:solidFill>
+                <a:latin typeface="Arial"/>
+              </a:rPr>
+              <a:t>sele</a:t>
+            </a:r>
+            <a:r>
+              <a:rPr b="0" lang="en-US" sz="4400" spc="-1" strike="noStrike">
+                <a:solidFill>
+                  <a:srgbClr val="000000"/>
+                </a:solidFill>
+                <a:latin typeface="Arial"/>
+              </a:rPr>
+              <a:t>cted </a:t>
+            </a:r>
+            <a:r>
+              <a:rPr b="0" lang="en-US" sz="4400" spc="-1" strike="noStrike">
+                <a:solidFill>
+                  <a:srgbClr val="000000"/>
+                </a:solidFill>
+                <a:latin typeface="Arial"/>
+              </a:rPr>
+              <a:t>strai</a:t>
+            </a:r>
+            <a:r>
+              <a:rPr b="0" lang="en-US" sz="4400" spc="-1" strike="noStrike">
+                <a:solidFill>
+                  <a:srgbClr val="000000"/>
+                </a:solidFill>
+                <a:latin typeface="Arial"/>
+              </a:rPr>
+              <a:t>ns </a:t>
             </a:r>
             <a:endParaRPr b="0" lang="en-US" sz="4400" spc="-1" strike="noStrike">
               <a:solidFill>
@@ -3064,128 +4113,52 @@
           </a:p>
         </p:txBody>
       </p:sp>
-      <p:sp>
-        <p:nvSpPr>
-          <p:cNvPr id="52" name="PlaceHolder 2"/>
-          <p:cNvSpPr>
-            <a:spLocks noGrp="1"/>
-          </p:cNvSpPr>
-          <p:nvPr>
-            <p:ph/>
-          </p:nvPr>
-        </p:nvSpPr>
+      <p:pic>
+        <p:nvPicPr>
+          <p:cNvPr id="50" name="" descr=""/>
+          <p:cNvPicPr/>
+          <p:nvPr/>
+        </p:nvPicPr>
+        <p:blipFill>
+          <a:blip r:embed="rId1"/>
+          <a:stretch/>
+        </p:blipFill>
         <p:spPr>
           <a:xfrm>
-            <a:off x="504000" y="1326600"/>
-            <a:ext cx="9070920" cy="3287520"/>
+            <a:off x="685800" y="1640160"/>
+            <a:ext cx="6171120" cy="3845160"/>
           </a:xfrm>
           <a:prstGeom prst="rect">
             <a:avLst/>
           </a:prstGeom>
-          <a:noFill/>
           <a:ln w="0">
             <a:noFill/>
           </a:ln>
         </p:spPr>
-        <p:txBody>
-          <a:bodyPr lIns="0" rIns="0" tIns="0" bIns="0" anchor="t">
-            <a:normAutofit/>
-          </a:bodyPr>
-          <a:p>
-            <a:pPr marL="432000" indent="-324000">
-              <a:lnSpc>
-                <a:spcPct val="100000"/>
-              </a:lnSpc>
-              <a:spcBef>
-                <a:spcPts val="1417"/>
-              </a:spcBef>
-              <a:buClr>
-                <a:srgbClr val="000000"/>
-              </a:buClr>
-              <a:buSzPct val="45000"/>
-              <a:buFont typeface="Wingdings" charset="2"/>
-              <a:buChar char=""/>
-            </a:pPr>
-            <a:r>
-              <a:rPr b="0" lang="en-US" sz="3200" spc="-1" strike="noStrike">
-                <a:solidFill>
-                  <a:srgbClr val="000000"/>
-                </a:solidFill>
-                <a:latin typeface="Arial"/>
-              </a:rPr>
-              <a:t>Address a gap in bioinformatics tools</a:t>
-            </a:r>
-            <a:endParaRPr b="0" lang="en-US" sz="3200" spc="-1" strike="noStrike">
-              <a:solidFill>
-                <a:srgbClr val="000000"/>
-              </a:solidFill>
-              <a:latin typeface="Arial"/>
-            </a:endParaRPr>
-          </a:p>
-          <a:p>
-            <a:pPr marL="432000" indent="-324000">
-              <a:lnSpc>
-                <a:spcPct val="100000"/>
-              </a:lnSpc>
-              <a:spcBef>
-                <a:spcPts val="1417"/>
-              </a:spcBef>
-              <a:buClr>
-                <a:srgbClr val="000000"/>
-              </a:buClr>
-              <a:buSzPct val="45000"/>
-              <a:buFont typeface="Wingdings" charset="2"/>
-              <a:buChar char=""/>
-            </a:pPr>
-            <a:r>
-              <a:rPr b="0" lang="en-US" sz="3200" spc="-1" strike="noStrike">
-                <a:solidFill>
-                  <a:srgbClr val="000000"/>
-                </a:solidFill>
-                <a:latin typeface="Arial"/>
-              </a:rPr>
-              <a:t>Using Python ensures it is user-friendly</a:t>
-            </a:r>
-            <a:endParaRPr b="0" lang="en-US" sz="3200" spc="-1" strike="noStrike">
-              <a:solidFill>
-                <a:srgbClr val="000000"/>
-              </a:solidFill>
-              <a:latin typeface="Arial"/>
-            </a:endParaRPr>
-          </a:p>
-          <a:p>
-            <a:pPr marL="432000" indent="-324000">
-              <a:lnSpc>
-                <a:spcPct val="100000"/>
-              </a:lnSpc>
-              <a:spcBef>
-                <a:spcPts val="1417"/>
-              </a:spcBef>
-              <a:buClr>
-                <a:srgbClr val="000000"/>
-              </a:buClr>
-              <a:buSzPct val="45000"/>
-              <a:buFont typeface="Wingdings" charset="2"/>
-              <a:buChar char=""/>
-            </a:pPr>
-            <a:r>
-              <a:rPr b="0" lang="en-US" sz="3200" spc="-1" strike="noStrike">
-                <a:solidFill>
-                  <a:srgbClr val="000000"/>
-                </a:solidFill>
-                <a:latin typeface="Arial"/>
-              </a:rPr>
-              <a:t>Contributes to advancements in genetic research and biotechnology</a:t>
-            </a:r>
-            <a:endParaRPr b="0" lang="en-US" sz="3200" spc="-1" strike="noStrike">
-              <a:solidFill>
-                <a:srgbClr val="000000"/>
-              </a:solidFill>
-              <a:latin typeface="Arial"/>
-            </a:endParaRPr>
-          </a:p>
-        </p:txBody>
-      </p:sp>
+      </p:pic>
+      <p:pic>
+        <p:nvPicPr>
+          <p:cNvPr id="51" name="" descr=""/>
+          <p:cNvPicPr/>
+          <p:nvPr/>
+        </p:nvPicPr>
+        <p:blipFill>
+          <a:blip r:embed="rId2"/>
+          <a:stretch/>
+        </p:blipFill>
+        <p:spPr>
+          <a:xfrm>
+            <a:off x="849240" y="1595160"/>
+            <a:ext cx="6007680" cy="3891240"/>
+          </a:xfrm>
+          <a:prstGeom prst="rect">
+            <a:avLst/>
+          </a:prstGeom>
+          <a:ln w="0">
+            <a:noFill/>
+          </a:ln>
+        </p:spPr>
+      </p:pic>
     </p:spTree>
   </p:cSld>
   <mc:AlternateContent>
@@ -3196,6 +4169,81 @@
       <p:transition spd="slow"/>
     </mc:Fallback>
   </mc:AlternateContent>
+  <p:timing>
+    <p:tnLst>
+      <p:par>
+        <p:cTn id="7" dur="indefinite" restart="never" nodeType="tmRoot">
+          <p:childTnLst>
+            <p:seq>
+              <p:cTn id="8" dur="indefinite" nodeType="mainSeq">
+                <p:childTnLst>
+                  <p:par>
+                    <p:cTn id="9" fill="hold">
+                      <p:stCondLst>
+                        <p:cond delay="indefinite"/>
+                      </p:stCondLst>
+                      <p:childTnLst>
+                        <p:par>
+                          <p:cTn id="10" fill="hold">
+                            <p:stCondLst>
+                              <p:cond delay="0"/>
+                            </p:stCondLst>
+                            <p:childTnLst>
+                              <p:par>
+                                <p:cTn id="11" nodeType="clickEffect" fill="hold" presetClass="entr" presetID="1">
+                                  <p:stCondLst>
+                                    <p:cond delay="0"/>
+                                  </p:stCondLst>
+                                  <p:childTnLst>
+                                    <p:set>
+                                      <p:cBhvr>
+                                        <p:cTn id="12" dur="1" fill="hold">
+                                          <p:stCondLst>
+                                            <p:cond delay="0"/>
+                                          </p:stCondLst>
+                                        </p:cTn>
+                                        <p:tgtEl>
+                                          <p:spTgt spid="51"/>
+                                        </p:tgtEl>
+                                        <p:attrNameLst>
+                                          <p:attrName>style.visibility</p:attrName>
+                                        </p:attrNameLst>
+                                      </p:cBhvr>
+                                      <p:to>
+                                        <p:strVal val="visible"/>
+                                      </p:to>
+                                    </p:set>
+                                  </p:childTnLst>
+                                </p:cTn>
+                              </p:par>
+                            </p:childTnLst>
+                          </p:cTn>
+                        </p:par>
+                      </p:childTnLst>
+                    </p:cTn>
+                  </p:par>
+                </p:childTnLst>
+              </p:cTn>
+              <p:prevCondLst>
+                <p:cond evt="onPrev">
+                  <p:tgtEl>
+                    <p:sldTgt/>
+                  </p:tgtEl>
+                </p:cond>
+              </p:prevCondLst>
+              <p:nextCondLst>
+                <p:cond evt="onNext">
+                  <p:tgtEl>
+                    <p:sldTgt/>
+                  </p:tgtEl>
+                </p:cond>
+              </p:nextCondLst>
+            </p:seq>
+          </p:childTnLst>
+        </p:cTn>
+      </p:par>
+    </p:tnLst>
+  </p:timing>
 </p:sld>
 </file>
 
@@ -3218,7 +4266,7 @@
       </p:grpSpPr>
       <p:sp>
         <p:nvSpPr>
-          <p:cNvPr id="53" name="PlaceHolder 1"/>
+          <p:cNvPr id="52" name="PlaceHolder 1"/>
           <p:cNvSpPr>
             <a:spLocks noGrp="1"/>
           </p:cNvSpPr>
@@ -3229,7 +4277,7 @@
         <p:spPr>
           <a:xfrm>
             <a:off x="504000" y="226080"/>
-            <a:ext cx="9070920" cy="945720"/>
+            <a:ext cx="9070560" cy="945360"/>
           </a:xfrm>
           <a:prstGeom prst="rect">
             <a:avLst/>
@@ -3245,13 +4293,7 @@
           </a:bodyPr>
           <a:p>
             <a:pPr indent="0" algn="ctr">
-              <a:lnSpc>
-                <a:spcPct val="100000"/>
-              </a:lnSpc>
               <a:buNone/>
-              <a:tabLst>
-                <a:tab algn="l" pos="0"/>
-              </a:tabLst>
             </a:pPr>
             <a:r>
               <a:rPr b="0" lang="en-US" sz="4400" spc="-1" strike="noStrike">
@@ -3260,7 +4302,61 @@
                 </a:solidFill>
                 <a:latin typeface="Arial"/>
               </a:rPr>
-              <a:t>References</a:t>
+              <a:t>Mor</a:t>
+            </a:r>
+            <a:r>
+              <a:rPr b="0" lang="en-US" sz="4400" spc="-1" strike="noStrike">
+                <a:solidFill>
+                  <a:srgbClr val="000000"/>
+                </a:solidFill>
+                <a:latin typeface="Arial"/>
+              </a:rPr>
+              <a:t>e </a:t>
+            </a:r>
+            <a:r>
+              <a:rPr b="0" lang="en-US" sz="4400" spc="-1" strike="noStrike">
+                <a:solidFill>
+                  <a:srgbClr val="000000"/>
+                </a:solidFill>
+                <a:latin typeface="Arial"/>
+              </a:rPr>
+              <a:t>Deta</a:t>
+            </a:r>
+            <a:r>
+              <a:rPr b="0" lang="en-US" sz="4400" spc="-1" strike="noStrike">
+                <a:solidFill>
+                  <a:srgbClr val="000000"/>
+                </a:solidFill>
+                <a:latin typeface="Arial"/>
+              </a:rPr>
+              <a:t>iled </a:t>
+            </a:r>
+            <a:r>
+              <a:rPr b="0" lang="en-US" sz="4400" spc="-1" strike="noStrike">
+                <a:solidFill>
+                  <a:srgbClr val="000000"/>
+                </a:solidFill>
+                <a:latin typeface="Arial"/>
+              </a:rPr>
+              <a:t>Visu</a:t>
+            </a:r>
+            <a:r>
+              <a:rPr b="0" lang="en-US" sz="4400" spc="-1" strike="noStrike">
+                <a:solidFill>
+                  <a:srgbClr val="000000"/>
+                </a:solidFill>
+                <a:latin typeface="Arial"/>
+              </a:rPr>
+              <a:t>aliza</a:t>
+            </a:r>
+            <a:r>
+              <a:rPr b="0" lang="en-US" sz="4400" spc="-1" strike="noStrike">
+                <a:solidFill>
+                  <a:srgbClr val="000000"/>
+                </a:solidFill>
+                <a:latin typeface="Arial"/>
+              </a:rPr>
+              <a:t>tion</a:t>
             </a:r>
             <a:endParaRPr b="0" lang="en-US" sz="4400" spc="-1" strike="noStrike">
               <a:solidFill>
@@ -3273,7 +4369,7 @@
       </p:sp>
       <p:sp>
         <p:nvSpPr>
-          <p:cNvPr id="54" name="PlaceHolder 2"/>
+          <p:cNvPr id="53" name="PlaceHolder 2"/>
           <p:cNvSpPr>
             <a:spLocks noGrp="1"/>
           </p:cNvSpPr>
@@ -3284,7 +4380,7 @@
         <p:spPr>
           <a:xfrm>
             <a:off x="504000" y="1326600"/>
-            <a:ext cx="9070920" cy="3287520"/>
+            <a:ext cx="9070560" cy="3287160"/>
           </a:xfrm>
           <a:prstGeom prst="rect">
             <a:avLst/>
@@ -3299,265 +4395,13 @@
             <a:normAutofit/>
           </a:bodyPr>
           <a:p>
-            <a:pPr marL="432000" indent="-324000">
-              <a:lnSpc>
-                <a:spcPct val="100000"/>
-              </a:lnSpc>
+            <a:pPr indent="0">
               <a:spcBef>
                 <a:spcPts val="1417"/>
               </a:spcBef>
-              <a:buClr>
-                <a:srgbClr val="000000"/>
-              </a:buClr>
-              <a:buSzPct val="45000"/>
-              <a:buFont typeface="Wingdings" charset="2"/>
-              <a:buChar char=""/>
-            </a:pPr>
-            <a:r>
-              <a:rPr b="0" lang="en-US" sz="900" spc="-1" strike="noStrike">
-                <a:solidFill>
-                  <a:srgbClr val="000000"/>
-                </a:solidFill>
-                <a:latin typeface="Arial"/>
-              </a:rPr>
-              <a:t>Biopython. (n.d.). Biopython logo. Retrieved from https://biopython.org/wiki/logo</a:t>
-            </a:r>
-            <a:endParaRPr b="0" lang="en-US" sz="900" spc="-1" strike="noStrike">
-              <a:solidFill>
-                <a:srgbClr val="000000"/>
-              </a:solidFill>
-              <a:latin typeface="Arial"/>
-            </a:endParaRPr>
-          </a:p>
-          <a:p>
-            <a:pPr marL="432000" indent="-324000">
-              <a:lnSpc>
-                <a:spcPct val="100000"/>
-              </a:lnSpc>
-              <a:spcBef>
-                <a:spcPts val="1417"/>
-              </a:spcBef>
-              <a:buClr>
-                <a:srgbClr val="000000"/>
-              </a:buClr>
-              <a:buSzPct val="45000"/>
-              <a:buFont typeface="Wingdings" charset="2"/>
-              <a:buChar char=""/>
-            </a:pPr>
-            <a:r>
-              <a:rPr b="0" lang="en-US" sz="900" spc="-1" strike="noStrike">
-                <a:solidFill>
-                  <a:srgbClr val="000000"/>
-                </a:solidFill>
-                <a:latin typeface="Arial"/>
-              </a:rPr>
-              <a:t>Jia, B., Zhang, X., Jiang, Q., Wang, Z., Zhang, Y., Hu, Y., &amp; Wang, Y. (2022). CrisprVi: a software for visulaizing and analyzing CRISPR sequences of prokaryotes. </a:t>
-            </a:r>
-            <a:r>
-              <a:rPr b="0" i="1" lang="en-US" sz="900" spc="-1" strike="noStrike">
-                <a:solidFill>
-                  <a:srgbClr val="000000"/>
-                </a:solidFill>
-                <a:latin typeface="Arial"/>
-              </a:rPr>
-              <a:t>BMC Bioinformatics</a:t>
-            </a:r>
-            <a:r>
-              <a:rPr b="0" lang="en-US" sz="900" spc="-1" strike="noStrike">
-                <a:solidFill>
-                  <a:srgbClr val="000000"/>
-                </a:solidFill>
-                <a:latin typeface="Arial"/>
-              </a:rPr>
-              <a:t>, 23(1), 257. https://doi.org/10.1186/s12859-022-04716-9</a:t>
-            </a:r>
-            <a:endParaRPr b="0" lang="en-US" sz="900" spc="-1" strike="noStrike">
-              <a:solidFill>
-                <a:srgbClr val="000000"/>
-              </a:solidFill>
-              <a:latin typeface="Arial"/>
-            </a:endParaRPr>
-          </a:p>
-          <a:p>
-            <a:pPr marL="432000" indent="-324000">
-              <a:lnSpc>
-                <a:spcPct val="100000"/>
-              </a:lnSpc>
-              <a:spcBef>
-                <a:spcPts val="1417"/>
-              </a:spcBef>
-              <a:buClr>
-                <a:srgbClr val="000000"/>
-              </a:buClr>
-              <a:buSzPct val="45000"/>
-              <a:buFont typeface="Wingdings" charset="2"/>
-              <a:buChar char=""/>
-            </a:pPr>
-            <a:r>
-              <a:rPr b="0" lang="en-US" sz="900" spc="-1" strike="noStrike">
-                <a:solidFill>
-                  <a:srgbClr val="000000"/>
-                </a:solidFill>
-                <a:latin typeface="Arial"/>
-              </a:rPr>
-              <a:t>Matplotlib developers. (n.d.). Matplotlib logo. Retrieved from https://matplotlib.org/stable/gallery/misc/logos2.html</a:t>
-            </a:r>
-            <a:endParaRPr b="0" lang="en-US" sz="900" spc="-1" strike="noStrike">
-              <a:solidFill>
-                <a:srgbClr val="000000"/>
-              </a:solidFill>
-              <a:latin typeface="Arial"/>
-            </a:endParaRPr>
-          </a:p>
-          <a:p>
-            <a:pPr marL="432000" indent="-324000">
-              <a:lnSpc>
-                <a:spcPct val="100000"/>
-              </a:lnSpc>
-              <a:spcBef>
-                <a:spcPts val="1417"/>
-              </a:spcBef>
-              <a:buClr>
-                <a:srgbClr val="000000"/>
-              </a:buClr>
-              <a:buSzPct val="45000"/>
-              <a:buFont typeface="Wingdings" charset="2"/>
-              <a:buChar char=""/>
-            </a:pPr>
-            <a:r>
-              <a:rPr b="0" lang="en-US" sz="900" spc="-1" strike="noStrike">
-                <a:solidFill>
-                  <a:srgbClr val="000000"/>
-                </a:solidFill>
-                <a:latin typeface="Arial"/>
-              </a:rPr>
-              <a:t>NumPy developers. (n.d.). NumPy logo. Retrieved from https://github/com/numpy/numpy/tree/main/branding/logo</a:t>
-            </a:r>
-            <a:endParaRPr b="0" lang="en-US" sz="900" spc="-1" strike="noStrike">
-              <a:solidFill>
-                <a:srgbClr val="000000"/>
-              </a:solidFill>
-              <a:latin typeface="Arial"/>
-            </a:endParaRPr>
-          </a:p>
-          <a:p>
-            <a:pPr marL="432000" indent="-324000">
-              <a:lnSpc>
-                <a:spcPct val="100000"/>
-              </a:lnSpc>
-              <a:spcBef>
-                <a:spcPts val="1417"/>
-              </a:spcBef>
-              <a:buClr>
-                <a:srgbClr val="000000"/>
-              </a:buClr>
-              <a:buSzPct val="45000"/>
-              <a:buFont typeface="Wingdings" charset="2"/>
-              <a:buChar char=""/>
-            </a:pPr>
-            <a:r>
-              <a:rPr b="0" lang="en-US" sz="900" spc="-1" strike="noStrike">
-                <a:solidFill>
-                  <a:srgbClr val="000000"/>
-                </a:solidFill>
-                <a:latin typeface="Arial"/>
-              </a:rPr>
-              <a:t>pandas development team. (n.d.). Pandas logo. Retrieved from https://pandas.pydata.org/about/citing.html</a:t>
-            </a:r>
-            <a:endParaRPr b="0" lang="en-US" sz="900" spc="-1" strike="noStrike">
-              <a:solidFill>
-                <a:srgbClr val="000000"/>
-              </a:solidFill>
-              <a:latin typeface="Arial"/>
-            </a:endParaRPr>
-          </a:p>
-          <a:p>
-            <a:pPr marL="432000" indent="-324000">
-              <a:lnSpc>
-                <a:spcPct val="100000"/>
-              </a:lnSpc>
-              <a:spcBef>
-                <a:spcPts val="1417"/>
-              </a:spcBef>
-              <a:buClr>
-                <a:srgbClr val="000000"/>
-              </a:buClr>
-              <a:buSzPct val="45000"/>
-              <a:buFont typeface="Wingdings" charset="2"/>
-              <a:buChar char=""/>
-            </a:pPr>
-            <a:r>
-              <a:rPr b="0" lang="en-US" sz="900" spc="-1" strike="noStrike">
-                <a:solidFill>
-                  <a:srgbClr val="000000"/>
-                </a:solidFill>
-                <a:latin typeface="Arial"/>
-              </a:rPr>
-              <a:t>Python Software Foundation. (n.d.). Python logo. Retrieved from https://www.python.org/community/logos/</a:t>
-            </a:r>
-            <a:endParaRPr b="0" lang="en-US" sz="900" spc="-1" strike="noStrike">
-              <a:solidFill>
-                <a:srgbClr val="000000"/>
-              </a:solidFill>
-              <a:latin typeface="Arial"/>
-            </a:endParaRPr>
-          </a:p>
-          <a:p>
-            <a:pPr marL="432000" indent="-324000">
-              <a:lnSpc>
-                <a:spcPct val="100000"/>
-              </a:lnSpc>
-              <a:spcBef>
-                <a:spcPts val="1417"/>
-              </a:spcBef>
-              <a:buClr>
-                <a:srgbClr val="000000"/>
-              </a:buClr>
-              <a:buSzPct val="45000"/>
-              <a:buFont typeface="Wingdings" charset="2"/>
-              <a:buChar char=""/>
-            </a:pPr>
-            <a:r>
-              <a:rPr b="0" lang="en-US" sz="900" spc="-1" strike="noStrike">
-                <a:solidFill>
-                  <a:srgbClr val="000000"/>
-                </a:solidFill>
-                <a:latin typeface="Arial"/>
-              </a:rPr>
-              <a:t>Seaborn developers. (n.d.). Seaborn logo. Retrieved from https://seaborn.pydata.org/citing.html</a:t>
-            </a:r>
-            <a:endParaRPr b="0" lang="en-US" sz="900" spc="-1" strike="noStrike">
-              <a:solidFill>
-                <a:srgbClr val="000000"/>
-              </a:solidFill>
-              <a:latin typeface="Arial"/>
-            </a:endParaRPr>
-          </a:p>
-          <a:p>
-            <a:pPr marL="432000" indent="-324000">
-              <a:lnSpc>
-                <a:spcPct val="100000"/>
-              </a:lnSpc>
-              <a:spcBef>
-                <a:spcPts val="1417"/>
-              </a:spcBef>
-              <a:buClr>
-                <a:srgbClr val="000000"/>
-              </a:buClr>
-              <a:buSzPct val="45000"/>
-              <a:buFont typeface="Wingdings" charset="2"/>
-              <a:buChar char=""/>
-            </a:pPr>
-            <a:r>
-              <a:rPr b="0" lang="en-US" sz="900" spc="-1" strike="noStrike">
-                <a:solidFill>
-                  <a:srgbClr val="000000"/>
-                </a:solidFill>
-                <a:latin typeface="Arial"/>
-              </a:rPr>
-              <a:t>Splettstoesser, T. (n.d.). Cas9 protein structure [Image]. Wikimedia Commons. Retrieved from https://en.wikipedia.org/wiki/Cas9#/media/File:Cas9_5AXW.png</a:t>
-            </a:r>
-            <a:endParaRPr b="0" lang="en-US" sz="900" spc="-1" strike="noStrike">
+              <a:buNone/>
+            </a:pPr>
+            <a:endParaRPr b="0" lang="en-US" sz="3200" spc="-1" strike="noStrike">
               <a:solidFill>
                 <a:srgbClr val="000000"/>
               </a:solidFill>
@@ -3566,6 +4410,29 @@
           </a:p>
         </p:txBody>
       </p:sp>
+      <p:pic>
+        <p:nvPicPr>
+          <p:cNvPr id="54" name="" descr=""/>
+          <p:cNvPicPr/>
+          <p:nvPr/>
+        </p:nvPicPr>
+        <p:blipFill>
+          <a:blip r:embed="rId1"/>
+          <a:stretch/>
+        </p:blipFill>
+        <p:spPr>
+          <a:xfrm>
+            <a:off x="0" y="1600200"/>
+            <a:ext cx="10080360" cy="3840480"/>
+          </a:xfrm>
+          <a:prstGeom prst="rect">
+            <a:avLst/>
+          </a:prstGeom>
+          <a:ln w="0">
+            <a:noFill/>
+          </a:ln>
+        </p:spPr>
+      </p:pic>
     </p:spTree>
   </p:cSld>
   <mc:AlternateContent>
@@ -3609,7 +4476,7 @@
         <p:spPr>
           <a:xfrm>
             <a:off x="504000" y="226080"/>
-            <a:ext cx="9070920" cy="945720"/>
+            <a:ext cx="9070560" cy="945360"/>
           </a:xfrm>
           <a:prstGeom prst="rect">
             <a:avLst/>
@@ -3640,7 +4507,1988 @@
                 </a:solidFill>
                 <a:latin typeface="Arial"/>
               </a:rPr>
-              <a:t>Questions?</a:t>
+              <a:t>My Thoughts</a:t>
+            </a:r>
+            <a:endParaRPr b="0" lang="en-US" sz="4400" spc="-1" strike="noStrike">
+              <a:solidFill>
+                <a:srgbClr val="000000"/>
+              </a:solidFill>
+              <a:latin typeface="Arial"/>
+            </a:endParaRPr>
+          </a:p>
+        </p:txBody>
+      </p:sp>
+      <p:graphicFrame>
+        <p:nvGraphicFramePr>
+          <p:cNvPr id="56" name=""/>
+          <p:cNvGraphicFramePr/>
+          <p:nvPr/>
+        </p:nvGraphicFramePr>
+        <p:xfrm>
+          <a:off x="228600" y="1390320"/>
+          <a:ext cx="9601200" cy="5437800"/>
+        </p:xfrm>
+        <a:graphic>
+          <a:graphicData uri="http://schemas.openxmlformats.org/drawingml/2006/table">
+            <a:tbl>
+              <a:tblPr/>
+              <a:tblGrid>
+                <a:gridCol w="2399400"/>
+                <a:gridCol w="2399400"/>
+                <a:gridCol w="2399400"/>
+                <a:gridCol w="2403000"/>
+              </a:tblGrid>
+              <a:tr h="364680">
+                <a:tc>
+                  <a:txBody>
+                    <a:bodyPr lIns="36000" rIns="36000" tIns="36000" bIns="36000" anchor="t">
+                      <a:noAutofit/>
+                    </a:bodyPr>
+                    <a:p>
+                      <a:r>
+                        <a:rPr b="0" lang="en-US" sz="1400" spc="-1" strike="noStrike">
+                          <a:solidFill>
+                            <a:srgbClr val="000000"/>
+                          </a:solidFill>
+                          <a:latin typeface="Arial"/>
+                        </a:rPr>
+                        <a:t>Feature</a:t>
+                      </a:r>
+                      <a:endParaRPr b="0" lang="en-US" sz="1400" spc="-1" strike="noStrike">
+                        <a:solidFill>
+                          <a:srgbClr val="000000"/>
+                        </a:solidFill>
+                        <a:latin typeface="Arial"/>
+                      </a:endParaRPr>
+                    </a:p>
+                  </a:txBody>
+                  <a:tcPr anchor="t" marL="36000" marR="36000">
+                    <a:lnL w="7200">
+                      <a:solidFill>
+                        <a:srgbClr val="000000"/>
+                      </a:solidFill>
+                      <a:prstDash val="solid"/>
+                    </a:lnL>
+                    <a:lnR w="7200">
+                      <a:solidFill>
+                        <a:srgbClr val="000000"/>
+                      </a:solidFill>
+                      <a:prstDash val="solid"/>
+                    </a:lnR>
+                    <a:lnT w="7200">
+                      <a:solidFill>
+                        <a:srgbClr val="000000"/>
+                      </a:solidFill>
+                      <a:prstDash val="solid"/>
+                    </a:lnT>
+                    <a:lnB w="7200">
+                      <a:solidFill>
+                        <a:srgbClr val="000000"/>
+                      </a:solidFill>
+                      <a:prstDash val="solid"/>
+                    </a:lnB>
+                    <a:noFill/>
+                  </a:tcPr>
+                </a:tc>
+                <a:tc>
+                  <a:txBody>
+                    <a:bodyPr lIns="36000" rIns="36000" tIns="36000" bIns="36000" anchor="t">
+                      <a:noAutofit/>
+                    </a:bodyPr>
+                    <a:p>
+                      <a:r>
+                        <a:rPr b="0" lang="en-US" sz="1400" spc="-1" strike="noStrike">
+                          <a:solidFill>
+                            <a:srgbClr val="000000"/>
+                          </a:solidFill>
+                          <a:latin typeface="Arial"/>
+                        </a:rPr>
+                        <a:t>CrisprVi</a:t>
+                      </a:r>
+                      <a:endParaRPr b="0" lang="en-US" sz="1400" spc="-1" strike="noStrike">
+                        <a:solidFill>
+                          <a:srgbClr val="000000"/>
+                        </a:solidFill>
+                        <a:latin typeface="Arial"/>
+                      </a:endParaRPr>
+                    </a:p>
+                  </a:txBody>
+                  <a:tcPr anchor="t" marL="36000" marR="36000">
+                    <a:lnL w="7200">
+                      <a:solidFill>
+                        <a:srgbClr val="000000"/>
+                      </a:solidFill>
+                      <a:prstDash val="solid"/>
+                    </a:lnL>
+                    <a:lnR w="7200">
+                      <a:solidFill>
+                        <a:srgbClr val="000000"/>
+                      </a:solidFill>
+                      <a:prstDash val="solid"/>
+                    </a:lnR>
+                    <a:lnT w="7200">
+                      <a:solidFill>
+                        <a:srgbClr val="000000"/>
+                      </a:solidFill>
+                      <a:prstDash val="solid"/>
+                    </a:lnT>
+                    <a:lnB w="7200">
+                      <a:solidFill>
+                        <a:srgbClr val="000000"/>
+                      </a:solidFill>
+                      <a:prstDash val="solid"/>
+                    </a:lnB>
+                    <a:noFill/>
+                  </a:tcPr>
+                </a:tc>
+                <a:tc>
+                  <a:txBody>
+                    <a:bodyPr lIns="36000" rIns="36000" tIns="36000" bIns="36000" anchor="t">
+                      <a:noAutofit/>
+                    </a:bodyPr>
+                    <a:p>
+                      <a:r>
+                        <a:rPr b="0" lang="en-US" sz="1400" spc="-1" strike="noStrike">
+                          <a:solidFill>
+                            <a:srgbClr val="000000"/>
+                          </a:solidFill>
+                          <a:latin typeface="Arial"/>
+                        </a:rPr>
+                        <a:t>CRISPRviz</a:t>
+                      </a:r>
+                      <a:endParaRPr b="0" lang="en-US" sz="1400" spc="-1" strike="noStrike">
+                        <a:solidFill>
+                          <a:srgbClr val="000000"/>
+                        </a:solidFill>
+                        <a:latin typeface="Arial"/>
+                      </a:endParaRPr>
+                    </a:p>
+                  </a:txBody>
+                  <a:tcPr anchor="t" marL="36000" marR="36000">
+                    <a:lnL w="7200">
+                      <a:solidFill>
+                        <a:srgbClr val="000000"/>
+                      </a:solidFill>
+                      <a:prstDash val="solid"/>
+                    </a:lnL>
+                    <a:lnR w="7200">
+                      <a:solidFill>
+                        <a:srgbClr val="000000"/>
+                      </a:solidFill>
+                      <a:prstDash val="solid"/>
+                    </a:lnR>
+                    <a:lnT w="7200">
+                      <a:solidFill>
+                        <a:srgbClr val="000000"/>
+                      </a:solidFill>
+                      <a:prstDash val="solid"/>
+                    </a:lnT>
+                    <a:lnB w="7200">
+                      <a:solidFill>
+                        <a:srgbClr val="000000"/>
+                      </a:solidFill>
+                      <a:prstDash val="solid"/>
+                    </a:lnB>
+                    <a:noFill/>
+                  </a:tcPr>
+                </a:tc>
+                <a:tc>
+                  <a:txBody>
+                    <a:bodyPr lIns="36000" rIns="36000" tIns="36000" bIns="36000" anchor="t">
+                      <a:noAutofit/>
+                    </a:bodyPr>
+                    <a:p>
+                      <a:r>
+                        <a:rPr b="0" lang="en-US" sz="1400" spc="-1" strike="noStrike">
+                          <a:solidFill>
+                            <a:srgbClr val="000000"/>
+                          </a:solidFill>
+                          <a:latin typeface="Arial"/>
+                        </a:rPr>
+                        <a:t>CRISPRStudio</a:t>
+                      </a:r>
+                      <a:endParaRPr b="0" lang="en-US" sz="1400" spc="-1" strike="noStrike">
+                        <a:solidFill>
+                          <a:srgbClr val="000000"/>
+                        </a:solidFill>
+                        <a:latin typeface="Arial"/>
+                      </a:endParaRPr>
+                    </a:p>
+                  </a:txBody>
+                  <a:tcPr anchor="t" marL="36000" marR="36000">
+                    <a:lnL w="7200">
+                      <a:solidFill>
+                        <a:srgbClr val="000000"/>
+                      </a:solidFill>
+                      <a:prstDash val="solid"/>
+                    </a:lnL>
+                    <a:lnR w="7200">
+                      <a:solidFill>
+                        <a:srgbClr val="000000"/>
+                      </a:solidFill>
+                      <a:prstDash val="solid"/>
+                    </a:lnR>
+                    <a:lnT w="7200">
+                      <a:solidFill>
+                        <a:srgbClr val="000000"/>
+                      </a:solidFill>
+                      <a:prstDash val="solid"/>
+                    </a:lnT>
+                    <a:lnB w="7200">
+                      <a:solidFill>
+                        <a:srgbClr val="000000"/>
+                      </a:solidFill>
+                      <a:prstDash val="solid"/>
+                    </a:lnB>
+                    <a:noFill/>
+                  </a:tcPr>
+                </a:tc>
+              </a:tr>
+              <a:tr h="364680">
+                <a:tc>
+                  <a:txBody>
+                    <a:bodyPr lIns="36000" rIns="36000" tIns="36000" bIns="36000" anchor="t">
+                      <a:noAutofit/>
+                    </a:bodyPr>
+                    <a:p>
+                      <a:r>
+                        <a:rPr b="0" lang="en-US" sz="1400" spc="-1" strike="noStrike">
+                          <a:solidFill>
+                            <a:srgbClr val="000000"/>
+                          </a:solidFill>
+                          <a:latin typeface="Arial"/>
+                        </a:rPr>
+                        <a:t>Visualization of DRs and Spacers</a:t>
+                      </a:r>
+                      <a:endParaRPr b="0" lang="en-US" sz="1400" spc="-1" strike="noStrike">
+                        <a:solidFill>
+                          <a:srgbClr val="000000"/>
+                        </a:solidFill>
+                        <a:latin typeface="Arial"/>
+                      </a:endParaRPr>
+                    </a:p>
+                  </a:txBody>
+                  <a:tcPr anchor="t" marL="36000" marR="36000">
+                    <a:lnL w="7200">
+                      <a:solidFill>
+                        <a:srgbClr val="000000"/>
+                      </a:solidFill>
+                      <a:prstDash val="solid"/>
+                    </a:lnL>
+                    <a:lnR w="7200">
+                      <a:solidFill>
+                        <a:srgbClr val="000000"/>
+                      </a:solidFill>
+                      <a:prstDash val="solid"/>
+                    </a:lnR>
+                    <a:lnT w="7200">
+                      <a:solidFill>
+                        <a:srgbClr val="000000"/>
+                      </a:solidFill>
+                      <a:prstDash val="solid"/>
+                    </a:lnT>
+                    <a:lnB w="7200">
+                      <a:solidFill>
+                        <a:srgbClr val="000000"/>
+                      </a:solidFill>
+                      <a:prstDash val="solid"/>
+                    </a:lnB>
+                    <a:noFill/>
+                  </a:tcPr>
+                </a:tc>
+                <a:tc>
+                  <a:txBody>
+                    <a:bodyPr lIns="36000" rIns="36000" tIns="36000" bIns="36000" anchor="t">
+                      <a:noAutofit/>
+                    </a:bodyPr>
+                    <a:p>
+                      <a:r>
+                        <a:rPr b="0" lang="en-US" sz="1400" spc="-1" strike="noStrike">
+                          <a:solidFill>
+                            <a:srgbClr val="000000"/>
+                          </a:solidFill>
+                          <a:latin typeface="Arial"/>
+                        </a:rPr>
+                        <a:t>Yes</a:t>
+                      </a:r>
+                      <a:endParaRPr b="0" lang="en-US" sz="1400" spc="-1" strike="noStrike">
+                        <a:solidFill>
+                          <a:srgbClr val="000000"/>
+                        </a:solidFill>
+                        <a:latin typeface="Arial"/>
+                      </a:endParaRPr>
+                    </a:p>
+                  </a:txBody>
+                  <a:tcPr anchor="t" marL="36000" marR="36000">
+                    <a:lnL w="7200">
+                      <a:solidFill>
+                        <a:srgbClr val="000000"/>
+                      </a:solidFill>
+                      <a:prstDash val="solid"/>
+                    </a:lnL>
+                    <a:lnR w="7200">
+                      <a:solidFill>
+                        <a:srgbClr val="000000"/>
+                      </a:solidFill>
+                      <a:prstDash val="solid"/>
+                    </a:lnR>
+                    <a:lnT w="7200">
+                      <a:solidFill>
+                        <a:srgbClr val="000000"/>
+                      </a:solidFill>
+                      <a:prstDash val="solid"/>
+                    </a:lnT>
+                    <a:lnB w="7200">
+                      <a:solidFill>
+                        <a:srgbClr val="000000"/>
+                      </a:solidFill>
+                      <a:prstDash val="solid"/>
+                    </a:lnB>
+                    <a:noFill/>
+                  </a:tcPr>
+                </a:tc>
+                <a:tc>
+                  <a:txBody>
+                    <a:bodyPr lIns="36000" rIns="36000" tIns="36000" bIns="36000" anchor="t">
+                      <a:noAutofit/>
+                    </a:bodyPr>
+                    <a:p>
+                      <a:r>
+                        <a:rPr b="0" lang="en-US" sz="1400" spc="-1" strike="noStrike">
+                          <a:solidFill>
+                            <a:srgbClr val="000000"/>
+                          </a:solidFill>
+                          <a:latin typeface="Arial"/>
+                        </a:rPr>
+                        <a:t>Yes</a:t>
+                      </a:r>
+                      <a:endParaRPr b="0" lang="en-US" sz="1400" spc="-1" strike="noStrike">
+                        <a:solidFill>
+                          <a:srgbClr val="000000"/>
+                        </a:solidFill>
+                        <a:latin typeface="Arial"/>
+                      </a:endParaRPr>
+                    </a:p>
+                  </a:txBody>
+                  <a:tcPr anchor="t" marL="36000" marR="36000">
+                    <a:lnL w="7200">
+                      <a:solidFill>
+                        <a:srgbClr val="000000"/>
+                      </a:solidFill>
+                      <a:prstDash val="solid"/>
+                    </a:lnL>
+                    <a:lnR w="7200">
+                      <a:solidFill>
+                        <a:srgbClr val="000000"/>
+                      </a:solidFill>
+                      <a:prstDash val="solid"/>
+                    </a:lnR>
+                    <a:lnT w="7200">
+                      <a:solidFill>
+                        <a:srgbClr val="000000"/>
+                      </a:solidFill>
+                      <a:prstDash val="solid"/>
+                    </a:lnT>
+                    <a:lnB w="7200">
+                      <a:solidFill>
+                        <a:srgbClr val="000000"/>
+                      </a:solidFill>
+                      <a:prstDash val="solid"/>
+                    </a:lnB>
+                    <a:noFill/>
+                  </a:tcPr>
+                </a:tc>
+                <a:tc>
+                  <a:txBody>
+                    <a:bodyPr lIns="36000" rIns="36000" tIns="36000" bIns="36000" anchor="t">
+                      <a:noAutofit/>
+                    </a:bodyPr>
+                    <a:p>
+                      <a:r>
+                        <a:rPr b="0" lang="en-US" sz="1400" spc="-1" strike="noStrike">
+                          <a:solidFill>
+                            <a:srgbClr val="000000"/>
+                          </a:solidFill>
+                          <a:latin typeface="Arial"/>
+                        </a:rPr>
+                        <a:t>No (Only Spacers)</a:t>
+                      </a:r>
+                      <a:endParaRPr b="0" lang="en-US" sz="1400" spc="-1" strike="noStrike">
+                        <a:solidFill>
+                          <a:srgbClr val="000000"/>
+                        </a:solidFill>
+                        <a:latin typeface="Arial"/>
+                      </a:endParaRPr>
+                    </a:p>
+                  </a:txBody>
+                  <a:tcPr anchor="t" marL="36000" marR="36000">
+                    <a:lnL w="7200">
+                      <a:solidFill>
+                        <a:srgbClr val="000000"/>
+                      </a:solidFill>
+                      <a:prstDash val="solid"/>
+                    </a:lnL>
+                    <a:lnR w="7200">
+                      <a:solidFill>
+                        <a:srgbClr val="000000"/>
+                      </a:solidFill>
+                      <a:prstDash val="solid"/>
+                    </a:lnR>
+                    <a:lnT w="7200">
+                      <a:solidFill>
+                        <a:srgbClr val="000000"/>
+                      </a:solidFill>
+                      <a:prstDash val="solid"/>
+                    </a:lnT>
+                    <a:lnB w="7200">
+                      <a:solidFill>
+                        <a:srgbClr val="000000"/>
+                      </a:solidFill>
+                      <a:prstDash val="solid"/>
+                    </a:lnB>
+                    <a:noFill/>
+                  </a:tcPr>
+                </a:tc>
+              </a:tr>
+              <a:tr h="364680">
+                <a:tc>
+                  <a:txBody>
+                    <a:bodyPr lIns="36000" rIns="36000" tIns="36000" bIns="36000" anchor="t">
+                      <a:noAutofit/>
+                    </a:bodyPr>
+                    <a:p>
+                      <a:r>
+                        <a:rPr b="0" lang="en-US" sz="1400" spc="-1" strike="noStrike">
+                          <a:solidFill>
+                            <a:srgbClr val="000000"/>
+                          </a:solidFill>
+                          <a:latin typeface="Arial"/>
+                        </a:rPr>
+                        <a:t>Customization</a:t>
+                      </a:r>
+                      <a:endParaRPr b="0" lang="en-US" sz="1400" spc="-1" strike="noStrike">
+                        <a:solidFill>
+                          <a:srgbClr val="000000"/>
+                        </a:solidFill>
+                        <a:latin typeface="Arial"/>
+                      </a:endParaRPr>
+                    </a:p>
+                  </a:txBody>
+                  <a:tcPr anchor="t" marL="36000" marR="36000">
+                    <a:lnL w="7200">
+                      <a:solidFill>
+                        <a:srgbClr val="000000"/>
+                      </a:solidFill>
+                      <a:prstDash val="solid"/>
+                    </a:lnL>
+                    <a:lnR w="7200">
+                      <a:solidFill>
+                        <a:srgbClr val="000000"/>
+                      </a:solidFill>
+                      <a:prstDash val="solid"/>
+                    </a:lnR>
+                    <a:lnT w="7200">
+                      <a:solidFill>
+                        <a:srgbClr val="000000"/>
+                      </a:solidFill>
+                      <a:prstDash val="solid"/>
+                    </a:lnT>
+                    <a:lnB w="7200">
+                      <a:solidFill>
+                        <a:srgbClr val="000000"/>
+                      </a:solidFill>
+                      <a:prstDash val="solid"/>
+                    </a:lnB>
+                    <a:noFill/>
+                  </a:tcPr>
+                </a:tc>
+                <a:tc>
+                  <a:txBody>
+                    <a:bodyPr lIns="36000" rIns="36000" tIns="36000" bIns="36000" anchor="t">
+                      <a:noAutofit/>
+                    </a:bodyPr>
+                    <a:p>
+                      <a:r>
+                        <a:rPr b="0" lang="en-US" sz="1400" spc="-1" strike="noStrike">
+                          <a:solidFill>
+                            <a:srgbClr val="000000"/>
+                          </a:solidFill>
+                          <a:latin typeface="Arial"/>
+                        </a:rPr>
+                        <a:t>Yes</a:t>
+                      </a:r>
+                      <a:endParaRPr b="0" lang="en-US" sz="1400" spc="-1" strike="noStrike">
+                        <a:solidFill>
+                          <a:srgbClr val="000000"/>
+                        </a:solidFill>
+                        <a:latin typeface="Arial"/>
+                      </a:endParaRPr>
+                    </a:p>
+                  </a:txBody>
+                  <a:tcPr anchor="t" marL="36000" marR="36000">
+                    <a:lnL w="7200">
+                      <a:solidFill>
+                        <a:srgbClr val="000000"/>
+                      </a:solidFill>
+                      <a:prstDash val="solid"/>
+                    </a:lnL>
+                    <a:lnR w="7200">
+                      <a:solidFill>
+                        <a:srgbClr val="000000"/>
+                      </a:solidFill>
+                      <a:prstDash val="solid"/>
+                    </a:lnR>
+                    <a:lnT w="7200">
+                      <a:solidFill>
+                        <a:srgbClr val="000000"/>
+                      </a:solidFill>
+                      <a:prstDash val="solid"/>
+                    </a:lnT>
+                    <a:lnB w="7200">
+                      <a:solidFill>
+                        <a:srgbClr val="000000"/>
+                      </a:solidFill>
+                      <a:prstDash val="solid"/>
+                    </a:lnB>
+                    <a:noFill/>
+                  </a:tcPr>
+                </a:tc>
+                <a:tc>
+                  <a:txBody>
+                    <a:bodyPr lIns="36000" rIns="36000" tIns="36000" bIns="36000" anchor="t">
+                      <a:noAutofit/>
+                    </a:bodyPr>
+                    <a:p>
+                      <a:r>
+                        <a:rPr b="0" lang="en-US" sz="1400" spc="-1" strike="noStrike">
+                          <a:solidFill>
+                            <a:srgbClr val="000000"/>
+                          </a:solidFill>
+                          <a:latin typeface="Arial"/>
+                        </a:rPr>
+                        <a:t>Limited</a:t>
+                      </a:r>
+                      <a:endParaRPr b="0" lang="en-US" sz="1400" spc="-1" strike="noStrike">
+                        <a:solidFill>
+                          <a:srgbClr val="000000"/>
+                        </a:solidFill>
+                        <a:latin typeface="Arial"/>
+                      </a:endParaRPr>
+                    </a:p>
+                  </a:txBody>
+                  <a:tcPr anchor="t" marL="36000" marR="36000">
+                    <a:lnL w="7200">
+                      <a:solidFill>
+                        <a:srgbClr val="000000"/>
+                      </a:solidFill>
+                      <a:prstDash val="solid"/>
+                    </a:lnL>
+                    <a:lnR w="7200">
+                      <a:solidFill>
+                        <a:srgbClr val="000000"/>
+                      </a:solidFill>
+                      <a:prstDash val="solid"/>
+                    </a:lnR>
+                    <a:lnT w="7200">
+                      <a:solidFill>
+                        <a:srgbClr val="000000"/>
+                      </a:solidFill>
+                      <a:prstDash val="solid"/>
+                    </a:lnT>
+                    <a:lnB w="7200">
+                      <a:solidFill>
+                        <a:srgbClr val="000000"/>
+                      </a:solidFill>
+                      <a:prstDash val="solid"/>
+                    </a:lnB>
+                    <a:noFill/>
+                  </a:tcPr>
+                </a:tc>
+                <a:tc>
+                  <a:txBody>
+                    <a:bodyPr lIns="36000" rIns="36000" tIns="36000" bIns="36000" anchor="t">
+                      <a:noAutofit/>
+                    </a:bodyPr>
+                    <a:p>
+                      <a:r>
+                        <a:rPr b="0" lang="en-US" sz="1400" spc="-1" strike="noStrike">
+                          <a:solidFill>
+                            <a:srgbClr val="000000"/>
+                          </a:solidFill>
+                          <a:latin typeface="Arial"/>
+                        </a:rPr>
+                        <a:t>No</a:t>
+                      </a:r>
+                      <a:endParaRPr b="0" lang="en-US" sz="1400" spc="-1" strike="noStrike">
+                        <a:solidFill>
+                          <a:srgbClr val="000000"/>
+                        </a:solidFill>
+                        <a:latin typeface="Arial"/>
+                      </a:endParaRPr>
+                    </a:p>
+                  </a:txBody>
+                  <a:tcPr anchor="t" marL="36000" marR="36000">
+                    <a:lnL w="7200">
+                      <a:solidFill>
+                        <a:srgbClr val="000000"/>
+                      </a:solidFill>
+                      <a:prstDash val="solid"/>
+                    </a:lnL>
+                    <a:lnR w="7200">
+                      <a:solidFill>
+                        <a:srgbClr val="000000"/>
+                      </a:solidFill>
+                      <a:prstDash val="solid"/>
+                    </a:lnR>
+                    <a:lnT w="7200">
+                      <a:solidFill>
+                        <a:srgbClr val="000000"/>
+                      </a:solidFill>
+                      <a:prstDash val="solid"/>
+                    </a:lnT>
+                    <a:lnB w="7200">
+                      <a:solidFill>
+                        <a:srgbClr val="000000"/>
+                      </a:solidFill>
+                      <a:prstDash val="solid"/>
+                    </a:lnB>
+                    <a:noFill/>
+                  </a:tcPr>
+                </a:tc>
+              </a:tr>
+              <a:tr h="364680">
+                <a:tc>
+                  <a:txBody>
+                    <a:bodyPr lIns="36000" rIns="36000" tIns="36000" bIns="36000" anchor="t">
+                      <a:noAutofit/>
+                    </a:bodyPr>
+                    <a:p>
+                      <a:r>
+                        <a:rPr b="0" lang="en-US" sz="1400" spc="-1" strike="noStrike">
+                          <a:solidFill>
+                            <a:srgbClr val="000000"/>
+                          </a:solidFill>
+                          <a:latin typeface="Arial"/>
+                        </a:rPr>
+                        <a:t>Interactive GUI</a:t>
+                      </a:r>
+                      <a:endParaRPr b="0" lang="en-US" sz="1400" spc="-1" strike="noStrike">
+                        <a:solidFill>
+                          <a:srgbClr val="000000"/>
+                        </a:solidFill>
+                        <a:latin typeface="Arial"/>
+                      </a:endParaRPr>
+                    </a:p>
+                  </a:txBody>
+                  <a:tcPr anchor="t" marL="36000" marR="36000">
+                    <a:lnL w="7200">
+                      <a:solidFill>
+                        <a:srgbClr val="000000"/>
+                      </a:solidFill>
+                      <a:prstDash val="solid"/>
+                    </a:lnL>
+                    <a:lnR w="7200">
+                      <a:solidFill>
+                        <a:srgbClr val="000000"/>
+                      </a:solidFill>
+                      <a:prstDash val="solid"/>
+                    </a:lnR>
+                    <a:lnT w="7200">
+                      <a:solidFill>
+                        <a:srgbClr val="000000"/>
+                      </a:solidFill>
+                      <a:prstDash val="solid"/>
+                    </a:lnT>
+                    <a:lnB w="7200">
+                      <a:solidFill>
+                        <a:srgbClr val="000000"/>
+                      </a:solidFill>
+                      <a:prstDash val="solid"/>
+                    </a:lnB>
+                    <a:noFill/>
+                  </a:tcPr>
+                </a:tc>
+                <a:tc>
+                  <a:txBody>
+                    <a:bodyPr lIns="36000" rIns="36000" tIns="36000" bIns="36000" anchor="t">
+                      <a:noAutofit/>
+                    </a:bodyPr>
+                    <a:p>
+                      <a:r>
+                        <a:rPr b="0" lang="en-US" sz="1400" spc="-1" strike="noStrike">
+                          <a:solidFill>
+                            <a:srgbClr val="000000"/>
+                          </a:solidFill>
+                          <a:latin typeface="Arial"/>
+                        </a:rPr>
+                        <a:t>Yes</a:t>
+                      </a:r>
+                      <a:endParaRPr b="0" lang="en-US" sz="1400" spc="-1" strike="noStrike">
+                        <a:solidFill>
+                          <a:srgbClr val="000000"/>
+                        </a:solidFill>
+                        <a:latin typeface="Arial"/>
+                      </a:endParaRPr>
+                    </a:p>
+                  </a:txBody>
+                  <a:tcPr anchor="t" marL="36000" marR="36000">
+                    <a:lnL w="7200">
+                      <a:solidFill>
+                        <a:srgbClr val="000000"/>
+                      </a:solidFill>
+                      <a:prstDash val="solid"/>
+                    </a:lnL>
+                    <a:lnR w="7200">
+                      <a:solidFill>
+                        <a:srgbClr val="000000"/>
+                      </a:solidFill>
+                      <a:prstDash val="solid"/>
+                    </a:lnR>
+                    <a:lnT w="7200">
+                      <a:solidFill>
+                        <a:srgbClr val="000000"/>
+                      </a:solidFill>
+                      <a:prstDash val="solid"/>
+                    </a:lnT>
+                    <a:lnB w="7200">
+                      <a:solidFill>
+                        <a:srgbClr val="000000"/>
+                      </a:solidFill>
+                      <a:prstDash val="solid"/>
+                    </a:lnB>
+                    <a:noFill/>
+                  </a:tcPr>
+                </a:tc>
+                <a:tc>
+                  <a:txBody>
+                    <a:bodyPr lIns="36000" rIns="36000" tIns="36000" bIns="36000" anchor="t">
+                      <a:noAutofit/>
+                    </a:bodyPr>
+                    <a:p>
+                      <a:r>
+                        <a:rPr b="0" lang="en-US" sz="1400" spc="-1" strike="noStrike">
+                          <a:solidFill>
+                            <a:srgbClr val="000000"/>
+                          </a:solidFill>
+                          <a:latin typeface="Arial"/>
+                        </a:rPr>
+                        <a:t>Yes</a:t>
+                      </a:r>
+                      <a:endParaRPr b="0" lang="en-US" sz="1400" spc="-1" strike="noStrike">
+                        <a:solidFill>
+                          <a:srgbClr val="000000"/>
+                        </a:solidFill>
+                        <a:latin typeface="Arial"/>
+                      </a:endParaRPr>
+                    </a:p>
+                  </a:txBody>
+                  <a:tcPr anchor="t" marL="36000" marR="36000">
+                    <a:lnL w="7200">
+                      <a:solidFill>
+                        <a:srgbClr val="000000"/>
+                      </a:solidFill>
+                      <a:prstDash val="solid"/>
+                    </a:lnL>
+                    <a:lnR w="7200">
+                      <a:solidFill>
+                        <a:srgbClr val="000000"/>
+                      </a:solidFill>
+                      <a:prstDash val="solid"/>
+                    </a:lnR>
+                    <a:lnT w="7200">
+                      <a:solidFill>
+                        <a:srgbClr val="000000"/>
+                      </a:solidFill>
+                      <a:prstDash val="solid"/>
+                    </a:lnT>
+                    <a:lnB w="7200">
+                      <a:solidFill>
+                        <a:srgbClr val="000000"/>
+                      </a:solidFill>
+                      <a:prstDash val="solid"/>
+                    </a:lnB>
+                    <a:noFill/>
+                  </a:tcPr>
+                </a:tc>
+                <a:tc>
+                  <a:txBody>
+                    <a:bodyPr lIns="36000" rIns="36000" tIns="36000" bIns="36000" anchor="t">
+                      <a:noAutofit/>
+                    </a:bodyPr>
+                    <a:p>
+                      <a:r>
+                        <a:rPr b="0" lang="en-US" sz="1400" spc="-1" strike="noStrike">
+                          <a:solidFill>
+                            <a:srgbClr val="000000"/>
+                          </a:solidFill>
+                          <a:latin typeface="Arial"/>
+                        </a:rPr>
+                        <a:t>No</a:t>
+                      </a:r>
+                      <a:endParaRPr b="0" lang="en-US" sz="1400" spc="-1" strike="noStrike">
+                        <a:solidFill>
+                          <a:srgbClr val="000000"/>
+                        </a:solidFill>
+                        <a:latin typeface="Arial"/>
+                      </a:endParaRPr>
+                    </a:p>
+                  </a:txBody>
+                  <a:tcPr anchor="t" marL="36000" marR="36000">
+                    <a:lnL w="7200">
+                      <a:solidFill>
+                        <a:srgbClr val="000000"/>
+                      </a:solidFill>
+                      <a:prstDash val="solid"/>
+                    </a:lnL>
+                    <a:lnR w="7200">
+                      <a:solidFill>
+                        <a:srgbClr val="000000"/>
+                      </a:solidFill>
+                      <a:prstDash val="solid"/>
+                    </a:lnR>
+                    <a:lnT w="7200">
+                      <a:solidFill>
+                        <a:srgbClr val="000000"/>
+                      </a:solidFill>
+                      <a:prstDash val="solid"/>
+                    </a:lnT>
+                    <a:lnB w="7200">
+                      <a:solidFill>
+                        <a:srgbClr val="000000"/>
+                      </a:solidFill>
+                      <a:prstDash val="solid"/>
+                    </a:lnB>
+                    <a:noFill/>
+                  </a:tcPr>
+                </a:tc>
+              </a:tr>
+              <a:tr h="364680">
+                <a:tc>
+                  <a:txBody>
+                    <a:bodyPr lIns="36000" rIns="36000" tIns="36000" bIns="36000" anchor="t">
+                      <a:noAutofit/>
+                    </a:bodyPr>
+                    <a:p>
+                      <a:r>
+                        <a:rPr b="0" lang="en-US" sz="1400" spc="-1" strike="noStrike">
+                          <a:solidFill>
+                            <a:srgbClr val="000000"/>
+                          </a:solidFill>
+                          <a:latin typeface="Arial"/>
+                        </a:rPr>
+                        <a:t>Statistical Analysis Tools</a:t>
+                      </a:r>
+                      <a:endParaRPr b="0" lang="en-US" sz="1400" spc="-1" strike="noStrike">
+                        <a:solidFill>
+                          <a:srgbClr val="000000"/>
+                        </a:solidFill>
+                        <a:latin typeface="Arial"/>
+                      </a:endParaRPr>
+                    </a:p>
+                  </a:txBody>
+                  <a:tcPr anchor="t" marL="36000" marR="36000">
+                    <a:lnL w="7200">
+                      <a:solidFill>
+                        <a:srgbClr val="000000"/>
+                      </a:solidFill>
+                      <a:prstDash val="solid"/>
+                    </a:lnL>
+                    <a:lnR w="7200">
+                      <a:solidFill>
+                        <a:srgbClr val="000000"/>
+                      </a:solidFill>
+                      <a:prstDash val="solid"/>
+                    </a:lnR>
+                    <a:lnT w="7200">
+                      <a:solidFill>
+                        <a:srgbClr val="000000"/>
+                      </a:solidFill>
+                      <a:prstDash val="solid"/>
+                    </a:lnT>
+                    <a:lnB w="7200">
+                      <a:solidFill>
+                        <a:srgbClr val="000000"/>
+                      </a:solidFill>
+                      <a:prstDash val="solid"/>
+                    </a:lnB>
+                    <a:noFill/>
+                  </a:tcPr>
+                </a:tc>
+                <a:tc>
+                  <a:txBody>
+                    <a:bodyPr lIns="36000" rIns="36000" tIns="36000" bIns="36000" anchor="t">
+                      <a:noAutofit/>
+                    </a:bodyPr>
+                    <a:p>
+                      <a:r>
+                        <a:rPr b="0" lang="en-US" sz="1400" spc="-1" strike="noStrike">
+                          <a:solidFill>
+                            <a:srgbClr val="000000"/>
+                          </a:solidFill>
+                          <a:latin typeface="Arial"/>
+                        </a:rPr>
+                        <a:t>Yes</a:t>
+                      </a:r>
+                      <a:endParaRPr b="0" lang="en-US" sz="1400" spc="-1" strike="noStrike">
+                        <a:solidFill>
+                          <a:srgbClr val="000000"/>
+                        </a:solidFill>
+                        <a:latin typeface="Arial"/>
+                      </a:endParaRPr>
+                    </a:p>
+                  </a:txBody>
+                  <a:tcPr anchor="t" marL="36000" marR="36000">
+                    <a:lnL w="7200">
+                      <a:solidFill>
+                        <a:srgbClr val="000000"/>
+                      </a:solidFill>
+                      <a:prstDash val="solid"/>
+                    </a:lnL>
+                    <a:lnR w="7200">
+                      <a:solidFill>
+                        <a:srgbClr val="000000"/>
+                      </a:solidFill>
+                      <a:prstDash val="solid"/>
+                    </a:lnR>
+                    <a:lnT w="7200">
+                      <a:solidFill>
+                        <a:srgbClr val="000000"/>
+                      </a:solidFill>
+                      <a:prstDash val="solid"/>
+                    </a:lnT>
+                    <a:lnB w="7200">
+                      <a:solidFill>
+                        <a:srgbClr val="000000"/>
+                      </a:solidFill>
+                      <a:prstDash val="solid"/>
+                    </a:lnB>
+                    <a:noFill/>
+                  </a:tcPr>
+                </a:tc>
+                <a:tc>
+                  <a:txBody>
+                    <a:bodyPr lIns="36000" rIns="36000" tIns="36000" bIns="36000" anchor="t">
+                      <a:noAutofit/>
+                    </a:bodyPr>
+                    <a:p>
+                      <a:r>
+                        <a:rPr b="0" lang="en-US" sz="1400" spc="-1" strike="noStrike">
+                          <a:solidFill>
+                            <a:srgbClr val="000000"/>
+                          </a:solidFill>
+                          <a:latin typeface="Arial"/>
+                        </a:rPr>
+                        <a:t>No</a:t>
+                      </a:r>
+                      <a:endParaRPr b="0" lang="en-US" sz="1400" spc="-1" strike="noStrike">
+                        <a:solidFill>
+                          <a:srgbClr val="000000"/>
+                        </a:solidFill>
+                        <a:latin typeface="Arial"/>
+                      </a:endParaRPr>
+                    </a:p>
+                  </a:txBody>
+                  <a:tcPr anchor="t" marL="36000" marR="36000">
+                    <a:lnL w="7200">
+                      <a:solidFill>
+                        <a:srgbClr val="000000"/>
+                      </a:solidFill>
+                      <a:prstDash val="solid"/>
+                    </a:lnL>
+                    <a:lnR w="7200">
+                      <a:solidFill>
+                        <a:srgbClr val="000000"/>
+                      </a:solidFill>
+                      <a:prstDash val="solid"/>
+                    </a:lnR>
+                    <a:lnT w="7200">
+                      <a:solidFill>
+                        <a:srgbClr val="000000"/>
+                      </a:solidFill>
+                      <a:prstDash val="solid"/>
+                    </a:lnT>
+                    <a:lnB w="7200">
+                      <a:solidFill>
+                        <a:srgbClr val="000000"/>
+                      </a:solidFill>
+                      <a:prstDash val="solid"/>
+                    </a:lnB>
+                    <a:noFill/>
+                  </a:tcPr>
+                </a:tc>
+                <a:tc>
+                  <a:txBody>
+                    <a:bodyPr lIns="36000" rIns="36000" tIns="36000" bIns="36000" anchor="t">
+                      <a:noAutofit/>
+                    </a:bodyPr>
+                    <a:p>
+                      <a:r>
+                        <a:rPr b="0" lang="en-US" sz="1400" spc="-1" strike="noStrike">
+                          <a:solidFill>
+                            <a:srgbClr val="000000"/>
+                          </a:solidFill>
+                          <a:latin typeface="Arial"/>
+                        </a:rPr>
+                        <a:t>No</a:t>
+                      </a:r>
+                      <a:endParaRPr b="0" lang="en-US" sz="1400" spc="-1" strike="noStrike">
+                        <a:solidFill>
+                          <a:srgbClr val="000000"/>
+                        </a:solidFill>
+                        <a:latin typeface="Arial"/>
+                      </a:endParaRPr>
+                    </a:p>
+                  </a:txBody>
+                  <a:tcPr anchor="t" marL="36000" marR="36000">
+                    <a:lnL w="7200">
+                      <a:solidFill>
+                        <a:srgbClr val="000000"/>
+                      </a:solidFill>
+                      <a:prstDash val="solid"/>
+                    </a:lnL>
+                    <a:lnR w="7200">
+                      <a:solidFill>
+                        <a:srgbClr val="000000"/>
+                      </a:solidFill>
+                      <a:prstDash val="solid"/>
+                    </a:lnR>
+                    <a:lnT w="7200">
+                      <a:solidFill>
+                        <a:srgbClr val="000000"/>
+                      </a:solidFill>
+                      <a:prstDash val="solid"/>
+                    </a:lnT>
+                    <a:lnB w="7200">
+                      <a:solidFill>
+                        <a:srgbClr val="000000"/>
+                      </a:solidFill>
+                      <a:prstDash val="solid"/>
+                    </a:lnB>
+                    <a:noFill/>
+                  </a:tcPr>
+                </a:tc>
+              </a:tr>
+              <a:tr h="364680">
+                <a:tc>
+                  <a:txBody>
+                    <a:bodyPr lIns="36000" rIns="36000" tIns="36000" bIns="36000" anchor="t">
+                      <a:noAutofit/>
+                    </a:bodyPr>
+                    <a:p>
+                      <a:r>
+                        <a:rPr b="0" lang="en-US" sz="1400" spc="-1" strike="noStrike">
+                          <a:solidFill>
+                            <a:srgbClr val="000000"/>
+                          </a:solidFill>
+                          <a:latin typeface="Arial"/>
+                        </a:rPr>
+                        <a:t>Accepts outputs from various CRISPR Finding tools</a:t>
+                      </a:r>
+                      <a:endParaRPr b="0" lang="en-US" sz="1400" spc="-1" strike="noStrike">
+                        <a:solidFill>
+                          <a:srgbClr val="000000"/>
+                        </a:solidFill>
+                        <a:latin typeface="Arial"/>
+                      </a:endParaRPr>
+                    </a:p>
+                  </a:txBody>
+                  <a:tcPr anchor="t" marL="36000" marR="36000">
+                    <a:lnL w="7200">
+                      <a:solidFill>
+                        <a:srgbClr val="000000"/>
+                      </a:solidFill>
+                      <a:prstDash val="solid"/>
+                    </a:lnL>
+                    <a:lnR w="7200">
+                      <a:solidFill>
+                        <a:srgbClr val="000000"/>
+                      </a:solidFill>
+                      <a:prstDash val="solid"/>
+                    </a:lnR>
+                    <a:lnT w="7200">
+                      <a:solidFill>
+                        <a:srgbClr val="000000"/>
+                      </a:solidFill>
+                      <a:prstDash val="solid"/>
+                    </a:lnT>
+                    <a:lnB w="7200">
+                      <a:solidFill>
+                        <a:srgbClr val="000000"/>
+                      </a:solidFill>
+                      <a:prstDash val="solid"/>
+                    </a:lnB>
+                    <a:noFill/>
+                  </a:tcPr>
+                </a:tc>
+                <a:tc>
+                  <a:txBody>
+                    <a:bodyPr lIns="36000" rIns="36000" tIns="36000" bIns="36000" anchor="t">
+                      <a:noAutofit/>
+                    </a:bodyPr>
+                    <a:p>
+                      <a:r>
+                        <a:rPr b="0" lang="en-US" sz="1400" spc="-1" strike="noStrike">
+                          <a:solidFill>
+                            <a:srgbClr val="000000"/>
+                          </a:solidFill>
+                          <a:latin typeface="Arial"/>
+                        </a:rPr>
+                        <a:t>Yes</a:t>
+                      </a:r>
+                      <a:endParaRPr b="0" lang="en-US" sz="1400" spc="-1" strike="noStrike">
+                        <a:solidFill>
+                          <a:srgbClr val="000000"/>
+                        </a:solidFill>
+                        <a:latin typeface="Arial"/>
+                      </a:endParaRPr>
+                    </a:p>
+                  </a:txBody>
+                  <a:tcPr anchor="t" marL="36000" marR="36000">
+                    <a:lnL w="7200">
+                      <a:solidFill>
+                        <a:srgbClr val="000000"/>
+                      </a:solidFill>
+                      <a:prstDash val="solid"/>
+                    </a:lnL>
+                    <a:lnR w="7200">
+                      <a:solidFill>
+                        <a:srgbClr val="000000"/>
+                      </a:solidFill>
+                      <a:prstDash val="solid"/>
+                    </a:lnR>
+                    <a:lnT w="7200">
+                      <a:solidFill>
+                        <a:srgbClr val="000000"/>
+                      </a:solidFill>
+                      <a:prstDash val="solid"/>
+                    </a:lnT>
+                    <a:lnB w="7200">
+                      <a:solidFill>
+                        <a:srgbClr val="000000"/>
+                      </a:solidFill>
+                      <a:prstDash val="solid"/>
+                    </a:lnB>
+                    <a:noFill/>
+                  </a:tcPr>
+                </a:tc>
+                <a:tc>
+                  <a:txBody>
+                    <a:bodyPr lIns="36000" rIns="36000" tIns="36000" bIns="36000" anchor="t">
+                      <a:noAutofit/>
+                    </a:bodyPr>
+                    <a:p>
+                      <a:r>
+                        <a:rPr b="0" lang="en-US" sz="1400" spc="-1" strike="noStrike">
+                          <a:solidFill>
+                            <a:srgbClr val="000000"/>
+                          </a:solidFill>
+                          <a:latin typeface="Arial"/>
+                        </a:rPr>
+                        <a:t>No (MinCED only)</a:t>
+                      </a:r>
+                      <a:endParaRPr b="0" lang="en-US" sz="1400" spc="-1" strike="noStrike">
+                        <a:solidFill>
+                          <a:srgbClr val="000000"/>
+                        </a:solidFill>
+                        <a:latin typeface="Arial"/>
+                      </a:endParaRPr>
+                    </a:p>
+                  </a:txBody>
+                  <a:tcPr anchor="t" marL="36000" marR="36000">
+                    <a:lnL w="7200">
+                      <a:solidFill>
+                        <a:srgbClr val="000000"/>
+                      </a:solidFill>
+                      <a:prstDash val="solid"/>
+                    </a:lnL>
+                    <a:lnR w="7200">
+                      <a:solidFill>
+                        <a:srgbClr val="000000"/>
+                      </a:solidFill>
+                      <a:prstDash val="solid"/>
+                    </a:lnR>
+                    <a:lnT w="7200">
+                      <a:solidFill>
+                        <a:srgbClr val="000000"/>
+                      </a:solidFill>
+                      <a:prstDash val="solid"/>
+                    </a:lnT>
+                    <a:lnB w="7200">
+                      <a:solidFill>
+                        <a:srgbClr val="000000"/>
+                      </a:solidFill>
+                      <a:prstDash val="solid"/>
+                    </a:lnB>
+                    <a:noFill/>
+                  </a:tcPr>
+                </a:tc>
+                <a:tc>
+                  <a:txBody>
+                    <a:bodyPr lIns="36000" rIns="36000" tIns="36000" bIns="36000" anchor="t">
+                      <a:noAutofit/>
+                    </a:bodyPr>
+                    <a:p>
+                      <a:r>
+                        <a:rPr b="0" lang="en-US" sz="1400" spc="-1" strike="noStrike">
+                          <a:solidFill>
+                            <a:srgbClr val="000000"/>
+                          </a:solidFill>
+                          <a:latin typeface="Arial"/>
+                        </a:rPr>
+                        <a:t>No</a:t>
+                      </a:r>
+                      <a:endParaRPr b="0" lang="en-US" sz="1400" spc="-1" strike="noStrike">
+                        <a:solidFill>
+                          <a:srgbClr val="000000"/>
+                        </a:solidFill>
+                        <a:latin typeface="Arial"/>
+                      </a:endParaRPr>
+                    </a:p>
+                  </a:txBody>
+                  <a:tcPr anchor="t" marL="36000" marR="36000">
+                    <a:lnL w="7200">
+                      <a:solidFill>
+                        <a:srgbClr val="000000"/>
+                      </a:solidFill>
+                      <a:prstDash val="solid"/>
+                    </a:lnL>
+                    <a:lnR w="7200">
+                      <a:solidFill>
+                        <a:srgbClr val="000000"/>
+                      </a:solidFill>
+                      <a:prstDash val="solid"/>
+                    </a:lnR>
+                    <a:lnT w="7200">
+                      <a:solidFill>
+                        <a:srgbClr val="000000"/>
+                      </a:solidFill>
+                      <a:prstDash val="solid"/>
+                    </a:lnT>
+                    <a:lnB w="7200">
+                      <a:solidFill>
+                        <a:srgbClr val="000000"/>
+                      </a:solidFill>
+                      <a:prstDash val="solid"/>
+                    </a:lnB>
+                    <a:noFill/>
+                  </a:tcPr>
+                </a:tc>
+              </a:tr>
+              <a:tr h="364680">
+                <a:tc>
+                  <a:txBody>
+                    <a:bodyPr lIns="36000" rIns="36000" tIns="36000" bIns="36000" anchor="t">
+                      <a:noAutofit/>
+                    </a:bodyPr>
+                    <a:p>
+                      <a:r>
+                        <a:rPr b="0" lang="en-US" sz="1400" spc="-1" strike="noStrike">
+                          <a:solidFill>
+                            <a:srgbClr val="000000"/>
+                          </a:solidFill>
+                          <a:latin typeface="Arial"/>
+                        </a:rPr>
+                        <a:t>Flexibility in CRISPR detection methods</a:t>
+                      </a:r>
+                      <a:endParaRPr b="0" lang="en-US" sz="1400" spc="-1" strike="noStrike">
+                        <a:solidFill>
+                          <a:srgbClr val="000000"/>
+                        </a:solidFill>
+                        <a:latin typeface="Arial"/>
+                      </a:endParaRPr>
+                    </a:p>
+                  </a:txBody>
+                  <a:tcPr anchor="t" marL="36000" marR="36000">
+                    <a:lnL w="7200">
+                      <a:solidFill>
+                        <a:srgbClr val="000000"/>
+                      </a:solidFill>
+                      <a:prstDash val="solid"/>
+                    </a:lnL>
+                    <a:lnR w="7200">
+                      <a:solidFill>
+                        <a:srgbClr val="000000"/>
+                      </a:solidFill>
+                      <a:prstDash val="solid"/>
+                    </a:lnR>
+                    <a:lnT w="7200">
+                      <a:solidFill>
+                        <a:srgbClr val="000000"/>
+                      </a:solidFill>
+                      <a:prstDash val="solid"/>
+                    </a:lnT>
+                    <a:lnB w="7200">
+                      <a:solidFill>
+                        <a:srgbClr val="000000"/>
+                      </a:solidFill>
+                      <a:prstDash val="solid"/>
+                    </a:lnB>
+                    <a:noFill/>
+                  </a:tcPr>
+                </a:tc>
+                <a:tc>
+                  <a:txBody>
+                    <a:bodyPr lIns="36000" rIns="36000" tIns="36000" bIns="36000" anchor="t">
+                      <a:noAutofit/>
+                    </a:bodyPr>
+                    <a:p>
+                      <a:r>
+                        <a:rPr b="0" lang="en-US" sz="1400" spc="-1" strike="noStrike">
+                          <a:solidFill>
+                            <a:srgbClr val="000000"/>
+                          </a:solidFill>
+                          <a:latin typeface="Arial"/>
+                        </a:rPr>
+                        <a:t>Yes</a:t>
+                      </a:r>
+                      <a:endParaRPr b="0" lang="en-US" sz="1400" spc="-1" strike="noStrike">
+                        <a:solidFill>
+                          <a:srgbClr val="000000"/>
+                        </a:solidFill>
+                        <a:latin typeface="Arial"/>
+                      </a:endParaRPr>
+                    </a:p>
+                  </a:txBody>
+                  <a:tcPr anchor="t" marL="36000" marR="36000">
+                    <a:lnL w="7200">
+                      <a:solidFill>
+                        <a:srgbClr val="000000"/>
+                      </a:solidFill>
+                      <a:prstDash val="solid"/>
+                    </a:lnL>
+                    <a:lnR w="7200">
+                      <a:solidFill>
+                        <a:srgbClr val="000000"/>
+                      </a:solidFill>
+                      <a:prstDash val="solid"/>
+                    </a:lnR>
+                    <a:lnT w="7200">
+                      <a:solidFill>
+                        <a:srgbClr val="000000"/>
+                      </a:solidFill>
+                      <a:prstDash val="solid"/>
+                    </a:lnT>
+                    <a:lnB w="7200">
+                      <a:solidFill>
+                        <a:srgbClr val="000000"/>
+                      </a:solidFill>
+                      <a:prstDash val="solid"/>
+                    </a:lnB>
+                    <a:noFill/>
+                  </a:tcPr>
+                </a:tc>
+                <a:tc>
+                  <a:txBody>
+                    <a:bodyPr lIns="36000" rIns="36000" tIns="36000" bIns="36000" anchor="t">
+                      <a:noAutofit/>
+                    </a:bodyPr>
+                    <a:p>
+                      <a:r>
+                        <a:rPr b="0" lang="en-US" sz="1400" spc="-1" strike="noStrike">
+                          <a:solidFill>
+                            <a:srgbClr val="000000"/>
+                          </a:solidFill>
+                          <a:latin typeface="Arial"/>
+                        </a:rPr>
+                        <a:t>No</a:t>
+                      </a:r>
+                      <a:endParaRPr b="0" lang="en-US" sz="1400" spc="-1" strike="noStrike">
+                        <a:solidFill>
+                          <a:srgbClr val="000000"/>
+                        </a:solidFill>
+                        <a:latin typeface="Arial"/>
+                      </a:endParaRPr>
+                    </a:p>
+                  </a:txBody>
+                  <a:tcPr anchor="t" marL="36000" marR="36000">
+                    <a:lnL w="7200">
+                      <a:solidFill>
+                        <a:srgbClr val="000000"/>
+                      </a:solidFill>
+                      <a:prstDash val="solid"/>
+                    </a:lnL>
+                    <a:lnR w="7200">
+                      <a:solidFill>
+                        <a:srgbClr val="000000"/>
+                      </a:solidFill>
+                      <a:prstDash val="solid"/>
+                    </a:lnR>
+                    <a:lnT w="7200">
+                      <a:solidFill>
+                        <a:srgbClr val="000000"/>
+                      </a:solidFill>
+                      <a:prstDash val="solid"/>
+                    </a:lnT>
+                    <a:lnB w="7200">
+                      <a:solidFill>
+                        <a:srgbClr val="000000"/>
+                      </a:solidFill>
+                      <a:prstDash val="solid"/>
+                    </a:lnB>
+                    <a:noFill/>
+                  </a:tcPr>
+                </a:tc>
+                <a:tc>
+                  <a:txBody>
+                    <a:bodyPr lIns="36000" rIns="36000" tIns="36000" bIns="36000" anchor="t">
+                      <a:noAutofit/>
+                    </a:bodyPr>
+                    <a:p>
+                      <a:r>
+                        <a:rPr b="0" lang="en-US" sz="1400" spc="-1" strike="noStrike">
+                          <a:solidFill>
+                            <a:srgbClr val="000000"/>
+                          </a:solidFill>
+                          <a:latin typeface="Arial"/>
+                        </a:rPr>
+                        <a:t>No</a:t>
+                      </a:r>
+                      <a:endParaRPr b="0" lang="en-US" sz="1400" spc="-1" strike="noStrike">
+                        <a:solidFill>
+                          <a:srgbClr val="000000"/>
+                        </a:solidFill>
+                        <a:latin typeface="Arial"/>
+                      </a:endParaRPr>
+                    </a:p>
+                  </a:txBody>
+                  <a:tcPr anchor="t" marL="36000" marR="36000">
+                    <a:lnL w="7200">
+                      <a:solidFill>
+                        <a:srgbClr val="000000"/>
+                      </a:solidFill>
+                      <a:prstDash val="solid"/>
+                    </a:lnL>
+                    <a:lnR w="7200">
+                      <a:solidFill>
+                        <a:srgbClr val="000000"/>
+                      </a:solidFill>
+                      <a:prstDash val="solid"/>
+                    </a:lnR>
+                    <a:lnT w="7200">
+                      <a:solidFill>
+                        <a:srgbClr val="000000"/>
+                      </a:solidFill>
+                      <a:prstDash val="solid"/>
+                    </a:lnT>
+                    <a:lnB w="7200">
+                      <a:solidFill>
+                        <a:srgbClr val="000000"/>
+                      </a:solidFill>
+                      <a:prstDash val="solid"/>
+                    </a:lnB>
+                    <a:noFill/>
+                  </a:tcPr>
+                </a:tc>
+              </a:tr>
+              <a:tr h="364680">
+                <a:tc>
+                  <a:txBody>
+                    <a:bodyPr lIns="36000" rIns="36000" tIns="36000" bIns="36000" anchor="t">
+                      <a:noAutofit/>
+                    </a:bodyPr>
+                    <a:p>
+                      <a:r>
+                        <a:rPr b="0" lang="en-US" sz="1400" spc="-1" strike="noStrike">
+                          <a:solidFill>
+                            <a:srgbClr val="000000"/>
+                          </a:solidFill>
+                          <a:latin typeface="Arial"/>
+                        </a:rPr>
+                        <a:t>Ability to change visualization settings</a:t>
+                      </a:r>
+                      <a:endParaRPr b="0" lang="en-US" sz="1400" spc="-1" strike="noStrike">
+                        <a:solidFill>
+                          <a:srgbClr val="000000"/>
+                        </a:solidFill>
+                        <a:latin typeface="Arial"/>
+                      </a:endParaRPr>
+                    </a:p>
+                  </a:txBody>
+                  <a:tcPr anchor="t" marL="36000" marR="36000">
+                    <a:lnL w="7200">
+                      <a:solidFill>
+                        <a:srgbClr val="000000"/>
+                      </a:solidFill>
+                      <a:prstDash val="solid"/>
+                    </a:lnL>
+                    <a:lnR w="7200">
+                      <a:solidFill>
+                        <a:srgbClr val="000000"/>
+                      </a:solidFill>
+                      <a:prstDash val="solid"/>
+                    </a:lnR>
+                    <a:lnT w="7200">
+                      <a:solidFill>
+                        <a:srgbClr val="000000"/>
+                      </a:solidFill>
+                      <a:prstDash val="solid"/>
+                    </a:lnT>
+                    <a:lnB w="7200">
+                      <a:solidFill>
+                        <a:srgbClr val="000000"/>
+                      </a:solidFill>
+                      <a:prstDash val="solid"/>
+                    </a:lnB>
+                    <a:noFill/>
+                  </a:tcPr>
+                </a:tc>
+                <a:tc>
+                  <a:txBody>
+                    <a:bodyPr lIns="36000" rIns="36000" tIns="36000" bIns="36000" anchor="t">
+                      <a:noAutofit/>
+                    </a:bodyPr>
+                    <a:p>
+                      <a:r>
+                        <a:rPr b="0" lang="en-US" sz="1400" spc="-1" strike="noStrike">
+                          <a:solidFill>
+                            <a:srgbClr val="000000"/>
+                          </a:solidFill>
+                          <a:latin typeface="Arial"/>
+                        </a:rPr>
+                        <a:t>Yes</a:t>
+                      </a:r>
+                      <a:endParaRPr b="0" lang="en-US" sz="1400" spc="-1" strike="noStrike">
+                        <a:solidFill>
+                          <a:srgbClr val="000000"/>
+                        </a:solidFill>
+                        <a:latin typeface="Arial"/>
+                      </a:endParaRPr>
+                    </a:p>
+                  </a:txBody>
+                  <a:tcPr anchor="t" marL="36000" marR="36000">
+                    <a:lnL w="7200">
+                      <a:solidFill>
+                        <a:srgbClr val="000000"/>
+                      </a:solidFill>
+                      <a:prstDash val="solid"/>
+                    </a:lnL>
+                    <a:lnR w="7200">
+                      <a:solidFill>
+                        <a:srgbClr val="000000"/>
+                      </a:solidFill>
+                      <a:prstDash val="solid"/>
+                    </a:lnR>
+                    <a:lnT w="7200">
+                      <a:solidFill>
+                        <a:srgbClr val="000000"/>
+                      </a:solidFill>
+                      <a:prstDash val="solid"/>
+                    </a:lnT>
+                    <a:lnB w="7200">
+                      <a:solidFill>
+                        <a:srgbClr val="000000"/>
+                      </a:solidFill>
+                      <a:prstDash val="solid"/>
+                    </a:lnB>
+                    <a:noFill/>
+                  </a:tcPr>
+                </a:tc>
+                <a:tc>
+                  <a:txBody>
+                    <a:bodyPr lIns="36000" rIns="36000" tIns="36000" bIns="36000" anchor="t">
+                      <a:noAutofit/>
+                    </a:bodyPr>
+                    <a:p>
+                      <a:r>
+                        <a:rPr b="0" lang="en-US" sz="1400" spc="-1" strike="noStrike">
+                          <a:solidFill>
+                            <a:srgbClr val="000000"/>
+                          </a:solidFill>
+                          <a:latin typeface="Arial"/>
+                        </a:rPr>
+                        <a:t>No</a:t>
+                      </a:r>
+                      <a:endParaRPr b="0" lang="en-US" sz="1400" spc="-1" strike="noStrike">
+                        <a:solidFill>
+                          <a:srgbClr val="000000"/>
+                        </a:solidFill>
+                        <a:latin typeface="Arial"/>
+                      </a:endParaRPr>
+                    </a:p>
+                  </a:txBody>
+                  <a:tcPr anchor="t" marL="36000" marR="36000">
+                    <a:lnL w="7200">
+                      <a:solidFill>
+                        <a:srgbClr val="000000"/>
+                      </a:solidFill>
+                      <a:prstDash val="solid"/>
+                    </a:lnL>
+                    <a:lnR w="7200">
+                      <a:solidFill>
+                        <a:srgbClr val="000000"/>
+                      </a:solidFill>
+                      <a:prstDash val="solid"/>
+                    </a:lnR>
+                    <a:lnT w="7200">
+                      <a:solidFill>
+                        <a:srgbClr val="000000"/>
+                      </a:solidFill>
+                      <a:prstDash val="solid"/>
+                    </a:lnT>
+                    <a:lnB w="7200">
+                      <a:solidFill>
+                        <a:srgbClr val="000000"/>
+                      </a:solidFill>
+                      <a:prstDash val="solid"/>
+                    </a:lnB>
+                    <a:noFill/>
+                  </a:tcPr>
+                </a:tc>
+                <a:tc>
+                  <a:txBody>
+                    <a:bodyPr lIns="36000" rIns="36000" tIns="36000" bIns="36000" anchor="t">
+                      <a:noAutofit/>
+                    </a:bodyPr>
+                    <a:p>
+                      <a:r>
+                        <a:rPr b="0" lang="en-US" sz="1400" spc="-1" strike="noStrike">
+                          <a:solidFill>
+                            <a:srgbClr val="000000"/>
+                          </a:solidFill>
+                          <a:latin typeface="Arial"/>
+                        </a:rPr>
+                        <a:t>No</a:t>
+                      </a:r>
+                      <a:endParaRPr b="0" lang="en-US" sz="1400" spc="-1" strike="noStrike">
+                        <a:solidFill>
+                          <a:srgbClr val="000000"/>
+                        </a:solidFill>
+                        <a:latin typeface="Arial"/>
+                      </a:endParaRPr>
+                    </a:p>
+                  </a:txBody>
+                  <a:tcPr anchor="t" marL="36000" marR="36000">
+                    <a:lnL w="7200">
+                      <a:solidFill>
+                        <a:srgbClr val="000000"/>
+                      </a:solidFill>
+                      <a:prstDash val="solid"/>
+                    </a:lnL>
+                    <a:lnR w="7200">
+                      <a:solidFill>
+                        <a:srgbClr val="000000"/>
+                      </a:solidFill>
+                      <a:prstDash val="solid"/>
+                    </a:lnR>
+                    <a:lnT w="7200">
+                      <a:solidFill>
+                        <a:srgbClr val="000000"/>
+                      </a:solidFill>
+                      <a:prstDash val="solid"/>
+                    </a:lnT>
+                    <a:lnB w="7200">
+                      <a:solidFill>
+                        <a:srgbClr val="000000"/>
+                      </a:solidFill>
+                      <a:prstDash val="solid"/>
+                    </a:lnB>
+                    <a:noFill/>
+                  </a:tcPr>
+                </a:tc>
+              </a:tr>
+              <a:tr h="364680">
+                <a:tc>
+                  <a:txBody>
+                    <a:bodyPr lIns="36000" rIns="36000" tIns="36000" bIns="36000" anchor="t">
+                      <a:noAutofit/>
+                    </a:bodyPr>
+                    <a:p>
+                      <a:r>
+                        <a:rPr b="0" lang="en-US" sz="1400" spc="-1" strike="noStrike">
+                          <a:solidFill>
+                            <a:srgbClr val="000000"/>
+                          </a:solidFill>
+                          <a:latin typeface="Arial"/>
+                        </a:rPr>
+                        <a:t>Efficiency (Data Loading Speed)</a:t>
+                      </a:r>
+                      <a:endParaRPr b="0" lang="en-US" sz="1400" spc="-1" strike="noStrike">
+                        <a:solidFill>
+                          <a:srgbClr val="000000"/>
+                        </a:solidFill>
+                        <a:latin typeface="Arial"/>
+                      </a:endParaRPr>
+                    </a:p>
+                  </a:txBody>
+                  <a:tcPr anchor="t" marL="36000" marR="36000">
+                    <a:lnL w="7200">
+                      <a:solidFill>
+                        <a:srgbClr val="000000"/>
+                      </a:solidFill>
+                      <a:prstDash val="solid"/>
+                    </a:lnL>
+                    <a:lnR w="7200">
+                      <a:solidFill>
+                        <a:srgbClr val="000000"/>
+                      </a:solidFill>
+                      <a:prstDash val="solid"/>
+                    </a:lnR>
+                    <a:lnT w="7200">
+                      <a:solidFill>
+                        <a:srgbClr val="000000"/>
+                      </a:solidFill>
+                      <a:prstDash val="solid"/>
+                    </a:lnT>
+                    <a:lnB w="7200">
+                      <a:solidFill>
+                        <a:srgbClr val="000000"/>
+                      </a:solidFill>
+                      <a:prstDash val="solid"/>
+                    </a:lnB>
+                    <a:noFill/>
+                  </a:tcPr>
+                </a:tc>
+                <a:tc>
+                  <a:txBody>
+                    <a:bodyPr lIns="36000" rIns="36000" tIns="36000" bIns="36000" anchor="t">
+                      <a:noAutofit/>
+                    </a:bodyPr>
+                    <a:p>
+                      <a:r>
+                        <a:rPr b="0" lang="en-US" sz="1400" spc="-1" strike="noStrike">
+                          <a:solidFill>
+                            <a:srgbClr val="000000"/>
+                          </a:solidFill>
+                          <a:latin typeface="Arial"/>
+                        </a:rPr>
+                        <a:t>Moderate</a:t>
+                      </a:r>
+                      <a:endParaRPr b="0" lang="en-US" sz="1400" spc="-1" strike="noStrike">
+                        <a:solidFill>
+                          <a:srgbClr val="000000"/>
+                        </a:solidFill>
+                        <a:latin typeface="Arial"/>
+                      </a:endParaRPr>
+                    </a:p>
+                  </a:txBody>
+                  <a:tcPr anchor="t" marL="36000" marR="36000">
+                    <a:lnL w="7200">
+                      <a:solidFill>
+                        <a:srgbClr val="000000"/>
+                      </a:solidFill>
+                      <a:prstDash val="solid"/>
+                    </a:lnL>
+                    <a:lnR w="7200">
+                      <a:solidFill>
+                        <a:srgbClr val="000000"/>
+                      </a:solidFill>
+                      <a:prstDash val="solid"/>
+                    </a:lnR>
+                    <a:lnT w="7200">
+                      <a:solidFill>
+                        <a:srgbClr val="000000"/>
+                      </a:solidFill>
+                      <a:prstDash val="solid"/>
+                    </a:lnT>
+                    <a:lnB w="7200">
+                      <a:solidFill>
+                        <a:srgbClr val="000000"/>
+                      </a:solidFill>
+                      <a:prstDash val="solid"/>
+                    </a:lnB>
+                    <a:noFill/>
+                  </a:tcPr>
+                </a:tc>
+                <a:tc>
+                  <a:txBody>
+                    <a:bodyPr lIns="36000" rIns="36000" tIns="36000" bIns="36000" anchor="t">
+                      <a:noAutofit/>
+                    </a:bodyPr>
+                    <a:p>
+                      <a:r>
+                        <a:rPr b="0" lang="en-US" sz="1400" spc="-1" strike="noStrike">
+                          <a:solidFill>
+                            <a:srgbClr val="000000"/>
+                          </a:solidFill>
+                          <a:latin typeface="Arial"/>
+                        </a:rPr>
+                        <a:t>Fast</a:t>
+                      </a:r>
+                      <a:endParaRPr b="0" lang="en-US" sz="1400" spc="-1" strike="noStrike">
+                        <a:solidFill>
+                          <a:srgbClr val="000000"/>
+                        </a:solidFill>
+                        <a:latin typeface="Arial"/>
+                      </a:endParaRPr>
+                    </a:p>
+                  </a:txBody>
+                  <a:tcPr anchor="t" marL="36000" marR="36000">
+                    <a:lnL w="7200">
+                      <a:solidFill>
+                        <a:srgbClr val="000000"/>
+                      </a:solidFill>
+                      <a:prstDash val="solid"/>
+                    </a:lnL>
+                    <a:lnR w="7200">
+                      <a:solidFill>
+                        <a:srgbClr val="000000"/>
+                      </a:solidFill>
+                      <a:prstDash val="solid"/>
+                    </a:lnR>
+                    <a:lnT w="7200">
+                      <a:solidFill>
+                        <a:srgbClr val="000000"/>
+                      </a:solidFill>
+                      <a:prstDash val="solid"/>
+                    </a:lnT>
+                    <a:lnB w="7200">
+                      <a:solidFill>
+                        <a:srgbClr val="000000"/>
+                      </a:solidFill>
+                      <a:prstDash val="solid"/>
+                    </a:lnB>
+                    <a:noFill/>
+                  </a:tcPr>
+                </a:tc>
+                <a:tc>
+                  <a:txBody>
+                    <a:bodyPr lIns="36000" rIns="36000" tIns="36000" bIns="36000" anchor="t">
+                      <a:noAutofit/>
+                    </a:bodyPr>
+                    <a:p>
+                      <a:r>
+                        <a:rPr b="0" lang="en-US" sz="1400" spc="-1" strike="noStrike">
+                          <a:solidFill>
+                            <a:srgbClr val="000000"/>
+                          </a:solidFill>
+                          <a:latin typeface="Arial"/>
+                        </a:rPr>
+                        <a:t>N/A</a:t>
+                      </a:r>
+                      <a:endParaRPr b="0" lang="en-US" sz="1400" spc="-1" strike="noStrike">
+                        <a:solidFill>
+                          <a:srgbClr val="000000"/>
+                        </a:solidFill>
+                        <a:latin typeface="Arial"/>
+                      </a:endParaRPr>
+                    </a:p>
+                  </a:txBody>
+                  <a:tcPr anchor="t" marL="36000" marR="36000">
+                    <a:lnL w="7200">
+                      <a:solidFill>
+                        <a:srgbClr val="000000"/>
+                      </a:solidFill>
+                      <a:prstDash val="solid"/>
+                    </a:lnL>
+                    <a:lnR w="7200">
+                      <a:solidFill>
+                        <a:srgbClr val="000000"/>
+                      </a:solidFill>
+                      <a:prstDash val="solid"/>
+                    </a:lnR>
+                    <a:lnT w="7200">
+                      <a:solidFill>
+                        <a:srgbClr val="000000"/>
+                      </a:solidFill>
+                      <a:prstDash val="solid"/>
+                    </a:lnT>
+                    <a:lnB w="7200">
+                      <a:solidFill>
+                        <a:srgbClr val="000000"/>
+                      </a:solidFill>
+                      <a:prstDash val="solid"/>
+                    </a:lnB>
+                    <a:noFill/>
+                  </a:tcPr>
+                </a:tc>
+              </a:tr>
+            </a:tbl>
+          </a:graphicData>
+        </a:graphic>
+      </p:graphicFrame>
+    </p:spTree>
+  </p:cSld>
+  <mc:AlternateContent>
+    <mc:Choice Requires="p14">
+      <p:transition spd="slow" p14:dur="2000"/>
+    </mc:Choice>
+    <mc:Fallback>
+      <p:transition spd="slow"/>
+    </mc:Fallback>
+  </mc:AlternateContent>
+</p:sld>
+</file>
+
+<file path=ppt/slides/slide14.xml><?xml version="1.0" encoding="utf-8"?>
+<p:sld xmlns:a="http://schemas.openxmlformats.org/drawingml/2006/main" xmlns:p="http://schemas.openxmlformats.org/presentationml/2006/main" xmlns:r="http://schemas.openxmlformats.org/officeDocument/2006/relationships" xmlns:p14="http://schemas.microsoft.com/office/powerpoint/2010/main" xmlns:p15="http://schemas.microsoft.com/office/powerpoint/2012/main" xmlns:mc="http://schemas.openxmlformats.org/markup-compatibility/2006">
+  <p:cSld>
+    <p:spTree>
+      <p:nvGrpSpPr>
+        <p:cNvPr id="1" name=""/>
+        <p:cNvGrpSpPr/>
+        <p:nvPr/>
+      </p:nvGrpSpPr>
+      <p:grpSpPr>
+        <a:xfrm>
+          <a:off x="0" y="0"/>
+          <a:ext cx="0" cy="0"/>
+          <a:chOff x="0" y="0"/>
+          <a:chExt cx="0" cy="0"/>
+        </a:xfrm>
+      </p:grpSpPr>
+      <p:sp>
+        <p:nvSpPr>
+          <p:cNvPr id="57" name="PlaceHolder 1"/>
+          <p:cNvSpPr>
+            <a:spLocks noGrp="1"/>
+          </p:cNvSpPr>
+          <p:nvPr>
+            <p:ph type="title"/>
+          </p:nvPr>
+        </p:nvSpPr>
+        <p:spPr>
+          <a:xfrm>
+            <a:off x="504000" y="226080"/>
+            <a:ext cx="9070560" cy="945360"/>
+          </a:xfrm>
+          <a:prstGeom prst="rect">
+            <a:avLst/>
+          </a:prstGeom>
+          <a:noFill/>
+          <a:ln w="0">
+            <a:noFill/>
+          </a:ln>
+        </p:spPr>
+        <p:txBody>
+          <a:bodyPr lIns="0" rIns="0" tIns="0" bIns="0" anchor="ctr">
+            <a:noAutofit/>
+          </a:bodyPr>
+          <a:p>
+            <a:pPr indent="0" algn="ctr">
+              <a:lnSpc>
+                <a:spcPct val="100000"/>
+              </a:lnSpc>
+              <a:buNone/>
+              <a:tabLst>
+                <a:tab algn="l" pos="0"/>
+              </a:tabLst>
+            </a:pPr>
+            <a:r>
+              <a:rPr b="0" lang="en-US" sz="4400" spc="-1" strike="noStrike">
+                <a:solidFill>
+                  <a:srgbClr val="000000"/>
+                </a:solidFill>
+                <a:latin typeface="Arial"/>
+              </a:rPr>
+              <a:t>Refe</a:t>
+            </a:r>
+            <a:r>
+              <a:rPr b="0" lang="en-US" sz="4400" spc="-1" strike="noStrike">
+                <a:solidFill>
+                  <a:srgbClr val="000000"/>
+                </a:solidFill>
+                <a:latin typeface="Arial"/>
+              </a:rPr>
+              <a:t>renc</a:t>
+            </a:r>
+            <a:r>
+              <a:rPr b="0" lang="en-US" sz="4400" spc="-1" strike="noStrike">
+                <a:solidFill>
+                  <a:srgbClr val="000000"/>
+                </a:solidFill>
+                <a:latin typeface="Arial"/>
+              </a:rPr>
+              <a:t>es</a:t>
             </a:r>
             <a:endParaRPr b="0" lang="en-US" sz="4400" spc="-1" strike="noStrike">
               <a:solidFill>
@@ -3653,7 +6501,7 @@
       </p:sp>
       <p:sp>
         <p:nvSpPr>
-          <p:cNvPr id="56" name="PlaceHolder 2"/>
+          <p:cNvPr id="58" name="PlaceHolder 2"/>
           <p:cNvSpPr>
             <a:spLocks noGrp="1"/>
           </p:cNvSpPr>
@@ -3664,7 +6512,387 @@
         <p:spPr>
           <a:xfrm>
             <a:off x="504000" y="1326600"/>
-            <a:ext cx="9070920" cy="3287520"/>
+            <a:ext cx="9070560" cy="3287160"/>
+          </a:xfrm>
+          <a:prstGeom prst="rect">
+            <a:avLst/>
+          </a:prstGeom>
+          <a:noFill/>
+          <a:ln w="0">
+            <a:noFill/>
+          </a:ln>
+        </p:spPr>
+        <p:txBody>
+          <a:bodyPr lIns="0" rIns="0" tIns="0" bIns="0" anchor="t">
+            <a:normAutofit/>
+          </a:bodyPr>
+          <a:p>
+            <a:pPr marL="432000" indent="-324000">
+              <a:lnSpc>
+                <a:spcPct val="100000"/>
+              </a:lnSpc>
+              <a:spcBef>
+                <a:spcPts val="1417"/>
+              </a:spcBef>
+              <a:buClr>
+                <a:srgbClr val="000000"/>
+              </a:buClr>
+              <a:buSzPct val="45000"/>
+              <a:buFont typeface="Wingdings" charset="2"/>
+              <a:buChar char=""/>
+            </a:pPr>
+            <a:r>
+              <a:rPr b="0" lang="en-US" sz="900" spc="-1" strike="noStrike">
+                <a:solidFill>
+                  <a:srgbClr val="000000"/>
+                </a:solidFill>
+                <a:latin typeface="Arial"/>
+              </a:rPr>
+              <a:t>Biopython. (n.d.). Biopython logo. Retrieved from https://biopython.org/wiki/logo</a:t>
+            </a:r>
+            <a:endParaRPr b="0" lang="en-US" sz="900" spc="-1" strike="noStrike">
+              <a:solidFill>
+                <a:srgbClr val="000000"/>
+              </a:solidFill>
+              <a:latin typeface="Arial"/>
+            </a:endParaRPr>
+          </a:p>
+          <a:p>
+            <a:pPr marL="432000" indent="-324000">
+              <a:lnSpc>
+                <a:spcPct val="100000"/>
+              </a:lnSpc>
+              <a:spcBef>
+                <a:spcPts val="1417"/>
+              </a:spcBef>
+              <a:buClr>
+                <a:srgbClr val="000000"/>
+              </a:buClr>
+              <a:buSzPct val="45000"/>
+              <a:buFont typeface="Wingdings" charset="2"/>
+              <a:buChar char=""/>
+            </a:pPr>
+            <a:r>
+              <a:rPr b="0" lang="en-US" sz="900" spc="-1" strike="noStrike">
+                <a:solidFill>
+                  <a:srgbClr val="000000"/>
+                </a:solidFill>
+                <a:latin typeface="Arial"/>
+              </a:rPr>
+              <a:t>Jia, B., Zhang, X., Jiang, Q., Wang, Z., Zhang, Y., Hu, Y., &amp; Wang, Y. (2022). CrisprVi: a software for visulaizing and analyzing CRISPR sequences of prokaryotes. </a:t>
+            </a:r>
+            <a:r>
+              <a:rPr b="0" i="1" lang="en-US" sz="900" spc="-1" strike="noStrike">
+                <a:solidFill>
+                  <a:srgbClr val="000000"/>
+                </a:solidFill>
+                <a:latin typeface="Arial"/>
+              </a:rPr>
+              <a:t>BMC Bioinformatics</a:t>
+            </a:r>
+            <a:r>
+              <a:rPr b="0" lang="en-US" sz="900" spc="-1" strike="noStrike">
+                <a:solidFill>
+                  <a:srgbClr val="000000"/>
+                </a:solidFill>
+                <a:latin typeface="Arial"/>
+              </a:rPr>
+              <a:t>, 23(1), 257. https://doi.org/10.1186/s12859-022-04716-9</a:t>
+            </a:r>
+            <a:endParaRPr b="0" lang="en-US" sz="900" spc="-1" strike="noStrike">
+              <a:solidFill>
+                <a:srgbClr val="000000"/>
+              </a:solidFill>
+              <a:latin typeface="Arial"/>
+            </a:endParaRPr>
+          </a:p>
+          <a:p>
+            <a:pPr marL="432000" indent="-324000">
+              <a:lnSpc>
+                <a:spcPct val="100000"/>
+              </a:lnSpc>
+              <a:spcBef>
+                <a:spcPts val="1417"/>
+              </a:spcBef>
+              <a:buClr>
+                <a:srgbClr val="000000"/>
+              </a:buClr>
+              <a:buSzPct val="45000"/>
+              <a:buFont typeface="Wingdings" charset="2"/>
+              <a:buChar char=""/>
+            </a:pPr>
+            <a:r>
+              <a:rPr b="0" lang="en-US" sz="900" spc="-1" strike="noStrike">
+                <a:solidFill>
+                  <a:srgbClr val="000000"/>
+                </a:solidFill>
+                <a:latin typeface="Arial"/>
+              </a:rPr>
+              <a:t>Matplotlib developers. (n.d.). Matplotlib logo. Retrieved from https://matplotlib.org/stable/gallery/misc/logos2.html</a:t>
+            </a:r>
+            <a:endParaRPr b="0" lang="en-US" sz="900" spc="-1" strike="noStrike">
+              <a:solidFill>
+                <a:srgbClr val="000000"/>
+              </a:solidFill>
+              <a:latin typeface="Arial"/>
+            </a:endParaRPr>
+          </a:p>
+          <a:p>
+            <a:pPr marL="432000" indent="-324000">
+              <a:lnSpc>
+                <a:spcPct val="100000"/>
+              </a:lnSpc>
+              <a:spcBef>
+                <a:spcPts val="1417"/>
+              </a:spcBef>
+              <a:buClr>
+                <a:srgbClr val="000000"/>
+              </a:buClr>
+              <a:buSzPct val="45000"/>
+              <a:buFont typeface="Wingdings" charset="2"/>
+              <a:buChar char=""/>
+            </a:pPr>
+            <a:r>
+              <a:rPr b="0" lang="en-US" sz="900" spc="-1" strike="noStrike">
+                <a:solidFill>
+                  <a:srgbClr val="000000"/>
+                </a:solidFill>
+                <a:latin typeface="Arial"/>
+              </a:rPr>
+              <a:t>NumPy developers. (n.d.). NumPy logo. Retrieved from https://github/com/numpy/numpy/tree/main/branding/logo</a:t>
+            </a:r>
+            <a:endParaRPr b="0" lang="en-US" sz="900" spc="-1" strike="noStrike">
+              <a:solidFill>
+                <a:srgbClr val="000000"/>
+              </a:solidFill>
+              <a:latin typeface="Arial"/>
+            </a:endParaRPr>
+          </a:p>
+          <a:p>
+            <a:pPr marL="432000" indent="-324000">
+              <a:lnSpc>
+                <a:spcPct val="100000"/>
+              </a:lnSpc>
+              <a:spcBef>
+                <a:spcPts val="1417"/>
+              </a:spcBef>
+              <a:buClr>
+                <a:srgbClr val="000000"/>
+              </a:buClr>
+              <a:buSzPct val="45000"/>
+              <a:buFont typeface="Wingdings" charset="2"/>
+              <a:buChar char=""/>
+            </a:pPr>
+            <a:r>
+              <a:rPr b="0" lang="en-US" sz="900" spc="-1" strike="noStrike">
+                <a:solidFill>
+                  <a:srgbClr val="000000"/>
+                </a:solidFill>
+                <a:latin typeface="Arial"/>
+              </a:rPr>
+              <a:t>pandas development team. (n.d.). Pandas logo. Retrieved from https://pandas.pydata.org/about/citing.html</a:t>
+            </a:r>
+            <a:endParaRPr b="0" lang="en-US" sz="900" spc="-1" strike="noStrike">
+              <a:solidFill>
+                <a:srgbClr val="000000"/>
+              </a:solidFill>
+              <a:latin typeface="Arial"/>
+            </a:endParaRPr>
+          </a:p>
+          <a:p>
+            <a:pPr marL="432000" indent="-324000">
+              <a:lnSpc>
+                <a:spcPct val="100000"/>
+              </a:lnSpc>
+              <a:spcBef>
+                <a:spcPts val="1417"/>
+              </a:spcBef>
+              <a:buClr>
+                <a:srgbClr val="000000"/>
+              </a:buClr>
+              <a:buSzPct val="45000"/>
+              <a:buFont typeface="Wingdings" charset="2"/>
+              <a:buChar char=""/>
+            </a:pPr>
+            <a:r>
+              <a:rPr b="0" lang="en-US" sz="900" spc="-1" strike="noStrike">
+                <a:solidFill>
+                  <a:srgbClr val="000000"/>
+                </a:solidFill>
+                <a:latin typeface="Arial"/>
+              </a:rPr>
+              <a:t>Python Software Foundation. (n.d.). Python logo. Retrieved from https://www.python.org/community/logos/</a:t>
+            </a:r>
+            <a:endParaRPr b="0" lang="en-US" sz="900" spc="-1" strike="noStrike">
+              <a:solidFill>
+                <a:srgbClr val="000000"/>
+              </a:solidFill>
+              <a:latin typeface="Arial"/>
+            </a:endParaRPr>
+          </a:p>
+          <a:p>
+            <a:pPr marL="432000" indent="-324000">
+              <a:lnSpc>
+                <a:spcPct val="100000"/>
+              </a:lnSpc>
+              <a:spcBef>
+                <a:spcPts val="1417"/>
+              </a:spcBef>
+              <a:buClr>
+                <a:srgbClr val="000000"/>
+              </a:buClr>
+              <a:buSzPct val="45000"/>
+              <a:buFont typeface="Wingdings" charset="2"/>
+              <a:buChar char=""/>
+            </a:pPr>
+            <a:r>
+              <a:rPr b="0" lang="en-US" sz="900" spc="-1" strike="noStrike">
+                <a:solidFill>
+                  <a:srgbClr val="000000"/>
+                </a:solidFill>
+                <a:latin typeface="Arial"/>
+              </a:rPr>
+              <a:t>Seaborn developers. (n.d.). Seaborn logo. Retrieved from https://seaborn.pydata.org/citing.html</a:t>
+            </a:r>
+            <a:endParaRPr b="0" lang="en-US" sz="900" spc="-1" strike="noStrike">
+              <a:solidFill>
+                <a:srgbClr val="000000"/>
+              </a:solidFill>
+              <a:latin typeface="Arial"/>
+            </a:endParaRPr>
+          </a:p>
+          <a:p>
+            <a:pPr marL="432000" indent="-324000">
+              <a:lnSpc>
+                <a:spcPct val="100000"/>
+              </a:lnSpc>
+              <a:spcBef>
+                <a:spcPts val="1417"/>
+              </a:spcBef>
+              <a:buClr>
+                <a:srgbClr val="000000"/>
+              </a:buClr>
+              <a:buSzPct val="45000"/>
+              <a:buFont typeface="Wingdings" charset="2"/>
+              <a:buChar char=""/>
+            </a:pPr>
+            <a:r>
+              <a:rPr b="0" lang="en-US" sz="900" spc="-1" strike="noStrike">
+                <a:solidFill>
+                  <a:srgbClr val="000000"/>
+                </a:solidFill>
+                <a:latin typeface="Arial"/>
+              </a:rPr>
+              <a:t>Splettstoesser, T. (n.d.). Cas9 protein structure [Image]. Wikimedia Commons. Retrieved from https://en.wikipedia.org/wiki/Cas9#/media/File:Cas9_5AXW.png</a:t>
+            </a:r>
+            <a:endParaRPr b="0" lang="en-US" sz="900" spc="-1" strike="noStrike">
+              <a:solidFill>
+                <a:srgbClr val="000000"/>
+              </a:solidFill>
+              <a:latin typeface="Arial"/>
+            </a:endParaRPr>
+          </a:p>
+        </p:txBody>
+      </p:sp>
+    </p:spTree>
+  </p:cSld>
+  <mc:AlternateContent>
+    <mc:Choice Requires="p14">
+      <p:transition spd="slow" p14:dur="2000"/>
+    </mc:Choice>
+    <mc:Fallback>
+      <p:transition spd="slow"/>
+    </mc:Fallback>
+  </mc:AlternateContent>
+</p:sld>
+</file>
+
+<file path=ppt/slides/slide15.xml><?xml version="1.0" encoding="utf-8"?>
+<p:sld xmlns:a="http://schemas.openxmlformats.org/drawingml/2006/main" xmlns:p="http://schemas.openxmlformats.org/presentationml/2006/main" xmlns:r="http://schemas.openxmlformats.org/officeDocument/2006/relationships" xmlns:p14="http://schemas.microsoft.com/office/powerpoint/2010/main" xmlns:p15="http://schemas.microsoft.com/office/powerpoint/2012/main" xmlns:mc="http://schemas.openxmlformats.org/markup-compatibility/2006">
+  <p:cSld>
+    <p:spTree>
+      <p:nvGrpSpPr>
+        <p:cNvPr id="1" name=""/>
+        <p:cNvGrpSpPr/>
+        <p:nvPr/>
+      </p:nvGrpSpPr>
+      <p:grpSpPr>
+        <a:xfrm>
+          <a:off x="0" y="0"/>
+          <a:ext cx="0" cy="0"/>
+          <a:chOff x="0" y="0"/>
+          <a:chExt cx="0" cy="0"/>
+        </a:xfrm>
+      </p:grpSpPr>
+      <p:sp>
+        <p:nvSpPr>
+          <p:cNvPr id="59" name="PlaceHolder 1"/>
+          <p:cNvSpPr>
+            <a:spLocks noGrp="1"/>
+          </p:cNvSpPr>
+          <p:nvPr>
+            <p:ph type="title"/>
+          </p:nvPr>
+        </p:nvSpPr>
+        <p:spPr>
+          <a:xfrm>
+            <a:off x="504000" y="226080"/>
+            <a:ext cx="9070560" cy="945360"/>
+          </a:xfrm>
+          <a:prstGeom prst="rect">
+            <a:avLst/>
+          </a:prstGeom>
+          <a:noFill/>
+          <a:ln w="0">
+            <a:noFill/>
+          </a:ln>
+        </p:spPr>
+        <p:txBody>
+          <a:bodyPr lIns="0" rIns="0" tIns="0" bIns="0" anchor="ctr">
+            <a:noAutofit/>
+          </a:bodyPr>
+          <a:p>
+            <a:pPr indent="0" algn="ctr">
+              <a:lnSpc>
+                <a:spcPct val="100000"/>
+              </a:lnSpc>
+              <a:buNone/>
+              <a:tabLst>
+                <a:tab algn="l" pos="0"/>
+              </a:tabLst>
+            </a:pPr>
+            <a:r>
+              <a:rPr b="0" lang="en-US" sz="4400" spc="-1" strike="noStrike">
+                <a:solidFill>
+                  <a:srgbClr val="000000"/>
+                </a:solidFill>
+                <a:latin typeface="Arial"/>
+              </a:rPr>
+              <a:t>Questions?</a:t>
+            </a:r>
+            <a:endParaRPr b="0" lang="en-US" sz="4400" spc="-1" strike="noStrike">
+              <a:solidFill>
+                <a:srgbClr val="000000"/>
+              </a:solidFill>
+              <a:latin typeface="Arial"/>
+            </a:endParaRPr>
+          </a:p>
+        </p:txBody>
+      </p:sp>
+      <p:sp>
+        <p:nvSpPr>
+          <p:cNvPr id="60" name="PlaceHolder 2"/>
+          <p:cNvSpPr>
+            <a:spLocks noGrp="1"/>
+          </p:cNvSpPr>
+          <p:nvPr>
+            <p:ph/>
+          </p:nvPr>
+        </p:nvSpPr>
+        <p:spPr>
+          <a:xfrm>
+            <a:off x="504000" y="1326600"/>
+            <a:ext cx="9070560" cy="3287160"/>
           </a:xfrm>
           <a:prstGeom prst="rect">
             <a:avLst/>
@@ -3737,7 +6965,7 @@
         <p:spPr>
           <a:xfrm>
             <a:off x="504000" y="226080"/>
-            <a:ext cx="9070920" cy="945720"/>
+            <a:ext cx="9070560" cy="945360"/>
           </a:xfrm>
           <a:prstGeom prst="rect">
             <a:avLst/>
@@ -3768,7 +6996,43 @@
                 </a:solidFill>
                 <a:latin typeface="Arial"/>
               </a:rPr>
-              <a:t>What is CRISPR?</a:t>
+              <a:t>Wha</a:t>
+            </a:r>
+            <a:r>
+              <a:rPr b="0" lang="en-US" sz="4400" spc="-1" strike="noStrike">
+                <a:solidFill>
+                  <a:srgbClr val="000000"/>
+                </a:solidFill>
+                <a:latin typeface="Arial"/>
+              </a:rPr>
+              <a:t>t is </a:t>
+            </a:r>
+            <a:r>
+              <a:rPr b="0" lang="en-US" sz="4400" spc="-1" strike="noStrike">
+                <a:solidFill>
+                  <a:srgbClr val="000000"/>
+                </a:solidFill>
+                <a:latin typeface="Arial"/>
+              </a:rPr>
+              <a:t>CRI</a:t>
+            </a:r>
+            <a:r>
+              <a:rPr b="0" lang="en-US" sz="4400" spc="-1" strike="noStrike">
+                <a:solidFill>
+                  <a:srgbClr val="000000"/>
+                </a:solidFill>
+                <a:latin typeface="Arial"/>
+              </a:rPr>
+              <a:t>SPR</a:t>
+            </a:r>
+            <a:r>
+              <a:rPr b="0" lang="en-US" sz="4400" spc="-1" strike="noStrike">
+                <a:solidFill>
+                  <a:srgbClr val="000000"/>
+                </a:solidFill>
+                <a:latin typeface="Arial"/>
+              </a:rPr>
+              <a:t>?</a:t>
             </a:r>
             <a:endParaRPr b="0" lang="en-US" sz="4400" spc="-1" strike="noStrike">
               <a:solidFill>
@@ -3792,7 +7056,7 @@
         <p:spPr>
           <a:xfrm>
             <a:off x="504000" y="1326600"/>
-            <a:ext cx="9070920" cy="3287520"/>
+            <a:ext cx="9070560" cy="3287160"/>
           </a:xfrm>
           <a:prstGeom prst="rect">
             <a:avLst/>
@@ -3828,7 +7092,16 @@
                 </a:solidFill>
                 <a:latin typeface="Arial"/>
               </a:rPr>
-              <a:t>Clustered Regularly Interspaced Short Palindromic Repeats</a:t>
+              <a:t>Clustered Regularly Interspaced Short </a:t>
+            </a:r>
+            <a:r>
+              <a:rPr b="0" lang="en-US" sz="3200" spc="-1" strike="noStrike">
+                <a:solidFill>
+                  <a:srgbClr val="000000"/>
+                </a:solidFill>
+                <a:latin typeface="Arial"/>
+              </a:rPr>
+              <a:t>Palindromic Repeats</a:t>
             </a:r>
             <a:endParaRPr b="0" lang="en-US" sz="3200" spc="-1" strike="noStrike">
               <a:solidFill>
@@ -3859,7 +7132,16 @@
                 </a:solidFill>
                 <a:latin typeface="Arial"/>
               </a:rPr>
-              <a:t>Natural defense mechanism in bacterial immune system</a:t>
+              <a:t>Natural defense mechanism in bacterial </a:t>
+            </a:r>
+            <a:r>
+              <a:rPr b="0" lang="en-US" sz="3200" spc="-1" strike="noStrike">
+                <a:solidFill>
+                  <a:srgbClr val="000000"/>
+                </a:solidFill>
+                <a:latin typeface="Arial"/>
+              </a:rPr>
+              <a:t>immune system</a:t>
             </a:r>
             <a:endParaRPr b="0" lang="en-US" sz="3200" spc="-1" strike="noStrike">
               <a:solidFill>
@@ -3890,7 +7172,25 @@
                 </a:solidFill>
                 <a:latin typeface="Arial"/>
               </a:rPr>
-              <a:t>CRISPR regions contain short, repetitive DNA sequences interspaced with unique sequences called spacers</a:t>
+              <a:t>CRISPR regions contain short, repetitive DNA </a:t>
+            </a:r>
+            <a:r>
+              <a:rPr b="0" lang="en-US" sz="3200" spc="-1" strike="noStrike">
+                <a:solidFill>
+                  <a:srgbClr val="000000"/>
+                </a:solidFill>
+                <a:latin typeface="Arial"/>
+              </a:rPr>
+              <a:t>sequences interspaced with unique sequences </a:t>
+            </a:r>
+            <a:r>
+              <a:rPr b="0" lang="en-US" sz="3200" spc="-1" strike="noStrike">
+                <a:solidFill>
+                  <a:srgbClr val="000000"/>
+                </a:solidFill>
+                <a:latin typeface="Arial"/>
+              </a:rPr>
+              <a:t>called spacers</a:t>
             </a:r>
             <a:endParaRPr b="0" lang="en-US" sz="3200" spc="-1" strike="noStrike">
               <a:solidFill>
@@ -3921,7 +7221,25 @@
                 </a:solidFill>
                 <a:latin typeface="Arial"/>
               </a:rPr>
-              <a:t>CRISPR is used to store genetic info from past viral infection and recognize and destroy invading viruses in subsequent encounters</a:t>
+              <a:t>CRISPR is used to store genetic info from past </a:t>
+            </a:r>
+            <a:r>
+              <a:rPr b="0" lang="en-US" sz="3200" spc="-1" strike="noStrike">
+                <a:solidFill>
+                  <a:srgbClr val="000000"/>
+                </a:solidFill>
+                <a:latin typeface="Arial"/>
+              </a:rPr>
+              <a:t>viral infection and recognize and destroy </a:t>
+            </a:r>
+            <a:r>
+              <a:rPr b="0" lang="en-US" sz="3200" spc="-1" strike="noStrike">
+                <a:solidFill>
+                  <a:srgbClr val="000000"/>
+                </a:solidFill>
+                <a:latin typeface="Arial"/>
+              </a:rPr>
+              <a:t>invading viruses in subsequent encounters</a:t>
             </a:r>
             <a:endParaRPr b="0" lang="en-US" sz="3200" spc="-1" strike="noStrike">
               <a:solidFill>
@@ -3975,7 +7293,7 @@
         <p:spPr>
           <a:xfrm>
             <a:off x="504000" y="226080"/>
-            <a:ext cx="9070920" cy="945720"/>
+            <a:ext cx="9070560" cy="945360"/>
           </a:xfrm>
           <a:prstGeom prst="rect">
             <a:avLst/>
@@ -4006,7 +7324,34 @@
                 </a:solidFill>
                 <a:latin typeface="Arial"/>
               </a:rPr>
-              <a:t>What is Cas?</a:t>
+              <a:t>Wha</a:t>
+            </a:r>
+            <a:r>
+              <a:rPr b="0" lang="en-US" sz="4400" spc="-1" strike="noStrike">
+                <a:solidFill>
+                  <a:srgbClr val="000000"/>
+                </a:solidFill>
+                <a:latin typeface="Arial"/>
+              </a:rPr>
+              <a:t>t is </a:t>
+            </a:r>
+            <a:r>
+              <a:rPr b="0" lang="en-US" sz="4400" spc="-1" strike="noStrike">
+                <a:solidFill>
+                  <a:srgbClr val="000000"/>
+                </a:solidFill>
+                <a:latin typeface="Arial"/>
+              </a:rPr>
+              <a:t>Cas</a:t>
+            </a:r>
+            <a:r>
+              <a:rPr b="0" lang="en-US" sz="4400" spc="-1" strike="noStrike">
+                <a:solidFill>
+                  <a:srgbClr val="000000"/>
+                </a:solidFill>
+                <a:latin typeface="Arial"/>
+              </a:rPr>
+              <a:t>?</a:t>
             </a:r>
             <a:endParaRPr b="0" lang="en-US" sz="4400" spc="-1" strike="noStrike">
               <a:solidFill>
@@ -4030,7 +7375,7 @@
         <p:spPr>
           <a:xfrm>
             <a:off x="504000" y="1326600"/>
-            <a:ext cx="9070920" cy="3287520"/>
+            <a:ext cx="9070560" cy="3287160"/>
           </a:xfrm>
           <a:prstGeom prst="rect">
             <a:avLst/>
@@ -4042,7 +7387,7 @@
         </p:spPr>
         <p:txBody>
           <a:bodyPr lIns="0" rIns="0" tIns="0" bIns="0" anchor="t">
-            <a:normAutofit fontScale="73333"/>
+            <a:normAutofit/>
           </a:bodyPr>
           <a:p>
             <a:pPr marL="432000" indent="-324000">
@@ -4097,7 +7442,7 @@
                 </a:solidFill>
                 <a:latin typeface="Arial"/>
               </a:rPr>
-              <a:t>Clustered Regularly Interspaced Short Palindromic Repeats-CRISPR-associated</a:t>
+              <a:t>CRISPR-associated (Cas)</a:t>
             </a:r>
             <a:endParaRPr b="0" lang="en-US" sz="4200" spc="-1" strike="noStrike">
               <a:solidFill>
@@ -4128,38 +7473,7 @@
                 </a:solidFill>
                 <a:latin typeface="Arial"/>
               </a:rPr>
-              <a:t>Powerful gene editing tool  to make precise changes in DNA of living organisms</a:t>
-            </a:r>
-            <a:endParaRPr b="0" lang="en-US" sz="4200" spc="-1" strike="noStrike">
-              <a:solidFill>
-                <a:srgbClr val="000000"/>
-              </a:solidFill>
-              <a:latin typeface="Arial"/>
-            </a:endParaRPr>
-          </a:p>
-          <a:p>
-            <a:pPr lvl="1" marL="864000" indent="-324000">
-              <a:lnSpc>
-                <a:spcPct val="100000"/>
-              </a:lnSpc>
-              <a:spcBef>
-                <a:spcPts val="1134"/>
-              </a:spcBef>
-              <a:buClr>
-                <a:srgbClr val="000000"/>
-              </a:buClr>
-              <a:buSzPct val="75000"/>
-              <a:buFont typeface="Symbol" charset="2"/>
-              <a:buChar char=""/>
-            </a:pPr>
-            <a:r>
-              <a:rPr b="0" lang="en-US" sz="4200" spc="-1" strike="noStrike">
-                <a:solidFill>
-                  <a:srgbClr val="000000"/>
-                </a:solidFill>
-                <a:latin typeface="Arial"/>
-              </a:rPr>
-              <a:t>Essential for bacterial adaptive immunity</a:t>
+              <a:t>Proteins essential for bacterial adaptive immunity</a:t>
             </a:r>
             <a:endParaRPr b="0" lang="en-US" sz="4200" spc="-1" strike="noStrike">
               <a:solidFill>
@@ -4213,7 +7527,7 @@
         <p:spPr>
           <a:xfrm>
             <a:off x="504000" y="226080"/>
-            <a:ext cx="9070920" cy="945720"/>
+            <a:ext cx="9070560" cy="945360"/>
           </a:xfrm>
           <a:prstGeom prst="rect">
             <a:avLst/>
@@ -4253,7 +7567,7 @@
         <p:spPr>
           <a:xfrm>
             <a:off x="1527480" y="914400"/>
-            <a:ext cx="6701400" cy="4799880"/>
+            <a:ext cx="6701040" cy="4799520"/>
           </a:xfrm>
           <a:prstGeom prst="rect">
             <a:avLst/>
@@ -4306,7 +7620,7 @@
         <p:spPr>
           <a:xfrm>
             <a:off x="504000" y="74160"/>
-            <a:ext cx="9070920" cy="1249560"/>
+            <a:ext cx="9070560" cy="1249200"/>
           </a:xfrm>
           <a:prstGeom prst="rect">
             <a:avLst/>
@@ -4337,7 +7651,106 @@
                 </a:solidFill>
                 <a:latin typeface="Arial"/>
               </a:rPr>
-              <a:t>The Problem with CRISPR Visualization and Analysis</a:t>
+              <a:t>The </a:t>
+            </a:r>
+            <a:r>
+              <a:rPr b="0" lang="en-US" sz="4400" spc="-1" strike="noStrike">
+                <a:solidFill>
+                  <a:srgbClr val="000000"/>
+                </a:solidFill>
+                <a:latin typeface="Arial"/>
+              </a:rPr>
+              <a:t>Prob</a:t>
+            </a:r>
+            <a:r>
+              <a:rPr b="0" lang="en-US" sz="4400" spc="-1" strike="noStrike">
+                <a:solidFill>
+                  <a:srgbClr val="000000"/>
+                </a:solidFill>
+                <a:latin typeface="Arial"/>
+              </a:rPr>
+              <a:t>lem </a:t>
+            </a:r>
+            <a:r>
+              <a:rPr b="0" lang="en-US" sz="4400" spc="-1" strike="noStrike">
+                <a:solidFill>
+                  <a:srgbClr val="000000"/>
+                </a:solidFill>
+                <a:latin typeface="Arial"/>
+              </a:rPr>
+              <a:t>with </a:t>
+            </a:r>
+            <a:r>
+              <a:rPr b="0" lang="en-US" sz="4400" spc="-1" strike="noStrike">
+                <a:solidFill>
+                  <a:srgbClr val="000000"/>
+                </a:solidFill>
+                <a:latin typeface="Arial"/>
+              </a:rPr>
+              <a:t>CRI</a:t>
+            </a:r>
+            <a:r>
+              <a:rPr b="0" lang="en-US" sz="4400" spc="-1" strike="noStrike">
+                <a:solidFill>
+                  <a:srgbClr val="000000"/>
+                </a:solidFill>
+                <a:latin typeface="Arial"/>
+              </a:rPr>
+              <a:t>SPR </a:t>
+            </a:r>
+            <a:r>
+              <a:rPr b="0" lang="en-US" sz="4400" spc="-1" strike="noStrike">
+                <a:solidFill>
+                  <a:srgbClr val="000000"/>
+                </a:solidFill>
+                <a:latin typeface="Arial"/>
+              </a:rPr>
+              <a:t>Visu</a:t>
+            </a:r>
+            <a:r>
+              <a:rPr b="0" lang="en-US" sz="4400" spc="-1" strike="noStrike">
+                <a:solidFill>
+                  <a:srgbClr val="000000"/>
+                </a:solidFill>
+                <a:latin typeface="Arial"/>
+              </a:rPr>
+              <a:t>aliza</a:t>
+            </a:r>
+            <a:r>
+              <a:rPr b="0" lang="en-US" sz="4400" spc="-1" strike="noStrike">
+                <a:solidFill>
+                  <a:srgbClr val="000000"/>
+                </a:solidFill>
+                <a:latin typeface="Arial"/>
+              </a:rPr>
+              <a:t>tion </a:t>
+            </a:r>
+            <a:r>
+              <a:rPr b="0" lang="en-US" sz="4400" spc="-1" strike="noStrike">
+                <a:solidFill>
+                  <a:srgbClr val="000000"/>
+                </a:solidFill>
+                <a:latin typeface="Arial"/>
+              </a:rPr>
+              <a:t>and </a:t>
+            </a:r>
+            <a:r>
+              <a:rPr b="0" lang="en-US" sz="4400" spc="-1" strike="noStrike">
+                <a:solidFill>
+                  <a:srgbClr val="000000"/>
+                </a:solidFill>
+                <a:latin typeface="Arial"/>
+              </a:rPr>
+              <a:t>Anal</a:t>
+            </a:r>
+            <a:r>
+              <a:rPr b="0" lang="en-US" sz="4400" spc="-1" strike="noStrike">
+                <a:solidFill>
+                  <a:srgbClr val="000000"/>
+                </a:solidFill>
+                <a:latin typeface="Arial"/>
+              </a:rPr>
+              <a:t>ysis</a:t>
             </a:r>
             <a:endParaRPr b="0" lang="en-US" sz="4400" spc="-1" strike="noStrike">
               <a:solidFill>
@@ -4361,7 +7774,7 @@
         <p:spPr>
           <a:xfrm>
             <a:off x="457200" y="1371600"/>
-            <a:ext cx="5485680" cy="4114080"/>
+            <a:ext cx="5485320" cy="4113720"/>
           </a:xfrm>
           <a:prstGeom prst="rect">
             <a:avLst/>
@@ -4428,7 +7841,16 @@
                 </a:solidFill>
                 <a:latin typeface="Arial"/>
               </a:rPr>
-              <a:t>Investigate loci and sequences of DRs and spacers</a:t>
+              <a:t>Investigate loci and sequences of </a:t>
+            </a:r>
+            <a:r>
+              <a:rPr b="0" lang="en-US" sz="4200" spc="-1" strike="noStrike">
+                <a:solidFill>
+                  <a:srgbClr val="000000"/>
+                </a:solidFill>
+                <a:latin typeface="Arial"/>
+              </a:rPr>
+              <a:t>DRs and spacers</a:t>
             </a:r>
             <a:endParaRPr b="0" lang="en-US" sz="4200" spc="-1" strike="noStrike">
               <a:solidFill>
@@ -4459,7 +7881,16 @@
                 </a:solidFill>
                 <a:latin typeface="Arial"/>
               </a:rPr>
-              <a:t>Existing tools: CRT, PILER-CR, CRISPRFinder, etc.</a:t>
+              <a:t>Existing tools: CRT, PILER-CR, </a:t>
+            </a:r>
+            <a:r>
+              <a:rPr b="0" lang="en-US" sz="4200" spc="-1" strike="noStrike">
+                <a:solidFill>
+                  <a:srgbClr val="000000"/>
+                </a:solidFill>
+                <a:latin typeface="Arial"/>
+              </a:rPr>
+              <a:t>CRISPRFinder, etc.</a:t>
             </a:r>
             <a:endParaRPr b="0" lang="en-US" sz="4200" spc="-1" strike="noStrike">
               <a:solidFill>
@@ -4521,7 +7952,16 @@
                 </a:solidFill>
                 <a:latin typeface="Arial"/>
               </a:rPr>
-              <a:t>Lack interactive and user-friendly visualization</a:t>
+              <a:t>Lack interactive and user-friendly </a:t>
+            </a:r>
+            <a:r>
+              <a:rPr b="0" lang="en-US" sz="4200" spc="-1" strike="noStrike">
+                <a:solidFill>
+                  <a:srgbClr val="000000"/>
+                </a:solidFill>
+                <a:latin typeface="Arial"/>
+              </a:rPr>
+              <a:t>visualization</a:t>
             </a:r>
             <a:endParaRPr b="0" lang="en-US" sz="4200" spc="-1" strike="noStrike">
               <a:solidFill>
@@ -4552,7 +7992,16 @@
                 </a:solidFill>
                 <a:latin typeface="Arial"/>
               </a:rPr>
-              <a:t>Complexity and non-interactivity of Excel macros</a:t>
+              <a:t>Complexity and non-interactivity of </a:t>
+            </a:r>
+            <a:r>
+              <a:rPr b="0" lang="en-US" sz="4200" spc="-1" strike="noStrike">
+                <a:solidFill>
+                  <a:srgbClr val="000000"/>
+                </a:solidFill>
+                <a:latin typeface="Arial"/>
+              </a:rPr>
+              <a:t>Excel macros</a:t>
             </a:r>
             <a:endParaRPr b="0" lang="en-US" sz="4200" spc="-1" strike="noStrike">
               <a:solidFill>
@@ -4583,7 +8032,16 @@
                 </a:solidFill>
                 <a:latin typeface="Arial"/>
               </a:rPr>
-              <a:t>Over-reliance on specific detection tools</a:t>
+              <a:t>Over-reliance on specific detection </a:t>
+            </a:r>
+            <a:r>
+              <a:rPr b="0" lang="en-US" sz="4200" spc="-1" strike="noStrike">
+                <a:solidFill>
+                  <a:srgbClr val="000000"/>
+                </a:solidFill>
+                <a:latin typeface="Arial"/>
+              </a:rPr>
+              <a:t>tools</a:t>
             </a:r>
             <a:endParaRPr b="0" lang="en-US" sz="4200" spc="-1" strike="noStrike">
               <a:solidFill>
@@ -4614,7 +8072,16 @@
                 </a:solidFill>
                 <a:latin typeface="Arial"/>
               </a:rPr>
-              <a:t>Confusing visual outputs with complex datasets</a:t>
+              <a:t>Confusing visual outputs with </a:t>
+            </a:r>
+            <a:r>
+              <a:rPr b="0" lang="en-US" sz="4200" spc="-1" strike="noStrike">
+                <a:solidFill>
+                  <a:srgbClr val="000000"/>
+                </a:solidFill>
+                <a:latin typeface="Arial"/>
+              </a:rPr>
+              <a:t>complex datasets</a:t>
             </a:r>
             <a:endParaRPr b="0" lang="en-US" sz="4200" spc="-1" strike="noStrike">
               <a:solidFill>
@@ -4676,7 +8143,25 @@
                 </a:solidFill>
                 <a:latin typeface="Arial"/>
               </a:rPr>
-              <a:t>Need for an all-in-one tool to visualize, manipulate, and analyze CRISPR arrays effectively</a:t>
+              <a:t>Need for an all-in-one tool to </a:t>
+            </a:r>
+            <a:r>
+              <a:rPr b="0" lang="en-US" sz="4200" spc="-1" strike="noStrike">
+                <a:solidFill>
+                  <a:srgbClr val="000000"/>
+                </a:solidFill>
+                <a:latin typeface="Arial"/>
+              </a:rPr>
+              <a:t>visualize, manipulate, and analyze </a:t>
+            </a:r>
+            <a:r>
+              <a:rPr b="0" lang="en-US" sz="4200" spc="-1" strike="noStrike">
+                <a:solidFill>
+                  <a:srgbClr val="000000"/>
+                </a:solidFill>
+                <a:latin typeface="Arial"/>
+              </a:rPr>
+              <a:t>CRISPR arrays effectively</a:t>
             </a:r>
             <a:endParaRPr b="0" lang="en-US" sz="4200" spc="-1" strike="noStrike">
               <a:solidFill>
@@ -4730,7 +8215,7 @@
         <p:spPr>
           <a:xfrm>
             <a:off x="504000" y="226080"/>
-            <a:ext cx="9070920" cy="945720"/>
+            <a:ext cx="9070560" cy="945360"/>
           </a:xfrm>
           <a:prstGeom prst="rect">
             <a:avLst/>
@@ -4761,7 +8246,34 @@
                 </a:solidFill>
                 <a:latin typeface="Arial"/>
               </a:rPr>
-              <a:t>Why use Python?</a:t>
+              <a:t>Why </a:t>
+            </a:r>
+            <a:r>
+              <a:rPr b="0" lang="en-US" sz="4400" spc="-1" strike="noStrike">
+                <a:solidFill>
+                  <a:srgbClr val="000000"/>
+                </a:solidFill>
+                <a:latin typeface="Arial"/>
+              </a:rPr>
+              <a:t>use </a:t>
+            </a:r>
+            <a:r>
+              <a:rPr b="0" lang="en-US" sz="4400" spc="-1" strike="noStrike">
+                <a:solidFill>
+                  <a:srgbClr val="000000"/>
+                </a:solidFill>
+                <a:latin typeface="Arial"/>
+              </a:rPr>
+              <a:t>Pyth</a:t>
+            </a:r>
+            <a:r>
+              <a:rPr b="0" lang="en-US" sz="4400" spc="-1" strike="noStrike">
+                <a:solidFill>
+                  <a:srgbClr val="000000"/>
+                </a:solidFill>
+                <a:latin typeface="Arial"/>
+              </a:rPr>
+              <a:t>on?</a:t>
             </a:r>
             <a:endParaRPr b="0" lang="en-US" sz="4400" spc="-1" strike="noStrike">
               <a:solidFill>
@@ -4785,7 +8297,7 @@
         <p:spPr>
           <a:xfrm>
             <a:off x="504000" y="1326600"/>
-            <a:ext cx="4981680" cy="4159080"/>
+            <a:ext cx="4981320" cy="4158720"/>
           </a:xfrm>
           <a:prstGeom prst="rect">
             <a:avLst/>
@@ -5031,7 +8543,7 @@
         <p:spPr>
           <a:xfrm>
             <a:off x="8195760" y="228600"/>
-            <a:ext cx="1319400" cy="1599480"/>
+            <a:ext cx="1319040" cy="1599120"/>
           </a:xfrm>
           <a:prstGeom prst="rect">
             <a:avLst/>
@@ -5084,7 +8596,7 @@
         <p:spPr>
           <a:xfrm>
             <a:off x="504000" y="226080"/>
-            <a:ext cx="9070920" cy="945720"/>
+            <a:ext cx="9070560" cy="945360"/>
           </a:xfrm>
           <a:prstGeom prst="rect">
             <a:avLst/>
@@ -5139,7 +8651,7 @@
         <p:spPr>
           <a:xfrm>
             <a:off x="529560" y="1326600"/>
-            <a:ext cx="4041720" cy="3930480"/>
+            <a:ext cx="4041360" cy="3930120"/>
           </a:xfrm>
           <a:prstGeom prst="rect">
             <a:avLst/>
@@ -5396,7 +8908,7 @@
         <p:spPr>
           <a:xfrm>
             <a:off x="7772400" y="990720"/>
-            <a:ext cx="2056680" cy="1370880"/>
+            <a:ext cx="2056320" cy="1370520"/>
           </a:xfrm>
           <a:prstGeom prst="rect">
             <a:avLst/>
@@ -5425,7 +8937,7 @@
         <p:spPr>
           <a:xfrm>
             <a:off x="4572000" y="2057400"/>
-            <a:ext cx="2285280" cy="925920"/>
+            <a:ext cx="2284920" cy="925560"/>
           </a:xfrm>
           <a:prstGeom prst="rect">
             <a:avLst/>
@@ -5448,7 +8960,7 @@
         <p:spPr>
           <a:xfrm>
             <a:off x="7086600" y="2778120"/>
-            <a:ext cx="2742480" cy="1233000"/>
+            <a:ext cx="2742120" cy="1232640"/>
           </a:xfrm>
           <a:prstGeom prst="rect">
             <a:avLst/>
@@ -5471,7 +8983,7 @@
         <p:spPr>
           <a:xfrm>
             <a:off x="4960800" y="4114800"/>
-            <a:ext cx="2353680" cy="469800"/>
+            <a:ext cx="2353320" cy="469440"/>
           </a:xfrm>
           <a:prstGeom prst="rect">
             <a:avLst/>
@@ -5500,7 +9012,7 @@
         <p:spPr>
           <a:xfrm>
             <a:off x="8229600" y="4293720"/>
-            <a:ext cx="1142280" cy="1375560"/>
+            <a:ext cx="1141920" cy="1375200"/>
           </a:xfrm>
           <a:prstGeom prst="rect">
             <a:avLst/>
@@ -5553,7 +9065,7 @@
         <p:spPr>
           <a:xfrm>
             <a:off x="504000" y="226080"/>
-            <a:ext cx="9070920" cy="945720"/>
+            <a:ext cx="9070560" cy="5260320"/>
           </a:xfrm>
           <a:prstGeom prst="rect">
             <a:avLst/>
@@ -5584,100 +9096,9 @@
                 </a:solidFill>
                 <a:latin typeface="Arial"/>
               </a:rPr>
-              <a:t>CrisprVi Results</a:t>
+              <a:t>Results</a:t>
             </a:r>
             <a:endParaRPr b="0" lang="en-US" sz="4400" spc="-1" strike="noStrike">
-              <a:solidFill>
-                <a:srgbClr val="000000"/>
-              </a:solidFill>
-              <a:latin typeface="Arial"/>
-            </a:endParaRPr>
-          </a:p>
-        </p:txBody>
-      </p:sp>
-      <p:sp>
-        <p:nvSpPr>
-          <p:cNvPr id="41" name="PlaceHolder 2"/>
-          <p:cNvSpPr>
-            <a:spLocks noGrp="1"/>
-          </p:cNvSpPr>
-          <p:nvPr>
-            <p:ph/>
-          </p:nvPr>
-        </p:nvSpPr>
-        <p:spPr>
-          <a:xfrm>
-            <a:off x="504000" y="1326600"/>
-            <a:ext cx="9070920" cy="3287520"/>
-          </a:xfrm>
-          <a:prstGeom prst="rect">
-            <a:avLst/>
-          </a:prstGeom>
-          <a:noFill/>
-          <a:ln w="0">
-            <a:noFill/>
-          </a:ln>
-        </p:spPr>
-        <p:txBody>
-          <a:bodyPr lIns="0" rIns="0" tIns="0" bIns="0" anchor="t">
-            <a:normAutofit/>
-          </a:bodyPr>
-          <a:p>
-            <a:pPr marL="432000" indent="-324000">
-              <a:lnSpc>
-                <a:spcPct val="100000"/>
-              </a:lnSpc>
-              <a:spcBef>
-                <a:spcPts val="1417"/>
-              </a:spcBef>
-              <a:buClr>
-                <a:srgbClr val="000000"/>
-              </a:buClr>
-              <a:buSzPct val="45000"/>
-              <a:buFont typeface="Wingdings" charset="2"/>
-              <a:buChar char=""/>
-            </a:pPr>
-            <a:r>
-              <a:rPr b="0" lang="en-US" sz="3200" spc="-1" strike="noStrike">
-                <a:solidFill>
-                  <a:srgbClr val="000000"/>
-                </a:solidFill>
-                <a:latin typeface="Arial"/>
-              </a:rPr>
-              <a:t>Python package with GUI</a:t>
-            </a:r>
-            <a:endParaRPr b="0" lang="en-US" sz="3200" spc="-1" strike="noStrike">
-              <a:solidFill>
-                <a:srgbClr val="000000"/>
-              </a:solidFill>
-              <a:latin typeface="Arial"/>
-            </a:endParaRPr>
-          </a:p>
-          <a:p>
-            <a:pPr marL="432000" indent="-324000">
-              <a:lnSpc>
-                <a:spcPct val="100000"/>
-              </a:lnSpc>
-              <a:spcBef>
-                <a:spcPts val="1417"/>
-              </a:spcBef>
-              <a:buClr>
-                <a:srgbClr val="000000"/>
-              </a:buClr>
-              <a:buSzPct val="45000"/>
-              <a:buFont typeface="Wingdings" charset="2"/>
-              <a:buChar char=""/>
-            </a:pPr>
-            <a:r>
-              <a:rPr b="0" lang="en-US" sz="3200" spc="-1" strike="noStrike">
-                <a:solidFill>
-                  <a:srgbClr val="000000"/>
-                </a:solidFill>
-                <a:latin typeface="Arial"/>
-              </a:rPr>
-              <a:t>Flexible: allows user to choose CRISPR detection</a:t>
-            </a:r>
-            <a:endParaRPr b="0" lang="en-US" sz="3200" spc="-1" strike="noStrike">
               <a:solidFill>
                 <a:srgbClr val="000000"/>
               </a:solidFill>
@@ -5718,7 +9139,7 @@
       </p:grpSpPr>
       <p:sp>
         <p:nvSpPr>
-          <p:cNvPr id="42" name="PlaceHolder 1"/>
+          <p:cNvPr id="41" name="PlaceHolder 1"/>
           <p:cNvSpPr>
             <a:spLocks noGrp="1"/>
           </p:cNvSpPr>
@@ -5728,8 +9149,8 @@
         </p:nvSpPr>
         <p:spPr>
           <a:xfrm>
-            <a:off x="504000" y="74160"/>
-            <a:ext cx="9070920" cy="1249560"/>
+            <a:off x="504000" y="226080"/>
+            <a:ext cx="9070560" cy="945360"/>
           </a:xfrm>
           <a:prstGeom prst="rect">
             <a:avLst/>
@@ -5745,16 +9166,7 @@
           </a:bodyPr>
           <a:p>
             <a:pPr indent="0" algn="ctr">
-              <a:lnSpc>
-                <a:spcPct val="100000"/>
-              </a:lnSpc>
-              <a:spcBef>
-                <a:spcPts val="1417"/>
-              </a:spcBef>
               <a:buNone/>
-              <a:tabLst>
-                <a:tab algn="l" pos="0"/>
-              </a:tabLst>
             </a:pPr>
             <a:r>
               <a:rPr b="0" lang="en-US" sz="4400" spc="-1" strike="noStrike">
@@ -5763,7 +9175,7 @@
                 </a:solidFill>
                 <a:latin typeface="Arial"/>
               </a:rPr>
-              <a:t>User can customize graphics for DRs/spacers</a:t>
+              <a:t>GUI Overview</a:t>
             </a:r>
             <a:endParaRPr b="0" lang="en-US" sz="4400" spc="-1" strike="noStrike">
               <a:solidFill>
@@ -5776,7 +9188,7 @@
       </p:sp>
       <p:sp>
         <p:nvSpPr>
-          <p:cNvPr id="43" name="PlaceHolder 2"/>
+          <p:cNvPr id="42" name="PlaceHolder 2"/>
           <p:cNvSpPr>
             <a:spLocks noGrp="1"/>
           </p:cNvSpPr>
@@ -5787,7 +9199,7 @@
         <p:spPr>
           <a:xfrm>
             <a:off x="504000" y="1326600"/>
-            <a:ext cx="9070920" cy="3287520"/>
+            <a:ext cx="9070560" cy="3287160"/>
           </a:xfrm>
           <a:prstGeom prst="rect">
             <a:avLst/>
@@ -5808,7 +9220,7 @@
               </a:spcBef>
               <a:buNone/>
             </a:pPr>
-            <a:endParaRPr b="0" lang="en-US" sz="1800" spc="-1" strike="noStrike">
+            <a:endParaRPr b="0" lang="en-US" sz="3200" spc="-1" strike="noStrike">
               <a:solidFill>
                 <a:srgbClr val="000000"/>
               </a:solidFill>
@@ -5819,7 +9231,7 @@
       </p:sp>
       <p:pic>
         <p:nvPicPr>
-          <p:cNvPr id="44" name="" descr=""/>
+          <p:cNvPr id="43" name="" descr=""/>
           <p:cNvPicPr/>
           <p:nvPr/>
         </p:nvPicPr>
@@ -5829,54 +9241,8 @@
         </p:blipFill>
         <p:spPr>
           <a:xfrm>
-            <a:off x="177480" y="1326600"/>
-            <a:ext cx="4394880" cy="2787480"/>
-          </a:xfrm>
-          <a:prstGeom prst="rect">
-            <a:avLst/>
-          </a:prstGeom>
-          <a:ln w="0">
-            <a:noFill/>
-          </a:ln>
-        </p:spPr>
-      </p:pic>
-      <p:pic>
-        <p:nvPicPr>
-          <p:cNvPr id="45" name="" descr=""/>
-          <p:cNvPicPr/>
-          <p:nvPr/>
-        </p:nvPicPr>
-        <p:blipFill>
-          <a:blip r:embed="rId2"/>
-          <a:stretch/>
-        </p:blipFill>
-        <p:spPr>
-          <a:xfrm>
-            <a:off x="4773240" y="1600200"/>
-            <a:ext cx="5284440" cy="2285280"/>
-          </a:xfrm>
-          <a:prstGeom prst="rect">
-            <a:avLst/>
-          </a:prstGeom>
-          <a:ln w="0">
-            <a:noFill/>
-          </a:ln>
-        </p:spPr>
-      </p:pic>
-      <p:pic>
-        <p:nvPicPr>
-          <p:cNvPr id="46" name="" descr=""/>
-          <p:cNvPicPr/>
-          <p:nvPr/>
-        </p:nvPicPr>
-        <p:blipFill>
-          <a:blip r:embed="rId3"/>
-          <a:stretch/>
-        </p:blipFill>
-        <p:spPr>
-          <a:xfrm>
-            <a:off x="647280" y="1234440"/>
-            <a:ext cx="8724600" cy="4434840"/>
+            <a:off x="0" y="1371600"/>
+            <a:ext cx="10080360" cy="4258800"/>
           </a:xfrm>
           <a:prstGeom prst="rect">
             <a:avLst/>
@@ -5896,81 +9262,6 @@
       <p:transition spd="slow"/>
     </mc:Fallback>
   </mc:AlternateContent>
-  <p:timing>
-    <p:tnLst>
-      <p:par>
-        <p:cTn id="1" dur="indefinite" restart="never" nodeType="tmRoot">
-          <p:childTnLst>
-            <p:seq>
-              <p:cTn id="2" dur="indefinite" nodeType="mainSeq">
-                <p:childTnLst>
-                  <p:par>
-                    <p:cTn id="3" fill="hold">
-                      <p:stCondLst>
-                        <p:cond delay="indefinite"/>
-                      </p:stCondLst>
-                      <p:childTnLst>
-                        <p:par>
-                          <p:cTn id="4" fill="hold">
-                            <p:stCondLst>
-                              <p:cond delay="0"/>
-                            </p:stCondLst>
-                            <p:childTnLst>
-                              <p:par>
-                                <p:cTn id="5" nodeType="clickEffect" fill="hold" presetClass="entr" presetID="1">
-                                  <p:stCondLst>
-                                    <p:cond delay="0"/>
-                                  </p:stCondLst>
-                                  <p:childTnLst>
-                                    <p:set>
-                                      <p:cBhvr>
-                                        <p:cTn id="6" dur="1" fill="hold">
-                                          <p:stCondLst>
-                                            <p:cond delay="0"/>
-                                          </p:stCondLst>
-                                        </p:cTn>
-                                        <p:tgtEl>
-                                          <p:spTgt spid="46"/>
-                                        </p:tgtEl>
-                                        <p:attrNameLst>
-                                          <p:attrName>style.visibility</p:attrName>
-                                        </p:attrNameLst>
-                                      </p:cBhvr>
-                                      <p:to>
-                                        <p:strVal val="visible"/>
-                                      </p:to>
-                                    </p:set>
-                                  </p:childTnLst>
-                                </p:cTn>
-                              </p:par>
-                            </p:childTnLst>
-                          </p:cTn>
-                        </p:par>
-                      </p:childTnLst>
-                    </p:cTn>
-                  </p:par>
-                </p:childTnLst>
-              </p:cTn>
-              <p:prevCondLst>
-                <p:cond evt="onPrev">
-                  <p:tgtEl>
-                    <p:sldTgt/>
-                  </p:tgtEl>
-                </p:cond>
-              </p:prevCondLst>
-              <p:nextCondLst>
-                <p:cond evt="onNext">
-                  <p:tgtEl>
-                    <p:sldTgt/>
-                  </p:tgtEl>
-                </p:cond>
-              </p:nextCondLst>
-            </p:seq>
-          </p:childTnLst>
-        </p:cTn>
-      </p:par>
-    </p:tnLst>
-  </p:timing>
 </p:sld>
 </file>
 
